--- a/SnakeBitePresentation_cfoEdits2.pptx
+++ b/SnakeBitePresentation_cfoEdits2.pptx
@@ -8,9 +8,9 @@
     <p:sldId id="256" r:id="rId2"/>
     <p:sldId id="257" r:id="rId3"/>
     <p:sldId id="267" r:id="rId4"/>
-    <p:sldId id="266" r:id="rId5"/>
-    <p:sldId id="269" r:id="rId6"/>
-    <p:sldId id="268" r:id="rId7"/>
+    <p:sldId id="268" r:id="rId5"/>
+    <p:sldId id="266" r:id="rId6"/>
+    <p:sldId id="269" r:id="rId7"/>
     <p:sldId id="258" r:id="rId8"/>
     <p:sldId id="259" r:id="rId9"/>
     <p:sldId id="260" r:id="rId10"/>
@@ -846,7 +846,7 @@
           <a:p>
             <a:fld id="{8CC71C08-3195-43D4-9A1F-6CFC67AEC340}" type="datetimeFigureOut">
               <a:rPr lang="en-US" smtClean="0"/>
-              <a:t>3/2/2019</a:t>
+              <a:t>3/3/19</a:t>
             </a:fld>
             <a:endParaRPr lang="en-US"/>
           </a:p>
@@ -1097,7 +1097,7 @@
           <a:p>
             <a:fld id="{8CC71C08-3195-43D4-9A1F-6CFC67AEC340}" type="datetimeFigureOut">
               <a:rPr lang="en-US" smtClean="0"/>
-              <a:t>3/2/2019</a:t>
+              <a:t>3/3/19</a:t>
             </a:fld>
             <a:endParaRPr lang="en-US"/>
           </a:p>
@@ -1411,7 +1411,7 @@
           <a:p>
             <a:fld id="{8CC71C08-3195-43D4-9A1F-6CFC67AEC340}" type="datetimeFigureOut">
               <a:rPr lang="en-US" smtClean="0"/>
-              <a:t>3/2/2019</a:t>
+              <a:t>3/3/19</a:t>
             </a:fld>
             <a:endParaRPr lang="en-US"/>
           </a:p>
@@ -1752,7 +1752,7 @@
           <a:p>
             <a:fld id="{8CC71C08-3195-43D4-9A1F-6CFC67AEC340}" type="datetimeFigureOut">
               <a:rPr lang="en-US" smtClean="0"/>
-              <a:t>3/2/2019</a:t>
+              <a:t>3/3/19</a:t>
             </a:fld>
             <a:endParaRPr lang="en-US"/>
           </a:p>
@@ -2066,7 +2066,7 @@
           <a:p>
             <a:fld id="{8CC71C08-3195-43D4-9A1F-6CFC67AEC340}" type="datetimeFigureOut">
               <a:rPr lang="en-US" smtClean="0"/>
-              <a:t>3/2/2019</a:t>
+              <a:t>3/3/19</a:t>
             </a:fld>
             <a:endParaRPr lang="en-US"/>
           </a:p>
@@ -2459,7 +2459,7 @@
           <a:p>
             <a:fld id="{8CC71C08-3195-43D4-9A1F-6CFC67AEC340}" type="datetimeFigureOut">
               <a:rPr lang="en-US" smtClean="0"/>
-              <a:t>3/2/2019</a:t>
+              <a:t>3/3/19</a:t>
             </a:fld>
             <a:endParaRPr lang="en-US"/>
           </a:p>
@@ -2629,7 +2629,7 @@
           <a:p>
             <a:fld id="{8CC71C08-3195-43D4-9A1F-6CFC67AEC340}" type="datetimeFigureOut">
               <a:rPr lang="en-US" smtClean="0"/>
-              <a:t>3/2/2019</a:t>
+              <a:t>3/3/19</a:t>
             </a:fld>
             <a:endParaRPr lang="en-US"/>
           </a:p>
@@ -2809,7 +2809,7 @@
           <a:p>
             <a:fld id="{8CC71C08-3195-43D4-9A1F-6CFC67AEC340}" type="datetimeFigureOut">
               <a:rPr lang="en-US" smtClean="0"/>
-              <a:t>3/2/2019</a:t>
+              <a:t>3/3/19</a:t>
             </a:fld>
             <a:endParaRPr lang="en-US"/>
           </a:p>
@@ -2985,7 +2985,7 @@
           <a:p>
             <a:fld id="{8CC71C08-3195-43D4-9A1F-6CFC67AEC340}" type="datetimeFigureOut">
               <a:rPr lang="en-US" smtClean="0"/>
-              <a:t>3/2/2019</a:t>
+              <a:t>3/3/19</a:t>
             </a:fld>
             <a:endParaRPr lang="en-US"/>
           </a:p>
@@ -3232,7 +3232,7 @@
           <a:p>
             <a:fld id="{8CC71C08-3195-43D4-9A1F-6CFC67AEC340}" type="datetimeFigureOut">
               <a:rPr lang="en-US" smtClean="0"/>
-              <a:t>3/2/2019</a:t>
+              <a:t>3/3/19</a:t>
             </a:fld>
             <a:endParaRPr lang="en-US"/>
           </a:p>
@@ -3464,7 +3464,7 @@
           <a:p>
             <a:fld id="{8CC71C08-3195-43D4-9A1F-6CFC67AEC340}" type="datetimeFigureOut">
               <a:rPr lang="en-US" smtClean="0"/>
-              <a:t>3/2/2019</a:t>
+              <a:t>3/3/19</a:t>
             </a:fld>
             <a:endParaRPr lang="en-US"/>
           </a:p>
@@ -3838,7 +3838,7 @@
           <a:p>
             <a:fld id="{8CC71C08-3195-43D4-9A1F-6CFC67AEC340}" type="datetimeFigureOut">
               <a:rPr lang="en-US" smtClean="0"/>
-              <a:t>3/2/2019</a:t>
+              <a:t>3/3/19</a:t>
             </a:fld>
             <a:endParaRPr lang="en-US"/>
           </a:p>
@@ -3961,7 +3961,7 @@
           <a:p>
             <a:fld id="{8CC71C08-3195-43D4-9A1F-6CFC67AEC340}" type="datetimeFigureOut">
               <a:rPr lang="en-US" smtClean="0"/>
-              <a:t>3/2/2019</a:t>
+              <a:t>3/3/19</a:t>
             </a:fld>
             <a:endParaRPr lang="en-US"/>
           </a:p>
@@ -4056,7 +4056,7 @@
           <a:p>
             <a:fld id="{8CC71C08-3195-43D4-9A1F-6CFC67AEC340}" type="datetimeFigureOut">
               <a:rPr lang="en-US" smtClean="0"/>
-              <a:t>3/2/2019</a:t>
+              <a:t>3/3/19</a:t>
             </a:fld>
             <a:endParaRPr lang="en-US"/>
           </a:p>
@@ -4311,7 +4311,7 @@
           <a:p>
             <a:fld id="{8CC71C08-3195-43D4-9A1F-6CFC67AEC340}" type="datetimeFigureOut">
               <a:rPr lang="en-US" smtClean="0"/>
-              <a:t>3/2/2019</a:t>
+              <a:t>3/3/19</a:t>
             </a:fld>
             <a:endParaRPr lang="en-US"/>
           </a:p>
@@ -4574,7 +4574,7 @@
           <a:p>
             <a:fld id="{8CC71C08-3195-43D4-9A1F-6CFC67AEC340}" type="datetimeFigureOut">
               <a:rPr lang="en-US" smtClean="0"/>
-              <a:t>3/2/2019</a:t>
+              <a:t>3/3/19</a:t>
             </a:fld>
             <a:endParaRPr lang="en-US"/>
           </a:p>
@@ -5317,7 +5317,7 @@
           <a:p>
             <a:fld id="{8CC71C08-3195-43D4-9A1F-6CFC67AEC340}" type="datetimeFigureOut">
               <a:rPr lang="en-US" smtClean="0"/>
-              <a:t>3/2/2019</a:t>
+              <a:t>3/3/19</a:t>
             </a:fld>
             <a:endParaRPr lang="en-US"/>
           </a:p>
@@ -8303,6 +8303,195 @@
           <p:cNvPr id="2" name="Title 1">
             <a:extLst>
               <a:ext uri="{FF2B5EF4-FFF2-40B4-BE49-F238E27FC236}">
+                <a16:creationId xmlns:a16="http://schemas.microsoft.com/office/drawing/2014/main" id="{8FA609FA-2602-460C-B86A-36EF1C8E1ED8}"/>
+              </a:ext>
+            </a:extLst>
+          </p:cNvPr>
+          <p:cNvSpPr>
+            <a:spLocks noGrp="1"/>
+          </p:cNvSpPr>
+          <p:nvPr>
+            <p:ph type="title"/>
+          </p:nvPr>
+        </p:nvSpPr>
+        <p:spPr/>
+        <p:txBody>
+          <a:bodyPr/>
+          <a:lstStyle/>
+          <a:p>
+            <a:pPr algn="ctr"/>
+            <a:r>
+              <a:rPr lang="en-US" dirty="0">
+                <a:latin typeface="Calibri" panose="020F0502020204030204" pitchFamily="34" charset="0"/>
+                <a:cs typeface="Calibri" panose="020F0502020204030204" pitchFamily="34" charset="0"/>
+              </a:rPr>
+              <a:t>Data Cleaning</a:t>
+            </a:r>
+          </a:p>
+        </p:txBody>
+      </p:sp>
+      <p:sp>
+        <p:nvSpPr>
+          <p:cNvPr id="3" name="Content Placeholder 2">
+            <a:extLst>
+              <a:ext uri="{FF2B5EF4-FFF2-40B4-BE49-F238E27FC236}">
+                <a16:creationId xmlns:a16="http://schemas.microsoft.com/office/drawing/2014/main" id="{912ACEB9-2452-4739-BDD4-C3D9D781E28A}"/>
+              </a:ext>
+            </a:extLst>
+          </p:cNvPr>
+          <p:cNvSpPr>
+            <a:spLocks noGrp="1"/>
+          </p:cNvSpPr>
+          <p:nvPr>
+            <p:ph idx="1"/>
+          </p:nvPr>
+        </p:nvSpPr>
+        <p:spPr/>
+        <p:txBody>
+          <a:bodyPr/>
+          <a:lstStyle/>
+          <a:p>
+            <a:r>
+              <a:rPr lang="en-US" dirty="0">
+                <a:cs typeface="Calibri" panose="020F0502020204030204" pitchFamily="34" charset="0"/>
+              </a:rPr>
+              <a:t>80% of data analysis process is data cleaning</a:t>
+            </a:r>
+            <a:endParaRPr lang="en-US" dirty="0"/>
+          </a:p>
+          <a:p>
+            <a:r>
+              <a:rPr lang="en-US" dirty="0"/>
+              <a:t>Ignoring missing values vs filling reasonable numbers:</a:t>
+            </a:r>
+          </a:p>
+          <a:p>
+            <a:pPr lvl="1"/>
+            <a:r>
+              <a:rPr lang="en-US" dirty="0" err="1"/>
+              <a:t>DataFrame.dropna</a:t>
+            </a:r>
+            <a:r>
+              <a:rPr lang="en-US" dirty="0"/>
+              <a:t> = lose accuracy</a:t>
+            </a:r>
+          </a:p>
+          <a:p>
+            <a:pPr lvl="1"/>
+            <a:r>
+              <a:rPr lang="en-US" dirty="0"/>
+              <a:t>Create your own function</a:t>
+            </a:r>
+          </a:p>
+          <a:p>
+            <a:pPr lvl="1"/>
+            <a:r>
+              <a:rPr lang="en-US" dirty="0"/>
+              <a:t>Lambda function</a:t>
+            </a:r>
+          </a:p>
+          <a:p>
+            <a:pPr lvl="2"/>
+            <a:r>
+              <a:rPr lang="en-US" dirty="0"/>
+              <a:t>I. e. </a:t>
+            </a:r>
+            <a:r>
+              <a:rPr lang="en-US" dirty="0" err="1"/>
+              <a:t>df</a:t>
+            </a:r>
+            <a:r>
+              <a:rPr lang="en-US" dirty="0"/>
+              <a:t>[‘Score’].apply(lambda x: </a:t>
+            </a:r>
+            <a:r>
+              <a:rPr lang="en-US" dirty="0" err="1"/>
+              <a:t>x.fillna</a:t>
+            </a:r>
+            <a:r>
+              <a:rPr lang="en-US" dirty="0"/>
+              <a:t>(</a:t>
+            </a:r>
+            <a:r>
+              <a:rPr lang="en-US" dirty="0" err="1"/>
+              <a:t>x.mean</a:t>
+            </a:r>
+            <a:r>
+              <a:rPr lang="en-US" dirty="0"/>
+              <a:t>()),axis=1)</a:t>
+            </a:r>
+          </a:p>
+          <a:p>
+            <a:r>
+              <a:rPr lang="en-US" dirty="0"/>
+              <a:t>Normalizing data (rescaling or standardizing)</a:t>
+            </a:r>
+          </a:p>
+          <a:p>
+            <a:pPr lvl="1"/>
+            <a:r>
+              <a:rPr lang="en-US" dirty="0" err="1"/>
+              <a:t>dfA</a:t>
+            </a:r>
+            <a:r>
+              <a:rPr lang="en-US" dirty="0"/>
+              <a:t> score range: 0 to 30</a:t>
+            </a:r>
+          </a:p>
+          <a:p>
+            <a:pPr lvl="1"/>
+            <a:r>
+              <a:rPr lang="en-US" dirty="0" err="1"/>
+              <a:t>dfB</a:t>
+            </a:r>
+            <a:r>
+              <a:rPr lang="en-US"/>
+              <a:t> score range: -30 to 50</a:t>
+            </a:r>
+          </a:p>
+          <a:p>
+            <a:pPr marL="0" indent="0">
+              <a:buNone/>
+            </a:pPr>
+            <a:endParaRPr lang="en-US" dirty="0"/>
+          </a:p>
+        </p:txBody>
+      </p:sp>
+    </p:spTree>
+    <p:extLst>
+      <p:ext uri="{BB962C8B-B14F-4D97-AF65-F5344CB8AC3E}">
+        <p14:creationId xmlns:p14="http://schemas.microsoft.com/office/powerpoint/2010/main" val="3722343492"/>
+      </p:ext>
+    </p:extLst>
+  </p:cSld>
+  <p:clrMapOvr>
+    <a:masterClrMapping/>
+  </p:clrMapOvr>
+</p:sld>
+</file>
+
+<file path=ppt/slides/slide5.xml><?xml version="1.0" encoding="utf-8"?>
+<p:sld xmlns:a="http://schemas.openxmlformats.org/drawingml/2006/main" xmlns:r="http://schemas.openxmlformats.org/officeDocument/2006/relationships" xmlns:p="http://schemas.openxmlformats.org/presentationml/2006/main">
+  <p:cSld>
+    <p:spTree>
+      <p:nvGrpSpPr>
+        <p:cNvPr id="1" name=""/>
+        <p:cNvGrpSpPr/>
+        <p:nvPr/>
+      </p:nvGrpSpPr>
+      <p:grpSpPr>
+        <a:xfrm>
+          <a:off x="0" y="0"/>
+          <a:ext cx="0" cy="0"/>
+          <a:chOff x="0" y="0"/>
+          <a:chExt cx="0" cy="0"/>
+        </a:xfrm>
+      </p:grpSpPr>
+      <p:sp>
+        <p:nvSpPr>
+          <p:cNvPr id="2" name="Title 1">
+            <a:extLst>
+              <a:ext uri="{FF2B5EF4-FFF2-40B4-BE49-F238E27FC236}">
                 <a16:creationId xmlns:a16="http://schemas.microsoft.com/office/drawing/2014/main" id="{58047559-5EC1-43D8-8F94-23869C87ED6A}"/>
               </a:ext>
             </a:extLst>
@@ -8485,7 +8674,7 @@
 </p:sld>
 </file>
 
-<file path=ppt/slides/slide5.xml><?xml version="1.0" encoding="utf-8"?>
+<file path=ppt/slides/slide6.xml><?xml version="1.0" encoding="utf-8"?>
 <p:sld xmlns:a="http://schemas.openxmlformats.org/drawingml/2006/main" xmlns:r="http://schemas.openxmlformats.org/officeDocument/2006/relationships" xmlns:p="http://schemas.openxmlformats.org/presentationml/2006/main">
   <p:cSld>
     <p:bg>
@@ -10467,92 +10656,6 @@
     <p:extLst>
       <p:ext uri="{BB962C8B-B14F-4D97-AF65-F5344CB8AC3E}">
         <p14:creationId xmlns:p14="http://schemas.microsoft.com/office/powerpoint/2010/main" val="644430293"/>
-      </p:ext>
-    </p:extLst>
-  </p:cSld>
-  <p:clrMapOvr>
-    <a:masterClrMapping/>
-  </p:clrMapOvr>
-</p:sld>
-</file>
-
-<file path=ppt/slides/slide6.xml><?xml version="1.0" encoding="utf-8"?>
-<p:sld xmlns:a="http://schemas.openxmlformats.org/drawingml/2006/main" xmlns:r="http://schemas.openxmlformats.org/officeDocument/2006/relationships" xmlns:p="http://schemas.openxmlformats.org/presentationml/2006/main">
-  <p:cSld>
-    <p:spTree>
-      <p:nvGrpSpPr>
-        <p:cNvPr id="1" name=""/>
-        <p:cNvGrpSpPr/>
-        <p:nvPr/>
-      </p:nvGrpSpPr>
-      <p:grpSpPr>
-        <a:xfrm>
-          <a:off x="0" y="0"/>
-          <a:ext cx="0" cy="0"/>
-          <a:chOff x="0" y="0"/>
-          <a:chExt cx="0" cy="0"/>
-        </a:xfrm>
-      </p:grpSpPr>
-      <p:sp>
-        <p:nvSpPr>
-          <p:cNvPr id="2" name="Title 1">
-            <a:extLst>
-              <a:ext uri="{FF2B5EF4-FFF2-40B4-BE49-F238E27FC236}">
-                <a16:creationId xmlns:a16="http://schemas.microsoft.com/office/drawing/2014/main" id="{8FA609FA-2602-460C-B86A-36EF1C8E1ED8}"/>
-              </a:ext>
-            </a:extLst>
-          </p:cNvPr>
-          <p:cNvSpPr>
-            <a:spLocks noGrp="1"/>
-          </p:cNvSpPr>
-          <p:nvPr>
-            <p:ph type="title"/>
-          </p:nvPr>
-        </p:nvSpPr>
-        <p:spPr/>
-        <p:txBody>
-          <a:bodyPr/>
-          <a:lstStyle/>
-          <a:p>
-            <a:r>
-              <a:rPr lang="en-US" dirty="0">
-                <a:latin typeface="Calibri" panose="020F0502020204030204" pitchFamily="34" charset="0"/>
-                <a:cs typeface="Calibri" panose="020F0502020204030204" pitchFamily="34" charset="0"/>
-              </a:rPr>
-              <a:t>The data cleaning saga continues…</a:t>
-            </a:r>
-          </a:p>
-        </p:txBody>
-      </p:sp>
-      <p:sp>
-        <p:nvSpPr>
-          <p:cNvPr id="3" name="Content Placeholder 2">
-            <a:extLst>
-              <a:ext uri="{FF2B5EF4-FFF2-40B4-BE49-F238E27FC236}">
-                <a16:creationId xmlns:a16="http://schemas.microsoft.com/office/drawing/2014/main" id="{912ACEB9-2452-4739-BDD4-C3D9D781E28A}"/>
-              </a:ext>
-            </a:extLst>
-          </p:cNvPr>
-          <p:cNvSpPr>
-            <a:spLocks noGrp="1"/>
-          </p:cNvSpPr>
-          <p:nvPr>
-            <p:ph idx="1"/>
-          </p:nvPr>
-        </p:nvSpPr>
-        <p:spPr/>
-        <p:txBody>
-          <a:bodyPr/>
-          <a:lstStyle/>
-          <a:p>
-            <a:endParaRPr lang="en-US" dirty="0"/>
-          </a:p>
-        </p:txBody>
-      </p:sp>
-    </p:spTree>
-    <p:extLst>
-      <p:ext uri="{BB962C8B-B14F-4D97-AF65-F5344CB8AC3E}">
-        <p14:creationId xmlns:p14="http://schemas.microsoft.com/office/powerpoint/2010/main" val="3722343492"/>
       </p:ext>
     </p:extLst>
   </p:cSld>

--- a/SnakeBitePresentation_cfoEdits2.pptx
+++ b/SnakeBitePresentation_cfoEdits2.pptx
@@ -8,16 +8,17 @@
     <p:sldId id="256" r:id="rId2"/>
     <p:sldId id="257" r:id="rId3"/>
     <p:sldId id="267" r:id="rId4"/>
-    <p:sldId id="268" r:id="rId5"/>
-    <p:sldId id="266" r:id="rId6"/>
+    <p:sldId id="266" r:id="rId5"/>
+    <p:sldId id="268" r:id="rId6"/>
     <p:sldId id="269" r:id="rId7"/>
     <p:sldId id="258" r:id="rId8"/>
     <p:sldId id="259" r:id="rId9"/>
-    <p:sldId id="260" r:id="rId10"/>
-    <p:sldId id="270" r:id="rId11"/>
-    <p:sldId id="261" r:id="rId12"/>
-    <p:sldId id="262" r:id="rId13"/>
-    <p:sldId id="264" r:id="rId14"/>
+    <p:sldId id="261" r:id="rId10"/>
+    <p:sldId id="260" r:id="rId11"/>
+    <p:sldId id="272" r:id="rId12"/>
+    <p:sldId id="273" r:id="rId13"/>
+    <p:sldId id="262" r:id="rId14"/>
+    <p:sldId id="264" r:id="rId15"/>
   </p:sldIdLst>
   <p:sldSz cx="12192000" cy="6858000"/>
   <p:notesSz cx="6858000" cy="9144000"/>
@@ -846,7 +847,7 @@
           <a:p>
             <a:fld id="{8CC71C08-3195-43D4-9A1F-6CFC67AEC340}" type="datetimeFigureOut">
               <a:rPr lang="en-US" smtClean="0"/>
-              <a:t>3/3/19</a:t>
+              <a:t>3/3/2019</a:t>
             </a:fld>
             <a:endParaRPr lang="en-US"/>
           </a:p>
@@ -1097,7 +1098,7 @@
           <a:p>
             <a:fld id="{8CC71C08-3195-43D4-9A1F-6CFC67AEC340}" type="datetimeFigureOut">
               <a:rPr lang="en-US" smtClean="0"/>
-              <a:t>3/3/19</a:t>
+              <a:t>3/3/2019</a:t>
             </a:fld>
             <a:endParaRPr lang="en-US"/>
           </a:p>
@@ -1411,7 +1412,7 @@
           <a:p>
             <a:fld id="{8CC71C08-3195-43D4-9A1F-6CFC67AEC340}" type="datetimeFigureOut">
               <a:rPr lang="en-US" smtClean="0"/>
-              <a:t>3/3/19</a:t>
+              <a:t>3/3/2019</a:t>
             </a:fld>
             <a:endParaRPr lang="en-US"/>
           </a:p>
@@ -1752,7 +1753,7 @@
           <a:p>
             <a:fld id="{8CC71C08-3195-43D4-9A1F-6CFC67AEC340}" type="datetimeFigureOut">
               <a:rPr lang="en-US" smtClean="0"/>
-              <a:t>3/3/19</a:t>
+              <a:t>3/3/2019</a:t>
             </a:fld>
             <a:endParaRPr lang="en-US"/>
           </a:p>
@@ -2066,7 +2067,7 @@
           <a:p>
             <a:fld id="{8CC71C08-3195-43D4-9A1F-6CFC67AEC340}" type="datetimeFigureOut">
               <a:rPr lang="en-US" smtClean="0"/>
-              <a:t>3/3/19</a:t>
+              <a:t>3/3/2019</a:t>
             </a:fld>
             <a:endParaRPr lang="en-US"/>
           </a:p>
@@ -2459,7 +2460,7 @@
           <a:p>
             <a:fld id="{8CC71C08-3195-43D4-9A1F-6CFC67AEC340}" type="datetimeFigureOut">
               <a:rPr lang="en-US" smtClean="0"/>
-              <a:t>3/3/19</a:t>
+              <a:t>3/3/2019</a:t>
             </a:fld>
             <a:endParaRPr lang="en-US"/>
           </a:p>
@@ -2629,7 +2630,7 @@
           <a:p>
             <a:fld id="{8CC71C08-3195-43D4-9A1F-6CFC67AEC340}" type="datetimeFigureOut">
               <a:rPr lang="en-US" smtClean="0"/>
-              <a:t>3/3/19</a:t>
+              <a:t>3/3/2019</a:t>
             </a:fld>
             <a:endParaRPr lang="en-US"/>
           </a:p>
@@ -2809,7 +2810,7 @@
           <a:p>
             <a:fld id="{8CC71C08-3195-43D4-9A1F-6CFC67AEC340}" type="datetimeFigureOut">
               <a:rPr lang="en-US" smtClean="0"/>
-              <a:t>3/3/19</a:t>
+              <a:t>3/3/2019</a:t>
             </a:fld>
             <a:endParaRPr lang="en-US"/>
           </a:p>
@@ -2985,7 +2986,7 @@
           <a:p>
             <a:fld id="{8CC71C08-3195-43D4-9A1F-6CFC67AEC340}" type="datetimeFigureOut">
               <a:rPr lang="en-US" smtClean="0"/>
-              <a:t>3/3/19</a:t>
+              <a:t>3/3/2019</a:t>
             </a:fld>
             <a:endParaRPr lang="en-US"/>
           </a:p>
@@ -3232,7 +3233,7 @@
           <a:p>
             <a:fld id="{8CC71C08-3195-43D4-9A1F-6CFC67AEC340}" type="datetimeFigureOut">
               <a:rPr lang="en-US" smtClean="0"/>
-              <a:t>3/3/19</a:t>
+              <a:t>3/3/2019</a:t>
             </a:fld>
             <a:endParaRPr lang="en-US"/>
           </a:p>
@@ -3464,7 +3465,7 @@
           <a:p>
             <a:fld id="{8CC71C08-3195-43D4-9A1F-6CFC67AEC340}" type="datetimeFigureOut">
               <a:rPr lang="en-US" smtClean="0"/>
-              <a:t>3/3/19</a:t>
+              <a:t>3/3/2019</a:t>
             </a:fld>
             <a:endParaRPr lang="en-US"/>
           </a:p>
@@ -3838,7 +3839,7 @@
           <a:p>
             <a:fld id="{8CC71C08-3195-43D4-9A1F-6CFC67AEC340}" type="datetimeFigureOut">
               <a:rPr lang="en-US" smtClean="0"/>
-              <a:t>3/3/19</a:t>
+              <a:t>3/3/2019</a:t>
             </a:fld>
             <a:endParaRPr lang="en-US"/>
           </a:p>
@@ -3961,7 +3962,7 @@
           <a:p>
             <a:fld id="{8CC71C08-3195-43D4-9A1F-6CFC67AEC340}" type="datetimeFigureOut">
               <a:rPr lang="en-US" smtClean="0"/>
-              <a:t>3/3/19</a:t>
+              <a:t>3/3/2019</a:t>
             </a:fld>
             <a:endParaRPr lang="en-US"/>
           </a:p>
@@ -4056,7 +4057,7 @@
           <a:p>
             <a:fld id="{8CC71C08-3195-43D4-9A1F-6CFC67AEC340}" type="datetimeFigureOut">
               <a:rPr lang="en-US" smtClean="0"/>
-              <a:t>3/3/19</a:t>
+              <a:t>3/3/2019</a:t>
             </a:fld>
             <a:endParaRPr lang="en-US"/>
           </a:p>
@@ -4311,7 +4312,7 @@
           <a:p>
             <a:fld id="{8CC71C08-3195-43D4-9A1F-6CFC67AEC340}" type="datetimeFigureOut">
               <a:rPr lang="en-US" smtClean="0"/>
-              <a:t>3/3/19</a:t>
+              <a:t>3/3/2019</a:t>
             </a:fld>
             <a:endParaRPr lang="en-US"/>
           </a:p>
@@ -4574,7 +4575,7 @@
           <a:p>
             <a:fld id="{8CC71C08-3195-43D4-9A1F-6CFC67AEC340}" type="datetimeFigureOut">
               <a:rPr lang="en-US" smtClean="0"/>
-              <a:t>3/3/19</a:t>
+              <a:t>3/3/2019</a:t>
             </a:fld>
             <a:endParaRPr lang="en-US"/>
           </a:p>
@@ -5317,7 +5318,7 @@
           <a:p>
             <a:fld id="{8CC71C08-3195-43D4-9A1F-6CFC67AEC340}" type="datetimeFigureOut">
               <a:rPr lang="en-US" smtClean="0"/>
-              <a:t>3/3/19</a:t>
+              <a:t>3/3/2019</a:t>
             </a:fld>
             <a:endParaRPr lang="en-US"/>
           </a:p>
@@ -5987,8 +5988,8 @@
         </p:blipFill>
         <p:spPr>
           <a:xfrm>
-            <a:off x="1089048" y="648245"/>
-            <a:ext cx="6131699" cy="5018567"/>
+            <a:off x="1170061" y="971984"/>
+            <a:ext cx="5340609" cy="4371089"/>
           </a:xfrm>
           <a:prstGeom prst="rect">
             <a:avLst/>
@@ -6177,91 +6178,391 @@
       </p:grpSpPr>
       <p:sp>
         <p:nvSpPr>
-          <p:cNvPr id="2" name="Title 1">
+          <p:cNvPr id="4" name="Rectangle 3">
             <a:extLst>
               <a:ext uri="{FF2B5EF4-FFF2-40B4-BE49-F238E27FC236}">
-                <a16:creationId xmlns:a16="http://schemas.microsoft.com/office/drawing/2014/main" id="{5B7667AF-1456-441C-8708-D771F6A9D659}"/>
+                <a16:creationId xmlns:a16="http://schemas.microsoft.com/office/drawing/2014/main" id="{C960193E-A476-4B10-95BA-6A9C22CB696A}"/>
               </a:ext>
             </a:extLst>
           </p:cNvPr>
-          <p:cNvSpPr>
-            <a:spLocks noGrp="1"/>
-          </p:cNvSpPr>
-          <p:nvPr>
-            <p:ph type="title"/>
-          </p:nvPr>
+          <p:cNvSpPr/>
+          <p:nvPr/>
         </p:nvSpPr>
         <p:spPr>
           <a:xfrm>
-            <a:off x="838200" y="681037"/>
-            <a:ext cx="10515600" cy="2999423"/>
+            <a:off x="720090" y="182880"/>
+            <a:ext cx="8835390" cy="707886"/>
           </a:xfrm>
+          <a:prstGeom prst="rect">
+            <a:avLst/>
+          </a:prstGeom>
         </p:spPr>
         <p:txBody>
-          <a:bodyPr>
-            <a:normAutofit fontScale="90000"/>
+          <a:bodyPr wrap="square">
+            <a:spAutoFit/>
           </a:bodyPr>
           <a:lstStyle/>
           <a:p>
-            <a:r>
-              <a:rPr lang="en-US" dirty="0">
+            <a:pPr algn="ctr"/>
+            <a:r>
+              <a:rPr lang="en-US" sz="2000" b="1" dirty="0">
+                <a:solidFill>
+                  <a:schemeClr val="accent2"/>
+                </a:solidFill>
                 <a:latin typeface="Calibri" panose="020F0502020204030204" pitchFamily="34" charset="0"/>
                 <a:cs typeface="Calibri" panose="020F0502020204030204" pitchFamily="34" charset="0"/>
               </a:rPr>
-              <a:t>Question 3: </a:t>
-            </a:r>
-            <a:r>
-              <a:rPr lang="en-US" dirty="0">
-                <a:solidFill>
-                  <a:schemeClr val="tx1"/>
-                </a:solidFill>
+              <a:t>The Medicare Spending Per Patient</a:t>
+            </a:r>
+          </a:p>
+          <a:p>
+            <a:pPr algn="ctr"/>
+            <a:r>
+              <a:rPr lang="en-US" sz="2000" dirty="0">
                 <a:latin typeface="Calibri" panose="020F0502020204030204" pitchFamily="34" charset="0"/>
                 <a:cs typeface="Calibri" panose="020F0502020204030204" pitchFamily="34" charset="0"/>
               </a:rPr>
-              <a:t>Which county has the greatest count of data recordings? AKA, which county has the least “not available” data?</a:t>
-            </a:r>
-            <a:br>
-              <a:rPr lang="en-US" dirty="0">
-                <a:solidFill>
-                  <a:schemeClr val="tx1"/>
-                </a:solidFill>
-                <a:latin typeface="Calibri" panose="020F0502020204030204" pitchFamily="34" charset="0"/>
-                <a:cs typeface="Calibri" panose="020F0502020204030204" pitchFamily="34" charset="0"/>
-              </a:rPr>
-            </a:br>
-            <a:r>
-              <a:rPr lang="en-US" dirty="0">
-                <a:solidFill>
-                  <a:schemeClr val="tx1"/>
-                </a:solidFill>
-                <a:latin typeface="Calibri" panose="020F0502020204030204" pitchFamily="34" charset="0"/>
-                <a:cs typeface="Calibri" panose="020F0502020204030204" pitchFamily="34" charset="0"/>
-              </a:rPr>
-              <a:t>Count each “score” available and then compare between counties.</a:t>
-            </a:r>
-            <a:br>
-              <a:rPr lang="en-US" dirty="0">
-                <a:latin typeface="Calibri" panose="020F0502020204030204" pitchFamily="34" charset="0"/>
-                <a:cs typeface="Calibri" panose="020F0502020204030204" pitchFamily="34" charset="0"/>
-              </a:rPr>
-            </a:br>
-            <a:br>
-              <a:rPr lang="en-US" dirty="0">
-                <a:latin typeface="Calibri" panose="020F0502020204030204" pitchFamily="34" charset="0"/>
-                <a:cs typeface="Calibri" panose="020F0502020204030204" pitchFamily="34" charset="0"/>
-              </a:rPr>
-            </a:br>
-            <a:endParaRPr lang="en-US" dirty="0">
-              <a:latin typeface="Calibri" panose="020F0502020204030204" pitchFamily="34" charset="0"/>
-              <a:cs typeface="Calibri" panose="020F0502020204030204" pitchFamily="34" charset="0"/>
-            </a:endParaRPr>
+              <a:t>Medicare spends more, less, or about the same for an episode of care?</a:t>
+            </a:r>
+          </a:p>
+        </p:txBody>
+      </p:sp>
+      <p:pic>
+        <p:nvPicPr>
+          <p:cNvPr id="1026" name="Picture 2">
+            <a:extLst>
+              <a:ext uri="{FF2B5EF4-FFF2-40B4-BE49-F238E27FC236}">
+                <a16:creationId xmlns:a16="http://schemas.microsoft.com/office/drawing/2014/main" id="{77A96258-5A62-408F-AF07-F1075254987A}"/>
+              </a:ext>
+            </a:extLst>
+          </p:cNvPr>
+          <p:cNvPicPr>
+            <a:picLocks noChangeAspect="1" noChangeArrowheads="1"/>
+          </p:cNvPicPr>
+          <p:nvPr/>
+        </p:nvPicPr>
+        <p:blipFill>
+          <a:blip r:embed="rId2">
+            <a:extLst>
+              <a:ext uri="{28A0092B-C50C-407E-A947-70E740481C1C}">
+                <a14:useLocalDpi xmlns:a14="http://schemas.microsoft.com/office/drawing/2010/main" val="0"/>
+              </a:ext>
+            </a:extLst>
+          </a:blip>
+          <a:srcRect/>
+          <a:stretch>
+            <a:fillRect/>
+          </a:stretch>
+        </p:blipFill>
+        <p:spPr bwMode="auto">
+          <a:xfrm>
+            <a:off x="1882140" y="2229353"/>
+            <a:ext cx="6305550" cy="4445767"/>
+          </a:xfrm>
+          <a:prstGeom prst="rect">
+            <a:avLst/>
+          </a:prstGeom>
+          <a:noFill/>
+          <a:extLst>
+            <a:ext uri="{909E8E84-426E-40DD-AFC4-6F175D3DCCD1}">
+              <a14:hiddenFill xmlns:a14="http://schemas.microsoft.com/office/drawing/2010/main">
+                <a:solidFill>
+                  <a:srgbClr val="FFFFFF"/>
+                </a:solidFill>
+              </a14:hiddenFill>
+            </a:ext>
+          </a:extLst>
+        </p:spPr>
+      </p:pic>
+      <p:sp>
+        <p:nvSpPr>
+          <p:cNvPr id="7" name="Content Placeholder 2">
+            <a:extLst>
+              <a:ext uri="{FF2B5EF4-FFF2-40B4-BE49-F238E27FC236}">
+                <a16:creationId xmlns:a16="http://schemas.microsoft.com/office/drawing/2014/main" id="{8D12E0A2-1D9E-4CC8-8E87-26DF6979AD4B}"/>
+              </a:ext>
+            </a:extLst>
+          </p:cNvPr>
+          <p:cNvSpPr txBox="1">
+            <a:spLocks/>
+          </p:cNvSpPr>
+          <p:nvPr/>
+        </p:nvSpPr>
+        <p:spPr>
+          <a:xfrm>
+            <a:off x="2504676" y="1100293"/>
+            <a:ext cx="5562600" cy="707886"/>
+          </a:xfrm>
+          <a:prstGeom prst="rect">
+            <a:avLst/>
+          </a:prstGeom>
+        </p:spPr>
+        <p:txBody>
+          <a:bodyPr vert="horz" lIns="91440" tIns="45720" rIns="91440" bIns="45720" rtlCol="0">
+            <a:normAutofit fontScale="25000" lnSpcReduction="20000"/>
+          </a:bodyPr>
+          <a:lstStyle>
+            <a:lvl1pPr marL="342900" indent="-342900" algn="l" defTabSz="457200" rtl="0" eaLnBrk="1" latinLnBrk="0" hangingPunct="1">
+              <a:spcBef>
+                <a:spcPts val="1000"/>
+              </a:spcBef>
+              <a:spcAft>
+                <a:spcPts val="0"/>
+              </a:spcAft>
+              <a:buClr>
+                <a:schemeClr val="accent1"/>
+              </a:buClr>
+              <a:buSzPct val="80000"/>
+              <a:buFont typeface="Wingdings 3" charset="2"/>
+              <a:buChar char=""/>
+              <a:defRPr sz="1800" kern="1200">
+                <a:solidFill>
+                  <a:schemeClr val="tx1">
+                    <a:lumMod val="75000"/>
+                    <a:lumOff val="25000"/>
+                  </a:schemeClr>
+                </a:solidFill>
+                <a:latin typeface="+mn-lt"/>
+                <a:ea typeface="+mn-ea"/>
+                <a:cs typeface="+mn-cs"/>
+              </a:defRPr>
+            </a:lvl1pPr>
+            <a:lvl2pPr marL="742950" indent="-285750" algn="l" defTabSz="457200" rtl="0" eaLnBrk="1" latinLnBrk="0" hangingPunct="1">
+              <a:spcBef>
+                <a:spcPts val="1000"/>
+              </a:spcBef>
+              <a:spcAft>
+                <a:spcPts val="0"/>
+              </a:spcAft>
+              <a:buClr>
+                <a:schemeClr val="accent1"/>
+              </a:buClr>
+              <a:buSzPct val="80000"/>
+              <a:buFont typeface="Wingdings 3" charset="2"/>
+              <a:buChar char=""/>
+              <a:defRPr sz="1600" kern="1200">
+                <a:solidFill>
+                  <a:schemeClr val="tx1">
+                    <a:lumMod val="75000"/>
+                    <a:lumOff val="25000"/>
+                  </a:schemeClr>
+                </a:solidFill>
+                <a:latin typeface="+mn-lt"/>
+                <a:ea typeface="+mn-ea"/>
+                <a:cs typeface="+mn-cs"/>
+              </a:defRPr>
+            </a:lvl2pPr>
+            <a:lvl3pPr marL="1143000" indent="-228600" algn="l" defTabSz="457200" rtl="0" eaLnBrk="1" latinLnBrk="0" hangingPunct="1">
+              <a:spcBef>
+                <a:spcPts val="1000"/>
+              </a:spcBef>
+              <a:spcAft>
+                <a:spcPts val="0"/>
+              </a:spcAft>
+              <a:buClr>
+                <a:schemeClr val="accent1"/>
+              </a:buClr>
+              <a:buSzPct val="80000"/>
+              <a:buFont typeface="Wingdings 3" charset="2"/>
+              <a:buChar char=""/>
+              <a:defRPr sz="1400" kern="1200">
+                <a:solidFill>
+                  <a:schemeClr val="tx1">
+                    <a:lumMod val="75000"/>
+                    <a:lumOff val="25000"/>
+                  </a:schemeClr>
+                </a:solidFill>
+                <a:latin typeface="+mn-lt"/>
+                <a:ea typeface="+mn-ea"/>
+                <a:cs typeface="+mn-cs"/>
+              </a:defRPr>
+            </a:lvl3pPr>
+            <a:lvl4pPr marL="1600200" indent="-228600" algn="l" defTabSz="457200" rtl="0" eaLnBrk="1" latinLnBrk="0" hangingPunct="1">
+              <a:spcBef>
+                <a:spcPts val="1000"/>
+              </a:spcBef>
+              <a:spcAft>
+                <a:spcPts val="0"/>
+              </a:spcAft>
+              <a:buClr>
+                <a:schemeClr val="accent1"/>
+              </a:buClr>
+              <a:buSzPct val="80000"/>
+              <a:buFont typeface="Wingdings 3" charset="2"/>
+              <a:buChar char=""/>
+              <a:defRPr sz="1200" kern="1200">
+                <a:solidFill>
+                  <a:schemeClr val="tx1">
+                    <a:lumMod val="75000"/>
+                    <a:lumOff val="25000"/>
+                  </a:schemeClr>
+                </a:solidFill>
+                <a:latin typeface="+mn-lt"/>
+                <a:ea typeface="+mn-ea"/>
+                <a:cs typeface="+mn-cs"/>
+              </a:defRPr>
+            </a:lvl4pPr>
+            <a:lvl5pPr marL="2057400" indent="-228600" algn="l" defTabSz="457200" rtl="0" eaLnBrk="1" latinLnBrk="0" hangingPunct="1">
+              <a:spcBef>
+                <a:spcPts val="1000"/>
+              </a:spcBef>
+              <a:spcAft>
+                <a:spcPts val="0"/>
+              </a:spcAft>
+              <a:buClr>
+                <a:schemeClr val="accent1"/>
+              </a:buClr>
+              <a:buSzPct val="80000"/>
+              <a:buFont typeface="Wingdings 3" charset="2"/>
+              <a:buChar char=""/>
+              <a:defRPr sz="1200" kern="1200">
+                <a:solidFill>
+                  <a:schemeClr val="tx1">
+                    <a:lumMod val="75000"/>
+                    <a:lumOff val="25000"/>
+                  </a:schemeClr>
+                </a:solidFill>
+                <a:latin typeface="+mn-lt"/>
+                <a:ea typeface="+mn-ea"/>
+                <a:cs typeface="+mn-cs"/>
+              </a:defRPr>
+            </a:lvl5pPr>
+            <a:lvl6pPr marL="2514600" indent="-228600" algn="l" defTabSz="457200" rtl="0" eaLnBrk="1" latinLnBrk="0" hangingPunct="1">
+              <a:spcBef>
+                <a:spcPts val="1000"/>
+              </a:spcBef>
+              <a:spcAft>
+                <a:spcPts val="0"/>
+              </a:spcAft>
+              <a:buClr>
+                <a:schemeClr val="accent1"/>
+              </a:buClr>
+              <a:buSzPct val="80000"/>
+              <a:buFont typeface="Wingdings 3" charset="2"/>
+              <a:buChar char=""/>
+              <a:defRPr sz="1200" kern="1200">
+                <a:solidFill>
+                  <a:schemeClr val="tx1">
+                    <a:lumMod val="75000"/>
+                    <a:lumOff val="25000"/>
+                  </a:schemeClr>
+                </a:solidFill>
+                <a:latin typeface="+mn-lt"/>
+                <a:ea typeface="+mn-ea"/>
+                <a:cs typeface="+mn-cs"/>
+              </a:defRPr>
+            </a:lvl6pPr>
+            <a:lvl7pPr marL="2971800" indent="-228600" algn="l" defTabSz="457200" rtl="0" eaLnBrk="1" latinLnBrk="0" hangingPunct="1">
+              <a:spcBef>
+                <a:spcPts val="1000"/>
+              </a:spcBef>
+              <a:spcAft>
+                <a:spcPts val="0"/>
+              </a:spcAft>
+              <a:buClr>
+                <a:schemeClr val="accent1"/>
+              </a:buClr>
+              <a:buSzPct val="80000"/>
+              <a:buFont typeface="Wingdings 3" charset="2"/>
+              <a:buChar char=""/>
+              <a:defRPr sz="1200" kern="1200">
+                <a:solidFill>
+                  <a:schemeClr val="tx1">
+                    <a:lumMod val="75000"/>
+                    <a:lumOff val="25000"/>
+                  </a:schemeClr>
+                </a:solidFill>
+                <a:latin typeface="+mn-lt"/>
+                <a:ea typeface="+mn-ea"/>
+                <a:cs typeface="+mn-cs"/>
+              </a:defRPr>
+            </a:lvl7pPr>
+            <a:lvl8pPr marL="3429000" indent="-228600" algn="l" defTabSz="457200" rtl="0" eaLnBrk="1" latinLnBrk="0" hangingPunct="1">
+              <a:spcBef>
+                <a:spcPts val="1000"/>
+              </a:spcBef>
+              <a:spcAft>
+                <a:spcPts val="0"/>
+              </a:spcAft>
+              <a:buClr>
+                <a:schemeClr val="accent1"/>
+              </a:buClr>
+              <a:buSzPct val="80000"/>
+              <a:buFont typeface="Wingdings 3" charset="2"/>
+              <a:buChar char=""/>
+              <a:defRPr sz="1200" kern="1200">
+                <a:solidFill>
+                  <a:schemeClr val="tx1">
+                    <a:lumMod val="75000"/>
+                    <a:lumOff val="25000"/>
+                  </a:schemeClr>
+                </a:solidFill>
+                <a:latin typeface="+mn-lt"/>
+                <a:ea typeface="+mn-ea"/>
+                <a:cs typeface="+mn-cs"/>
+              </a:defRPr>
+            </a:lvl8pPr>
+            <a:lvl9pPr marL="3886200" indent="-228600" algn="l" defTabSz="457200" rtl="0" eaLnBrk="1" latinLnBrk="0" hangingPunct="1">
+              <a:spcBef>
+                <a:spcPts val="1000"/>
+              </a:spcBef>
+              <a:spcAft>
+                <a:spcPts val="0"/>
+              </a:spcAft>
+              <a:buClr>
+                <a:schemeClr val="accent1"/>
+              </a:buClr>
+              <a:buSzPct val="80000"/>
+              <a:buFont typeface="Wingdings 3" charset="2"/>
+              <a:buChar char=""/>
+              <a:defRPr sz="1200" kern="1200">
+                <a:solidFill>
+                  <a:schemeClr val="tx1">
+                    <a:lumMod val="75000"/>
+                    <a:lumOff val="25000"/>
+                  </a:schemeClr>
+                </a:solidFill>
+                <a:latin typeface="+mn-lt"/>
+                <a:ea typeface="+mn-ea"/>
+                <a:cs typeface="+mn-cs"/>
+              </a:defRPr>
+            </a:lvl9pPr>
+          </a:lstStyle>
+          <a:p>
+            <a:r>
+              <a:rPr lang="en-US" sz="8000" dirty="0"/>
+              <a:t>Based on the average score per county:</a:t>
+            </a:r>
+          </a:p>
+          <a:p>
+            <a:pPr lvl="1"/>
+            <a:r>
+              <a:rPr lang="en-US" sz="8000" dirty="0"/>
+              <a:t>Johnson County spends more</a:t>
+            </a:r>
+          </a:p>
+          <a:p>
+            <a:pPr marL="0" indent="0">
+              <a:buNone/>
+            </a:pPr>
+            <a:r>
+              <a:rPr lang="en-US" dirty="0"/>
+              <a:t>	</a:t>
+            </a:r>
+            <a:endParaRPr lang="en-US" sz="6400" dirty="0"/>
+          </a:p>
+          <a:p>
+            <a:pPr marL="0" indent="0">
+              <a:buNone/>
+            </a:pPr>
+            <a:endParaRPr lang="en-US" sz="9600" dirty="0"/>
           </a:p>
         </p:txBody>
       </p:sp>
     </p:spTree>
     <p:extLst>
       <p:ext uri="{BB962C8B-B14F-4D97-AF65-F5344CB8AC3E}">
-        <p14:creationId xmlns:p14="http://schemas.microsoft.com/office/powerpoint/2010/main" val="1293162816"/>
+        <p14:creationId xmlns:p14="http://schemas.microsoft.com/office/powerpoint/2010/main" val="2635635244"/>
       </p:ext>
     </p:extLst>
   </p:cSld>
@@ -6304,7 +6605,12 @@
             <p:ph type="title"/>
           </p:nvPr>
         </p:nvSpPr>
-        <p:spPr/>
+        <p:spPr>
+          <a:xfrm>
+            <a:off x="3270204" y="222524"/>
+            <a:ext cx="6095606" cy="670611"/>
+          </a:xfrm>
+        </p:spPr>
         <p:txBody>
           <a:bodyPr>
             <a:normAutofit fontScale="90000"/>
@@ -6313,78 +6619,799 @@
           <a:p>
             <a:r>
               <a:rPr lang="en-US" dirty="0">
-                <a:latin typeface="Calibri" panose="020F0502020204030204" pitchFamily="34" charset="0"/>
-                <a:cs typeface="Calibri" panose="020F0502020204030204" pitchFamily="34" charset="0"/>
+                <a:solidFill>
+                  <a:schemeClr val="accent2"/>
+                </a:solidFill>
               </a:rPr>
-              <a:t>Question 4</a:t>
-            </a:r>
-            <a:r>
-              <a:rPr lang="en-US">
-                <a:latin typeface="Calibri" panose="020F0502020204030204" pitchFamily="34" charset="0"/>
-                <a:cs typeface="Calibri" panose="020F0502020204030204" pitchFamily="34" charset="0"/>
-              </a:rPr>
-              <a:t>: </a:t>
-            </a:r>
-            <a:r>
-              <a:rPr lang="en-US">
-                <a:solidFill>
-                  <a:schemeClr val="tx1"/>
-                </a:solidFill>
-              </a:rPr>
-              <a:t>Is there a relationship between higher Medicare spending and how much data is recorded?</a:t>
+              <a:t>Health System Performance</a:t>
             </a:r>
             <a:br>
-              <a:rPr lang="en-US" dirty="0">
-                <a:latin typeface="Calibri" panose="020F0502020204030204" pitchFamily="34" charset="0"/>
-                <a:cs typeface="Calibri" panose="020F0502020204030204" pitchFamily="34" charset="0"/>
-              </a:rPr>
+              <a:rPr lang="en-US" dirty="0"/>
             </a:br>
+            <a:endParaRPr lang="en-US" dirty="0">
+              <a:solidFill>
+                <a:schemeClr val="tx1"/>
+              </a:solidFill>
+              <a:latin typeface="Calibri" panose="020F0502020204030204" pitchFamily="34" charset="0"/>
+              <a:cs typeface="Calibri" panose="020F0502020204030204" pitchFamily="34" charset="0"/>
+            </a:endParaRPr>
+          </a:p>
+        </p:txBody>
+      </p:sp>
+      <p:sp>
+        <p:nvSpPr>
+          <p:cNvPr id="8" name="Content Placeholder 2">
+            <a:extLst>
+              <a:ext uri="{FF2B5EF4-FFF2-40B4-BE49-F238E27FC236}">
+                <a16:creationId xmlns:a16="http://schemas.microsoft.com/office/drawing/2014/main" id="{C664C669-08D0-413D-913E-C9618F10F5D3}"/>
+              </a:ext>
+            </a:extLst>
+          </p:cNvPr>
+          <p:cNvSpPr>
+            <a:spLocks noGrp="1"/>
+          </p:cNvSpPr>
+          <p:nvPr>
+            <p:ph idx="1"/>
+          </p:nvPr>
+        </p:nvSpPr>
+        <p:spPr>
+          <a:xfrm>
+            <a:off x="495204" y="893134"/>
+            <a:ext cx="6439042" cy="3871907"/>
+          </a:xfrm>
+        </p:spPr>
+        <p:txBody>
+          <a:bodyPr>
+            <a:normAutofit lnSpcReduction="10000"/>
+          </a:bodyPr>
+          <a:lstStyle/>
+          <a:p>
+            <a:r>
+              <a:rPr lang="en-US" b="1" dirty="0"/>
+              <a:t>Overall Rank</a:t>
+            </a:r>
+          </a:p>
+          <a:p>
+            <a:r>
+              <a:rPr lang="en-US" b="1" dirty="0"/>
+              <a:t>Access and Affordability</a:t>
+            </a:r>
+          </a:p>
+          <a:p>
+            <a:pPr lvl="1"/>
+            <a:r>
+              <a:rPr lang="en-US" dirty="0"/>
+              <a:t>Adults ages 19-64 uninured</a:t>
+            </a:r>
+          </a:p>
+          <a:p>
+            <a:pPr lvl="1"/>
+            <a:r>
+              <a:rPr lang="en-US" dirty="0"/>
+              <a:t>Adults without a unusual source of care</a:t>
+            </a:r>
+          </a:p>
+          <a:p>
+            <a:pPr lvl="1"/>
+            <a:r>
+              <a:rPr lang="en-US" dirty="0"/>
+              <a:t>Adults who went without care because of cost</a:t>
+            </a:r>
+          </a:p>
+          <a:p>
+            <a:pPr marL="457200" lvl="1" indent="0">
+              <a:buNone/>
+            </a:pPr>
+            <a:endParaRPr lang="en-US" dirty="0"/>
+          </a:p>
+          <a:p>
+            <a:r>
+              <a:rPr lang="en-US" b="1" dirty="0"/>
+              <a:t>Prevention and Treatment</a:t>
+            </a:r>
+          </a:p>
+          <a:p>
+            <a:pPr lvl="1"/>
+            <a:r>
+              <a:rPr lang="en-US" dirty="0"/>
+              <a:t>Adults without all age- and gender </a:t>
+            </a:r>
+          </a:p>
+          <a:p>
+            <a:pPr marL="457200" lvl="1" indent="0">
+              <a:buNone/>
+            </a:pPr>
+            <a:r>
+              <a:rPr lang="en-US" dirty="0"/>
+              <a:t>	appropriate cancer screenings</a:t>
+            </a:r>
+          </a:p>
+          <a:p>
+            <a:pPr lvl="1"/>
+            <a:r>
+              <a:rPr lang="en-US" dirty="0"/>
+              <a:t>Adults without all age-appropriate</a:t>
+            </a:r>
+          </a:p>
+          <a:p>
+            <a:pPr lvl="1"/>
+            <a:r>
+              <a:rPr lang="en-US" dirty="0"/>
+              <a:t>Hospital 30-day mortality</a:t>
+            </a:r>
+          </a:p>
+          <a:p>
+            <a:pPr marL="457200" lvl="1" indent="0">
+              <a:buNone/>
+            </a:pPr>
+            <a:endParaRPr lang="en-US" dirty="0"/>
+          </a:p>
+          <a:p>
+            <a:pPr marL="457200" lvl="1" indent="0">
+              <a:buNone/>
+            </a:pPr>
+            <a:endParaRPr lang="en-US" b="1" dirty="0"/>
+          </a:p>
+          <a:p>
             <a:endParaRPr lang="en-US" dirty="0">
               <a:latin typeface="Calibri" panose="020F0502020204030204" pitchFamily="34" charset="0"/>
               <a:cs typeface="Calibri" panose="020F0502020204030204" pitchFamily="34" charset="0"/>
             </a:endParaRPr>
           </a:p>
-        </p:txBody>
-      </p:sp>
-      <p:pic>
-        <p:nvPicPr>
-          <p:cNvPr id="5" name="Content Placeholder 4">
+          <a:p>
+            <a:pPr marL="0" indent="0">
+              <a:buNone/>
+            </a:pPr>
+            <a:endParaRPr lang="en-US" dirty="0">
+              <a:latin typeface="Calibri" panose="020F0502020204030204" pitchFamily="34" charset="0"/>
+              <a:cs typeface="Calibri" panose="020F0502020204030204" pitchFamily="34" charset="0"/>
+            </a:endParaRPr>
+          </a:p>
+        </p:txBody>
+      </p:sp>
+      <p:sp>
+        <p:nvSpPr>
+          <p:cNvPr id="9" name="Content Placeholder 2">
             <a:extLst>
               <a:ext uri="{FF2B5EF4-FFF2-40B4-BE49-F238E27FC236}">
-                <a16:creationId xmlns:a16="http://schemas.microsoft.com/office/drawing/2014/main" id="{D1B6FC60-5232-4088-875A-464C1A1BAFE7}"/>
+                <a16:creationId xmlns:a16="http://schemas.microsoft.com/office/drawing/2014/main" id="{BB00988C-8C96-4E51-AB61-A265FBCFC865}"/>
               </a:ext>
             </a:extLst>
           </p:cNvPr>
-          <p:cNvPicPr>
-            <a:picLocks noGrp="1" noChangeAspect="1"/>
-          </p:cNvPicPr>
-          <p:nvPr>
-            <p:ph idx="1"/>
-          </p:nvPr>
-        </p:nvPicPr>
-        <p:blipFill>
-          <a:blip r:embed="rId2">
+          <p:cNvSpPr txBox="1">
+            <a:spLocks/>
+          </p:cNvSpPr>
+          <p:nvPr/>
+        </p:nvSpPr>
+        <p:spPr>
+          <a:xfrm>
+            <a:off x="6200521" y="893134"/>
+            <a:ext cx="5991479" cy="3871907"/>
+          </a:xfrm>
+          <a:prstGeom prst="rect">
+            <a:avLst/>
+          </a:prstGeom>
+        </p:spPr>
+        <p:txBody>
+          <a:bodyPr vert="horz" lIns="91440" tIns="45720" rIns="91440" bIns="45720" rtlCol="0">
+            <a:normAutofit/>
+          </a:bodyPr>
+          <a:lstStyle>
+            <a:lvl1pPr marL="342900" indent="-342900" algn="l" defTabSz="457200" rtl="0" eaLnBrk="1" latinLnBrk="0" hangingPunct="1">
+              <a:spcBef>
+                <a:spcPts val="1000"/>
+              </a:spcBef>
+              <a:spcAft>
+                <a:spcPts val="0"/>
+              </a:spcAft>
+              <a:buClr>
+                <a:schemeClr val="accent1"/>
+              </a:buClr>
+              <a:buSzPct val="80000"/>
+              <a:buFont typeface="Wingdings 3" charset="2"/>
+              <a:buChar char=""/>
+              <a:defRPr sz="1800" kern="1200">
+                <a:solidFill>
+                  <a:schemeClr val="tx1">
+                    <a:lumMod val="75000"/>
+                    <a:lumOff val="25000"/>
+                  </a:schemeClr>
+                </a:solidFill>
+                <a:latin typeface="+mn-lt"/>
+                <a:ea typeface="+mn-ea"/>
+                <a:cs typeface="+mn-cs"/>
+              </a:defRPr>
+            </a:lvl1pPr>
+            <a:lvl2pPr marL="742950" indent="-285750" algn="l" defTabSz="457200" rtl="0" eaLnBrk="1" latinLnBrk="0" hangingPunct="1">
+              <a:spcBef>
+                <a:spcPts val="1000"/>
+              </a:spcBef>
+              <a:spcAft>
+                <a:spcPts val="0"/>
+              </a:spcAft>
+              <a:buClr>
+                <a:schemeClr val="accent1"/>
+              </a:buClr>
+              <a:buSzPct val="80000"/>
+              <a:buFont typeface="Wingdings 3" charset="2"/>
+              <a:buChar char=""/>
+              <a:defRPr sz="1600" kern="1200">
+                <a:solidFill>
+                  <a:schemeClr val="tx1">
+                    <a:lumMod val="75000"/>
+                    <a:lumOff val="25000"/>
+                  </a:schemeClr>
+                </a:solidFill>
+                <a:latin typeface="+mn-lt"/>
+                <a:ea typeface="+mn-ea"/>
+                <a:cs typeface="+mn-cs"/>
+              </a:defRPr>
+            </a:lvl2pPr>
+            <a:lvl3pPr marL="1143000" indent="-228600" algn="l" defTabSz="457200" rtl="0" eaLnBrk="1" latinLnBrk="0" hangingPunct="1">
+              <a:spcBef>
+                <a:spcPts val="1000"/>
+              </a:spcBef>
+              <a:spcAft>
+                <a:spcPts val="0"/>
+              </a:spcAft>
+              <a:buClr>
+                <a:schemeClr val="accent1"/>
+              </a:buClr>
+              <a:buSzPct val="80000"/>
+              <a:buFont typeface="Wingdings 3" charset="2"/>
+              <a:buChar char=""/>
+              <a:defRPr sz="1400" kern="1200">
+                <a:solidFill>
+                  <a:schemeClr val="tx1">
+                    <a:lumMod val="75000"/>
+                    <a:lumOff val="25000"/>
+                  </a:schemeClr>
+                </a:solidFill>
+                <a:latin typeface="+mn-lt"/>
+                <a:ea typeface="+mn-ea"/>
+                <a:cs typeface="+mn-cs"/>
+              </a:defRPr>
+            </a:lvl3pPr>
+            <a:lvl4pPr marL="1600200" indent="-228600" algn="l" defTabSz="457200" rtl="0" eaLnBrk="1" latinLnBrk="0" hangingPunct="1">
+              <a:spcBef>
+                <a:spcPts val="1000"/>
+              </a:spcBef>
+              <a:spcAft>
+                <a:spcPts val="0"/>
+              </a:spcAft>
+              <a:buClr>
+                <a:schemeClr val="accent1"/>
+              </a:buClr>
+              <a:buSzPct val="80000"/>
+              <a:buFont typeface="Wingdings 3" charset="2"/>
+              <a:buChar char=""/>
+              <a:defRPr sz="1200" kern="1200">
+                <a:solidFill>
+                  <a:schemeClr val="tx1">
+                    <a:lumMod val="75000"/>
+                    <a:lumOff val="25000"/>
+                  </a:schemeClr>
+                </a:solidFill>
+                <a:latin typeface="+mn-lt"/>
+                <a:ea typeface="+mn-ea"/>
+                <a:cs typeface="+mn-cs"/>
+              </a:defRPr>
+            </a:lvl4pPr>
+            <a:lvl5pPr marL="2057400" indent="-228600" algn="l" defTabSz="457200" rtl="0" eaLnBrk="1" latinLnBrk="0" hangingPunct="1">
+              <a:spcBef>
+                <a:spcPts val="1000"/>
+              </a:spcBef>
+              <a:spcAft>
+                <a:spcPts val="0"/>
+              </a:spcAft>
+              <a:buClr>
+                <a:schemeClr val="accent1"/>
+              </a:buClr>
+              <a:buSzPct val="80000"/>
+              <a:buFont typeface="Wingdings 3" charset="2"/>
+              <a:buChar char=""/>
+              <a:defRPr sz="1200" kern="1200">
+                <a:solidFill>
+                  <a:schemeClr val="tx1">
+                    <a:lumMod val="75000"/>
+                    <a:lumOff val="25000"/>
+                  </a:schemeClr>
+                </a:solidFill>
+                <a:latin typeface="+mn-lt"/>
+                <a:ea typeface="+mn-ea"/>
+                <a:cs typeface="+mn-cs"/>
+              </a:defRPr>
+            </a:lvl5pPr>
+            <a:lvl6pPr marL="2514600" indent="-228600" algn="l" defTabSz="457200" rtl="0" eaLnBrk="1" latinLnBrk="0" hangingPunct="1">
+              <a:spcBef>
+                <a:spcPts val="1000"/>
+              </a:spcBef>
+              <a:spcAft>
+                <a:spcPts val="0"/>
+              </a:spcAft>
+              <a:buClr>
+                <a:schemeClr val="accent1"/>
+              </a:buClr>
+              <a:buSzPct val="80000"/>
+              <a:buFont typeface="Wingdings 3" charset="2"/>
+              <a:buChar char=""/>
+              <a:defRPr sz="1200" kern="1200">
+                <a:solidFill>
+                  <a:schemeClr val="tx1">
+                    <a:lumMod val="75000"/>
+                    <a:lumOff val="25000"/>
+                  </a:schemeClr>
+                </a:solidFill>
+                <a:latin typeface="+mn-lt"/>
+                <a:ea typeface="+mn-ea"/>
+                <a:cs typeface="+mn-cs"/>
+              </a:defRPr>
+            </a:lvl6pPr>
+            <a:lvl7pPr marL="2971800" indent="-228600" algn="l" defTabSz="457200" rtl="0" eaLnBrk="1" latinLnBrk="0" hangingPunct="1">
+              <a:spcBef>
+                <a:spcPts val="1000"/>
+              </a:spcBef>
+              <a:spcAft>
+                <a:spcPts val="0"/>
+              </a:spcAft>
+              <a:buClr>
+                <a:schemeClr val="accent1"/>
+              </a:buClr>
+              <a:buSzPct val="80000"/>
+              <a:buFont typeface="Wingdings 3" charset="2"/>
+              <a:buChar char=""/>
+              <a:defRPr sz="1200" kern="1200">
+                <a:solidFill>
+                  <a:schemeClr val="tx1">
+                    <a:lumMod val="75000"/>
+                    <a:lumOff val="25000"/>
+                  </a:schemeClr>
+                </a:solidFill>
+                <a:latin typeface="+mn-lt"/>
+                <a:ea typeface="+mn-ea"/>
+                <a:cs typeface="+mn-cs"/>
+              </a:defRPr>
+            </a:lvl7pPr>
+            <a:lvl8pPr marL="3429000" indent="-228600" algn="l" defTabSz="457200" rtl="0" eaLnBrk="1" latinLnBrk="0" hangingPunct="1">
+              <a:spcBef>
+                <a:spcPts val="1000"/>
+              </a:spcBef>
+              <a:spcAft>
+                <a:spcPts val="0"/>
+              </a:spcAft>
+              <a:buClr>
+                <a:schemeClr val="accent1"/>
+              </a:buClr>
+              <a:buSzPct val="80000"/>
+              <a:buFont typeface="Wingdings 3" charset="2"/>
+              <a:buChar char=""/>
+              <a:defRPr sz="1200" kern="1200">
+                <a:solidFill>
+                  <a:schemeClr val="tx1">
+                    <a:lumMod val="75000"/>
+                    <a:lumOff val="25000"/>
+                  </a:schemeClr>
+                </a:solidFill>
+                <a:latin typeface="+mn-lt"/>
+                <a:ea typeface="+mn-ea"/>
+                <a:cs typeface="+mn-cs"/>
+              </a:defRPr>
+            </a:lvl8pPr>
+            <a:lvl9pPr marL="3886200" indent="-228600" algn="l" defTabSz="457200" rtl="0" eaLnBrk="1" latinLnBrk="0" hangingPunct="1">
+              <a:spcBef>
+                <a:spcPts val="1000"/>
+              </a:spcBef>
+              <a:spcAft>
+                <a:spcPts val="0"/>
+              </a:spcAft>
+              <a:buClr>
+                <a:schemeClr val="accent1"/>
+              </a:buClr>
+              <a:buSzPct val="80000"/>
+              <a:buFont typeface="Wingdings 3" charset="2"/>
+              <a:buChar char=""/>
+              <a:defRPr sz="1200" kern="1200">
+                <a:solidFill>
+                  <a:schemeClr val="tx1">
+                    <a:lumMod val="75000"/>
+                    <a:lumOff val="25000"/>
+                  </a:schemeClr>
+                </a:solidFill>
+                <a:latin typeface="+mn-lt"/>
+                <a:ea typeface="+mn-ea"/>
+                <a:cs typeface="+mn-cs"/>
+              </a:defRPr>
+            </a:lvl9pPr>
+          </a:lstStyle>
+          <a:p>
+            <a:r>
+              <a:rPr lang="en-US" dirty="0"/>
+              <a:t>Healthy Lives</a:t>
+            </a:r>
+          </a:p>
+          <a:p>
+            <a:pPr lvl="1"/>
+            <a:r>
+              <a:rPr lang="en-US" dirty="0"/>
+              <a:t>Colorectal cancer deaths </a:t>
+            </a:r>
+          </a:p>
+          <a:p>
+            <a:pPr lvl="1"/>
+            <a:r>
+              <a:rPr lang="en-US" dirty="0"/>
+              <a:t>Deaths from suicide, alcohol, and drug use</a:t>
+            </a:r>
+          </a:p>
+          <a:p>
+            <a:pPr lvl="1"/>
+            <a:r>
+              <a:rPr lang="en-US" dirty="0"/>
+              <a:t>Adults who report fair/poor health </a:t>
+            </a:r>
+          </a:p>
+          <a:p>
+            <a:pPr lvl="1"/>
+            <a:r>
+              <a:rPr lang="en-US" dirty="0"/>
+              <a:t>Adults who smoke</a:t>
+            </a:r>
+          </a:p>
+          <a:p>
+            <a:endParaRPr lang="en-US" dirty="0"/>
+          </a:p>
+          <a:p>
+            <a:r>
+              <a:rPr lang="en-US" dirty="0"/>
+              <a:t>Disparity</a:t>
+            </a:r>
+          </a:p>
+          <a:p>
+            <a:pPr lvl="1"/>
+            <a:r>
+              <a:rPr lang="en-US" dirty="0"/>
+              <a:t>Adults ages 19–64 uninsured </a:t>
+            </a:r>
+          </a:p>
+          <a:p>
+            <a:pPr lvl="1"/>
+            <a:r>
+              <a:rPr lang="en-US" dirty="0"/>
+              <a:t>Adults without a usual source of care </a:t>
+            </a:r>
+          </a:p>
+          <a:p>
+            <a:pPr lvl="1"/>
+            <a:r>
+              <a:rPr lang="en-US" dirty="0"/>
+              <a:t>Adults who went without care because of cost </a:t>
+            </a:r>
+          </a:p>
+          <a:p>
+            <a:endParaRPr lang="en-US" dirty="0"/>
+          </a:p>
+          <a:p>
+            <a:pPr marL="0" indent="0">
+              <a:buFont typeface="Wingdings 3" charset="2"/>
+              <a:buNone/>
+            </a:pPr>
+            <a:endParaRPr lang="en-US" dirty="0">
+              <a:latin typeface="Calibri" panose="020F0502020204030204" pitchFamily="34" charset="0"/>
+              <a:cs typeface="Calibri" panose="020F0502020204030204" pitchFamily="34" charset="0"/>
+            </a:endParaRPr>
+          </a:p>
+        </p:txBody>
+      </p:sp>
+      <p:sp>
+        <p:nvSpPr>
+          <p:cNvPr id="10" name="Content Placeholder 2">
             <a:extLst>
-              <a:ext uri="{28A0092B-C50C-407E-A947-70E740481C1C}">
-                <a14:useLocalDpi xmlns:a14="http://schemas.microsoft.com/office/drawing/2010/main" val="0"/>
+              <a:ext uri="{FF2B5EF4-FFF2-40B4-BE49-F238E27FC236}">
+                <a16:creationId xmlns:a16="http://schemas.microsoft.com/office/drawing/2014/main" id="{F5CDF98A-0FD4-4C0D-A18D-9BFC5EE5FB8D}"/>
               </a:ext>
             </a:extLst>
-          </a:blip>
-          <a:stretch>
-            <a:fillRect/>
-          </a:stretch>
-        </p:blipFill>
+          </p:cNvPr>
+          <p:cNvSpPr txBox="1">
+            <a:spLocks/>
+          </p:cNvSpPr>
+          <p:nvPr/>
+        </p:nvSpPr>
         <p:spPr>
           <a:xfrm>
-            <a:off x="2232194" y="2272090"/>
-            <a:ext cx="5487650" cy="3658433"/>
+            <a:off x="376864" y="4954017"/>
+            <a:ext cx="5786680" cy="1780032"/>
           </a:xfrm>
+          <a:prstGeom prst="rect">
+            <a:avLst/>
+          </a:prstGeom>
         </p:spPr>
-      </p:pic>
+        <p:txBody>
+          <a:bodyPr vert="horz" lIns="91440" tIns="45720" rIns="91440" bIns="45720" rtlCol="0">
+            <a:normAutofit/>
+          </a:bodyPr>
+          <a:lstStyle>
+            <a:lvl1pPr marL="342900" indent="-342900" algn="l" defTabSz="457200" rtl="0" eaLnBrk="1" latinLnBrk="0" hangingPunct="1">
+              <a:spcBef>
+                <a:spcPts val="1000"/>
+              </a:spcBef>
+              <a:spcAft>
+                <a:spcPts val="0"/>
+              </a:spcAft>
+              <a:buClr>
+                <a:schemeClr val="accent1"/>
+              </a:buClr>
+              <a:buSzPct val="80000"/>
+              <a:buFont typeface="Wingdings 3" charset="2"/>
+              <a:buChar char=""/>
+              <a:defRPr sz="1800" kern="1200">
+                <a:solidFill>
+                  <a:schemeClr val="tx1">
+                    <a:lumMod val="75000"/>
+                    <a:lumOff val="25000"/>
+                  </a:schemeClr>
+                </a:solidFill>
+                <a:latin typeface="+mn-lt"/>
+                <a:ea typeface="+mn-ea"/>
+                <a:cs typeface="+mn-cs"/>
+              </a:defRPr>
+            </a:lvl1pPr>
+            <a:lvl2pPr marL="742950" indent="-285750" algn="l" defTabSz="457200" rtl="0" eaLnBrk="1" latinLnBrk="0" hangingPunct="1">
+              <a:spcBef>
+                <a:spcPts val="1000"/>
+              </a:spcBef>
+              <a:spcAft>
+                <a:spcPts val="0"/>
+              </a:spcAft>
+              <a:buClr>
+                <a:schemeClr val="accent1"/>
+              </a:buClr>
+              <a:buSzPct val="80000"/>
+              <a:buFont typeface="Wingdings 3" charset="2"/>
+              <a:buChar char=""/>
+              <a:defRPr sz="1600" kern="1200">
+                <a:solidFill>
+                  <a:schemeClr val="tx1">
+                    <a:lumMod val="75000"/>
+                    <a:lumOff val="25000"/>
+                  </a:schemeClr>
+                </a:solidFill>
+                <a:latin typeface="+mn-lt"/>
+                <a:ea typeface="+mn-ea"/>
+                <a:cs typeface="+mn-cs"/>
+              </a:defRPr>
+            </a:lvl2pPr>
+            <a:lvl3pPr marL="1143000" indent="-228600" algn="l" defTabSz="457200" rtl="0" eaLnBrk="1" latinLnBrk="0" hangingPunct="1">
+              <a:spcBef>
+                <a:spcPts val="1000"/>
+              </a:spcBef>
+              <a:spcAft>
+                <a:spcPts val="0"/>
+              </a:spcAft>
+              <a:buClr>
+                <a:schemeClr val="accent1"/>
+              </a:buClr>
+              <a:buSzPct val="80000"/>
+              <a:buFont typeface="Wingdings 3" charset="2"/>
+              <a:buChar char=""/>
+              <a:defRPr sz="1400" kern="1200">
+                <a:solidFill>
+                  <a:schemeClr val="tx1">
+                    <a:lumMod val="75000"/>
+                    <a:lumOff val="25000"/>
+                  </a:schemeClr>
+                </a:solidFill>
+                <a:latin typeface="+mn-lt"/>
+                <a:ea typeface="+mn-ea"/>
+                <a:cs typeface="+mn-cs"/>
+              </a:defRPr>
+            </a:lvl3pPr>
+            <a:lvl4pPr marL="1600200" indent="-228600" algn="l" defTabSz="457200" rtl="0" eaLnBrk="1" latinLnBrk="0" hangingPunct="1">
+              <a:spcBef>
+                <a:spcPts val="1000"/>
+              </a:spcBef>
+              <a:spcAft>
+                <a:spcPts val="0"/>
+              </a:spcAft>
+              <a:buClr>
+                <a:schemeClr val="accent1"/>
+              </a:buClr>
+              <a:buSzPct val="80000"/>
+              <a:buFont typeface="Wingdings 3" charset="2"/>
+              <a:buChar char=""/>
+              <a:defRPr sz="1200" kern="1200">
+                <a:solidFill>
+                  <a:schemeClr val="tx1">
+                    <a:lumMod val="75000"/>
+                    <a:lumOff val="25000"/>
+                  </a:schemeClr>
+                </a:solidFill>
+                <a:latin typeface="+mn-lt"/>
+                <a:ea typeface="+mn-ea"/>
+                <a:cs typeface="+mn-cs"/>
+              </a:defRPr>
+            </a:lvl4pPr>
+            <a:lvl5pPr marL="2057400" indent="-228600" algn="l" defTabSz="457200" rtl="0" eaLnBrk="1" latinLnBrk="0" hangingPunct="1">
+              <a:spcBef>
+                <a:spcPts val="1000"/>
+              </a:spcBef>
+              <a:spcAft>
+                <a:spcPts val="0"/>
+              </a:spcAft>
+              <a:buClr>
+                <a:schemeClr val="accent1"/>
+              </a:buClr>
+              <a:buSzPct val="80000"/>
+              <a:buFont typeface="Wingdings 3" charset="2"/>
+              <a:buChar char=""/>
+              <a:defRPr sz="1200" kern="1200">
+                <a:solidFill>
+                  <a:schemeClr val="tx1">
+                    <a:lumMod val="75000"/>
+                    <a:lumOff val="25000"/>
+                  </a:schemeClr>
+                </a:solidFill>
+                <a:latin typeface="+mn-lt"/>
+                <a:ea typeface="+mn-ea"/>
+                <a:cs typeface="+mn-cs"/>
+              </a:defRPr>
+            </a:lvl5pPr>
+            <a:lvl6pPr marL="2514600" indent="-228600" algn="l" defTabSz="457200" rtl="0" eaLnBrk="1" latinLnBrk="0" hangingPunct="1">
+              <a:spcBef>
+                <a:spcPts val="1000"/>
+              </a:spcBef>
+              <a:spcAft>
+                <a:spcPts val="0"/>
+              </a:spcAft>
+              <a:buClr>
+                <a:schemeClr val="accent1"/>
+              </a:buClr>
+              <a:buSzPct val="80000"/>
+              <a:buFont typeface="Wingdings 3" charset="2"/>
+              <a:buChar char=""/>
+              <a:defRPr sz="1200" kern="1200">
+                <a:solidFill>
+                  <a:schemeClr val="tx1">
+                    <a:lumMod val="75000"/>
+                    <a:lumOff val="25000"/>
+                  </a:schemeClr>
+                </a:solidFill>
+                <a:latin typeface="+mn-lt"/>
+                <a:ea typeface="+mn-ea"/>
+                <a:cs typeface="+mn-cs"/>
+              </a:defRPr>
+            </a:lvl6pPr>
+            <a:lvl7pPr marL="2971800" indent="-228600" algn="l" defTabSz="457200" rtl="0" eaLnBrk="1" latinLnBrk="0" hangingPunct="1">
+              <a:spcBef>
+                <a:spcPts val="1000"/>
+              </a:spcBef>
+              <a:spcAft>
+                <a:spcPts val="0"/>
+              </a:spcAft>
+              <a:buClr>
+                <a:schemeClr val="accent1"/>
+              </a:buClr>
+              <a:buSzPct val="80000"/>
+              <a:buFont typeface="Wingdings 3" charset="2"/>
+              <a:buChar char=""/>
+              <a:defRPr sz="1200" kern="1200">
+                <a:solidFill>
+                  <a:schemeClr val="tx1">
+                    <a:lumMod val="75000"/>
+                    <a:lumOff val="25000"/>
+                  </a:schemeClr>
+                </a:solidFill>
+                <a:latin typeface="+mn-lt"/>
+                <a:ea typeface="+mn-ea"/>
+                <a:cs typeface="+mn-cs"/>
+              </a:defRPr>
+            </a:lvl7pPr>
+            <a:lvl8pPr marL="3429000" indent="-228600" algn="l" defTabSz="457200" rtl="0" eaLnBrk="1" latinLnBrk="0" hangingPunct="1">
+              <a:spcBef>
+                <a:spcPts val="1000"/>
+              </a:spcBef>
+              <a:spcAft>
+                <a:spcPts val="0"/>
+              </a:spcAft>
+              <a:buClr>
+                <a:schemeClr val="accent1"/>
+              </a:buClr>
+              <a:buSzPct val="80000"/>
+              <a:buFont typeface="Wingdings 3" charset="2"/>
+              <a:buChar char=""/>
+              <a:defRPr sz="1200" kern="1200">
+                <a:solidFill>
+                  <a:schemeClr val="tx1">
+                    <a:lumMod val="75000"/>
+                    <a:lumOff val="25000"/>
+                  </a:schemeClr>
+                </a:solidFill>
+                <a:latin typeface="+mn-lt"/>
+                <a:ea typeface="+mn-ea"/>
+                <a:cs typeface="+mn-cs"/>
+              </a:defRPr>
+            </a:lvl8pPr>
+            <a:lvl9pPr marL="3886200" indent="-228600" algn="l" defTabSz="457200" rtl="0" eaLnBrk="1" latinLnBrk="0" hangingPunct="1">
+              <a:spcBef>
+                <a:spcPts val="1000"/>
+              </a:spcBef>
+              <a:spcAft>
+                <a:spcPts val="0"/>
+              </a:spcAft>
+              <a:buClr>
+                <a:schemeClr val="accent1"/>
+              </a:buClr>
+              <a:buSzPct val="80000"/>
+              <a:buFont typeface="Wingdings 3" charset="2"/>
+              <a:buChar char=""/>
+              <a:defRPr sz="1200" kern="1200">
+                <a:solidFill>
+                  <a:schemeClr val="tx1">
+                    <a:lumMod val="75000"/>
+                    <a:lumOff val="25000"/>
+                  </a:schemeClr>
+                </a:solidFill>
+                <a:latin typeface="+mn-lt"/>
+                <a:ea typeface="+mn-ea"/>
+                <a:cs typeface="+mn-cs"/>
+              </a:defRPr>
+            </a:lvl9pPr>
+          </a:lstStyle>
+          <a:p>
+            <a:r>
+              <a:rPr lang="en-US" b="1" dirty="0"/>
+              <a:t>Avoidable Hospital Use and Cost</a:t>
+            </a:r>
+          </a:p>
+          <a:p>
+            <a:pPr lvl="1"/>
+            <a:r>
+              <a:rPr lang="en-US" dirty="0"/>
+              <a:t>admissions for ambulatory care–sensitive conditions</a:t>
+            </a:r>
+          </a:p>
+          <a:p>
+            <a:pPr lvl="1"/>
+            <a:r>
+              <a:rPr lang="en-US" dirty="0"/>
+              <a:t>30-day hospital readmissions</a:t>
+            </a:r>
+          </a:p>
+          <a:p>
+            <a:pPr lvl="1"/>
+            <a:r>
+              <a:rPr lang="en-US" dirty="0"/>
+              <a:t>30-day hospital readmissions</a:t>
+            </a:r>
+          </a:p>
+          <a:p>
+            <a:pPr marL="457200" lvl="1" indent="0">
+              <a:buFont typeface="Wingdings 3" charset="2"/>
+              <a:buNone/>
+            </a:pPr>
+            <a:endParaRPr lang="en-US" b="1" dirty="0"/>
+          </a:p>
+          <a:p>
+            <a:endParaRPr lang="en-US" dirty="0">
+              <a:latin typeface="Calibri" panose="020F0502020204030204" pitchFamily="34" charset="0"/>
+              <a:cs typeface="Calibri" panose="020F0502020204030204" pitchFamily="34" charset="0"/>
+            </a:endParaRPr>
+          </a:p>
+          <a:p>
+            <a:pPr marL="0" indent="0">
+              <a:buFont typeface="Wingdings 3" charset="2"/>
+              <a:buNone/>
+            </a:pPr>
+            <a:endParaRPr lang="en-US" dirty="0">
+              <a:latin typeface="Calibri" panose="020F0502020204030204" pitchFamily="34" charset="0"/>
+              <a:cs typeface="Calibri" panose="020F0502020204030204" pitchFamily="34" charset="0"/>
+            </a:endParaRPr>
+          </a:p>
+        </p:txBody>
+      </p:sp>
     </p:spTree>
     <p:extLst>
       <p:ext uri="{BB962C8B-B14F-4D97-AF65-F5344CB8AC3E}">
-        <p14:creationId xmlns:p14="http://schemas.microsoft.com/office/powerpoint/2010/main" val="3595413408"/>
+        <p14:creationId xmlns:p14="http://schemas.microsoft.com/office/powerpoint/2010/main" val="1403823028"/>
       </p:ext>
     </p:extLst>
   </p:cSld>
@@ -6416,6 +7443,149 @@
           <p:cNvPr id="2" name="Title 1">
             <a:extLst>
               <a:ext uri="{FF2B5EF4-FFF2-40B4-BE49-F238E27FC236}">
+                <a16:creationId xmlns:a16="http://schemas.microsoft.com/office/drawing/2014/main" id="{455E15F1-4C8E-4060-A3D7-6D5C3FA63DA5}"/>
+              </a:ext>
+            </a:extLst>
+          </p:cNvPr>
+          <p:cNvSpPr>
+            <a:spLocks noGrp="1"/>
+          </p:cNvSpPr>
+          <p:nvPr>
+            <p:ph type="title"/>
+          </p:nvPr>
+        </p:nvSpPr>
+        <p:spPr>
+          <a:xfrm>
+            <a:off x="3270204" y="222524"/>
+            <a:ext cx="6095606" cy="670611"/>
+          </a:xfrm>
+        </p:spPr>
+        <p:txBody>
+          <a:bodyPr>
+            <a:normAutofit fontScale="90000"/>
+          </a:bodyPr>
+          <a:lstStyle/>
+          <a:p>
+            <a:r>
+              <a:rPr lang="en-US" dirty="0">
+                <a:solidFill>
+                  <a:schemeClr val="accent2"/>
+                </a:solidFill>
+              </a:rPr>
+              <a:t>Health System Performance</a:t>
+            </a:r>
+            <a:br>
+              <a:rPr lang="en-US" dirty="0">
+                <a:solidFill>
+                  <a:schemeClr val="accent2"/>
+                </a:solidFill>
+              </a:rPr>
+            </a:br>
+            <a:endParaRPr lang="en-US" dirty="0">
+              <a:solidFill>
+                <a:schemeClr val="accent2"/>
+              </a:solidFill>
+              <a:latin typeface="Calibri" panose="020F0502020204030204" pitchFamily="34" charset="0"/>
+              <a:cs typeface="Calibri" panose="020F0502020204030204" pitchFamily="34" charset="0"/>
+            </a:endParaRPr>
+          </a:p>
+        </p:txBody>
+      </p:sp>
+      <p:pic>
+        <p:nvPicPr>
+          <p:cNvPr id="6" name="Picture 5">
+            <a:extLst>
+              <a:ext uri="{FF2B5EF4-FFF2-40B4-BE49-F238E27FC236}">
+                <a16:creationId xmlns:a16="http://schemas.microsoft.com/office/drawing/2014/main" id="{843FB053-ADBB-4DC3-A4E4-20093E0819CD}"/>
+              </a:ext>
+            </a:extLst>
+          </p:cNvPr>
+          <p:cNvPicPr>
+            <a:picLocks noChangeAspect="1"/>
+          </p:cNvPicPr>
+          <p:nvPr/>
+        </p:nvPicPr>
+        <p:blipFill>
+          <a:blip r:embed="rId2"/>
+          <a:stretch>
+            <a:fillRect/>
+          </a:stretch>
+        </p:blipFill>
+        <p:spPr>
+          <a:xfrm>
+            <a:off x="5851654" y="893135"/>
+            <a:ext cx="5840474" cy="4359018"/>
+          </a:xfrm>
+          <a:prstGeom prst="rect">
+            <a:avLst/>
+          </a:prstGeom>
+        </p:spPr>
+      </p:pic>
+      <p:pic>
+        <p:nvPicPr>
+          <p:cNvPr id="7" name="Picture 6">
+            <a:extLst>
+              <a:ext uri="{FF2B5EF4-FFF2-40B4-BE49-F238E27FC236}">
+                <a16:creationId xmlns:a16="http://schemas.microsoft.com/office/drawing/2014/main" id="{291C6CC5-F547-447B-9E33-96C35F34E82E}"/>
+              </a:ext>
+            </a:extLst>
+          </p:cNvPr>
+          <p:cNvPicPr>
+            <a:picLocks noChangeAspect="1"/>
+          </p:cNvPicPr>
+          <p:nvPr/>
+        </p:nvPicPr>
+        <p:blipFill>
+          <a:blip r:embed="rId3"/>
+          <a:stretch>
+            <a:fillRect/>
+          </a:stretch>
+        </p:blipFill>
+        <p:spPr>
+          <a:xfrm>
+            <a:off x="367328" y="1071642"/>
+            <a:ext cx="5267435" cy="4002004"/>
+          </a:xfrm>
+          <a:prstGeom prst="rect">
+            <a:avLst/>
+          </a:prstGeom>
+        </p:spPr>
+      </p:pic>
+    </p:spTree>
+    <p:extLst>
+      <p:ext uri="{BB962C8B-B14F-4D97-AF65-F5344CB8AC3E}">
+        <p14:creationId xmlns:p14="http://schemas.microsoft.com/office/powerpoint/2010/main" val="440680151"/>
+      </p:ext>
+    </p:extLst>
+  </p:cSld>
+  <p:clrMapOvr>
+    <a:masterClrMapping/>
+  </p:clrMapOvr>
+</p:sld>
+</file>
+
+<file path=ppt/slides/slide13.xml><?xml version="1.0" encoding="utf-8"?>
+<p:sld xmlns:a="http://schemas.openxmlformats.org/drawingml/2006/main" xmlns:r="http://schemas.openxmlformats.org/officeDocument/2006/relationships" xmlns:p="http://schemas.openxmlformats.org/presentationml/2006/main">
+  <p:cSld>
+    <p:spTree>
+      <p:nvGrpSpPr>
+        <p:cNvPr id="1" name=""/>
+        <p:cNvGrpSpPr/>
+        <p:nvPr/>
+      </p:nvGrpSpPr>
+      <p:grpSpPr>
+        <a:xfrm>
+          <a:off x="0" y="0"/>
+          <a:ext cx="0" cy="0"/>
+          <a:chOff x="0" y="0"/>
+          <a:chExt cx="0" cy="0"/>
+        </a:xfrm>
+      </p:grpSpPr>
+      <p:sp>
+        <p:nvSpPr>
+          <p:cNvPr id="2" name="Title 1">
+            <a:extLst>
+              <a:ext uri="{FF2B5EF4-FFF2-40B4-BE49-F238E27FC236}">
                 <a16:creationId xmlns:a16="http://schemas.microsoft.com/office/drawing/2014/main" id="{2BA4C45F-0A8F-4D0C-AE64-D48E5E351467}"/>
               </a:ext>
             </a:extLst>
@@ -6454,36 +7624,6 @@
             <a:br>
               <a:rPr lang="en-US" dirty="0"/>
             </a:br>
-            <a:endParaRPr lang="en-US" dirty="0"/>
-          </a:p>
-        </p:txBody>
-      </p:sp>
-      <p:sp>
-        <p:nvSpPr>
-          <p:cNvPr id="3" name="Content Placeholder 2">
-            <a:extLst>
-              <a:ext uri="{FF2B5EF4-FFF2-40B4-BE49-F238E27FC236}">
-                <a16:creationId xmlns:a16="http://schemas.microsoft.com/office/drawing/2014/main" id="{5E7B344C-D99C-4B48-ADE4-E897A73E80D7}"/>
-              </a:ext>
-            </a:extLst>
-          </p:cNvPr>
-          <p:cNvSpPr>
-            <a:spLocks noGrp="1"/>
-          </p:cNvSpPr>
-          <p:nvPr>
-            <p:ph idx="1"/>
-          </p:nvPr>
-        </p:nvSpPr>
-        <p:spPr>
-          <a:xfrm>
-            <a:off x="838200" y="2645545"/>
-            <a:ext cx="10515600" cy="3531417"/>
-          </a:xfrm>
-        </p:spPr>
-        <p:txBody>
-          <a:bodyPr/>
-          <a:lstStyle/>
-          <a:p>
             <a:endParaRPr lang="en-US" dirty="0"/>
           </a:p>
         </p:txBody>
@@ -6501,7 +7641,7 @@
 </p:sld>
 </file>
 
-<file path=ppt/slides/slide13.xml><?xml version="1.0" encoding="utf-8"?>
+<file path=ppt/slides/slide14.xml><?xml version="1.0" encoding="utf-8"?>
 <p:sld xmlns:a="http://schemas.openxmlformats.org/drawingml/2006/main" xmlns:r="http://schemas.openxmlformats.org/officeDocument/2006/relationships" xmlns:p="http://schemas.openxmlformats.org/presentationml/2006/main">
   <p:cSld>
     <p:spTree>
@@ -6813,6 +7953,7 @@
           </a:bodyPr>
           <a:lstStyle/>
           <a:p>
+            <a:pPr algn="ctr"/>
             <a:r>
               <a:rPr lang="en-US" sz="2400" b="1" dirty="0">
                 <a:latin typeface="Calibri" panose="020F0502020204030204" pitchFamily="34" charset="0"/>
@@ -8010,13 +9151,13 @@
         </p:nvSpPr>
         <p:spPr>
           <a:xfrm>
-            <a:off x="757233" y="1561066"/>
-            <a:ext cx="3469614" cy="997399"/>
+            <a:off x="831712" y="1660123"/>
+            <a:ext cx="3989579" cy="997399"/>
           </a:xfrm>
         </p:spPr>
         <p:txBody>
           <a:bodyPr numCol="1">
-            <a:normAutofit/>
+            <a:normAutofit lnSpcReduction="10000"/>
           </a:bodyPr>
           <a:lstStyle/>
           <a:p>
@@ -8024,18 +9165,30 @@
               <a:buNone/>
             </a:pPr>
             <a:r>
-              <a:rPr lang="en-US" u="sng" dirty="0">
+              <a:rPr lang="en-US" b="1" u="sng" dirty="0">
                 <a:latin typeface="Calibri" panose="020F0502020204030204" pitchFamily="34" charset="0"/>
                 <a:cs typeface="Calibri" panose="020F0502020204030204" pitchFamily="34" charset="0"/>
               </a:rPr>
               <a:t>Readmission Rates</a:t>
             </a:r>
             <a:r>
+              <a:rPr lang="en-US" b="1" dirty="0">
+                <a:latin typeface="Calibri" panose="020F0502020204030204" pitchFamily="34" charset="0"/>
+                <a:cs typeface="Calibri" panose="020F0502020204030204" pitchFamily="34" charset="0"/>
+              </a:rPr>
+              <a:t>: </a:t>
+            </a:r>
+          </a:p>
+          <a:p>
+            <a:pPr marL="0" indent="0">
+              <a:buNone/>
+            </a:pPr>
+            <a:r>
               <a:rPr lang="en-US" dirty="0">
                 <a:latin typeface="Calibri" panose="020F0502020204030204" pitchFamily="34" charset="0"/>
                 <a:cs typeface="Calibri" panose="020F0502020204030204" pitchFamily="34" charset="0"/>
               </a:rPr>
-              <a:t>: Patients re-admitted to Hospital too soon after being discharged.</a:t>
+              <a:t>Patients re-admitted to Hospital too soon after being discharged.</a:t>
             </a:r>
           </a:p>
         </p:txBody>
@@ -8054,8 +9207,8 @@
         </p:nvSpPr>
         <p:spPr>
           <a:xfrm>
-            <a:off x="5791338" y="1612128"/>
-            <a:ext cx="2911876" cy="923330"/>
+            <a:off x="5753320" y="1651247"/>
+            <a:ext cx="3863866" cy="923330"/>
           </a:xfrm>
           <a:prstGeom prst="rect">
             <a:avLst/>
@@ -8069,18 +9222,27 @@
           <a:lstStyle/>
           <a:p>
             <a:r>
-              <a:rPr lang="en-US" u="sng" dirty="0">
+              <a:rPr lang="en-US" b="1" u="sng" dirty="0">
                 <a:latin typeface="Calibri" panose="020F0502020204030204" pitchFamily="34" charset="0"/>
                 <a:cs typeface="Calibri" panose="020F0502020204030204" pitchFamily="34" charset="0"/>
               </a:rPr>
               <a:t>Complications &amp; Deaths</a:t>
             </a:r>
             <a:r>
+              <a:rPr lang="en-US" b="1" dirty="0">
+                <a:latin typeface="Calibri" panose="020F0502020204030204" pitchFamily="34" charset="0"/>
+                <a:cs typeface="Calibri" panose="020F0502020204030204" pitchFamily="34" charset="0"/>
+              </a:rPr>
+              <a:t>: </a:t>
+            </a:r>
+          </a:p>
+          <a:p>
+            <a:r>
               <a:rPr lang="en-US" dirty="0">
                 <a:latin typeface="Calibri" panose="020F0502020204030204" pitchFamily="34" charset="0"/>
                 <a:cs typeface="Calibri" panose="020F0502020204030204" pitchFamily="34" charset="0"/>
               </a:rPr>
-              <a:t>: Patients should expect consistent, high quality care.</a:t>
+              <a:t>Patients should expect consistent, high quality care.</a:t>
             </a:r>
           </a:p>
         </p:txBody>
@@ -8099,8 +9261,8 @@
         </p:nvSpPr>
         <p:spPr>
           <a:xfrm>
-            <a:off x="757233" y="3185266"/>
-            <a:ext cx="3107185" cy="1200329"/>
+            <a:off x="677334" y="3715862"/>
+            <a:ext cx="3720632" cy="923330"/>
           </a:xfrm>
           <a:prstGeom prst="rect">
             <a:avLst/>
@@ -8114,18 +9276,27 @@
           <a:lstStyle/>
           <a:p>
             <a:r>
-              <a:rPr lang="en-US" u="sng" dirty="0">
+              <a:rPr lang="en-US" b="1" u="sng" dirty="0">
                 <a:latin typeface="Calibri" panose="020F0502020204030204" pitchFamily="34" charset="0"/>
                 <a:cs typeface="Calibri" panose="020F0502020204030204" pitchFamily="34" charset="0"/>
               </a:rPr>
               <a:t>Unexpected Hospital Visits</a:t>
             </a:r>
             <a:r>
+              <a:rPr lang="en-US" b="1" dirty="0">
+                <a:latin typeface="Calibri" panose="020F0502020204030204" pitchFamily="34" charset="0"/>
+                <a:cs typeface="Calibri" panose="020F0502020204030204" pitchFamily="34" charset="0"/>
+              </a:rPr>
+              <a:t>: </a:t>
+            </a:r>
+          </a:p>
+          <a:p>
+            <a:r>
               <a:rPr lang="en-US" dirty="0">
                 <a:latin typeface="Calibri" panose="020F0502020204030204" pitchFamily="34" charset="0"/>
                 <a:cs typeface="Calibri" panose="020F0502020204030204" pitchFamily="34" charset="0"/>
               </a:rPr>
-              <a:t>: Patients go to hospital (or Emergency Room) for unexpected care.</a:t>
+              <a:t>Patients go to hospital (or Emergency Room) for unexpected care.</a:t>
             </a:r>
           </a:p>
         </p:txBody>
@@ -8144,8 +9315,8 @@
         </p:nvSpPr>
         <p:spPr>
           <a:xfrm>
-            <a:off x="5666159" y="3178219"/>
-            <a:ext cx="3607843" cy="1200329"/>
+            <a:off x="5964297" y="4054560"/>
+            <a:ext cx="4322699" cy="923330"/>
           </a:xfrm>
           <a:prstGeom prst="rect">
             <a:avLst/>
@@ -8159,14 +9330,14 @@
           <a:lstStyle/>
           <a:p>
             <a:r>
-              <a:rPr lang="en-US" u="sng" dirty="0">
+              <a:rPr lang="en-US" b="1" u="sng" dirty="0">
                 <a:latin typeface="Calibri" panose="020F0502020204030204" pitchFamily="34" charset="0"/>
                 <a:cs typeface="Calibri" panose="020F0502020204030204" pitchFamily="34" charset="0"/>
               </a:rPr>
               <a:t>Medicare Spending per Patient</a:t>
             </a:r>
             <a:r>
-              <a:rPr lang="en-US" dirty="0">
+              <a:rPr lang="en-US" b="1" dirty="0">
                 <a:latin typeface="Calibri" panose="020F0502020204030204" pitchFamily="34" charset="0"/>
                 <a:cs typeface="Calibri" panose="020F0502020204030204" pitchFamily="34" charset="0"/>
               </a:rPr>
@@ -8193,13 +9364,15 @@
               </a:ext>
             </a:extLst>
           </p:cNvPr>
-          <p:cNvCxnSpPr/>
+          <p:cNvCxnSpPr>
+            <a:cxnSpLocks/>
+          </p:cNvCxnSpPr>
           <p:nvPr/>
         </p:nvCxnSpPr>
         <p:spPr>
           <a:xfrm>
-            <a:off x="677334" y="2787588"/>
-            <a:ext cx="8431155" cy="0"/>
+            <a:off x="677334" y="3429000"/>
+            <a:ext cx="9471559" cy="0"/>
           </a:xfrm>
           <a:prstGeom prst="line">
             <a:avLst/>
@@ -8242,7 +9415,7 @@
         <p:spPr>
           <a:xfrm>
             <a:off x="4975668" y="1651247"/>
-            <a:ext cx="0" cy="3011347"/>
+            <a:ext cx="0" cy="3948042"/>
           </a:xfrm>
           <a:prstGeom prst="line">
             <a:avLst/>
@@ -8300,10 +9473,169 @@
       </p:grpSpPr>
       <p:sp>
         <p:nvSpPr>
-          <p:cNvPr id="2" name="Title 1">
+          <p:cNvPr id="3" name="Content Placeholder 2">
             <a:extLst>
               <a:ext uri="{FF2B5EF4-FFF2-40B4-BE49-F238E27FC236}">
-                <a16:creationId xmlns:a16="http://schemas.microsoft.com/office/drawing/2014/main" id="{8FA609FA-2602-460C-B86A-36EF1C8E1ED8}"/>
+                <a16:creationId xmlns:a16="http://schemas.microsoft.com/office/drawing/2014/main" id="{419C77F7-5314-4853-BD19-E051484D91DA}"/>
+              </a:ext>
+            </a:extLst>
+          </p:cNvPr>
+          <p:cNvSpPr>
+            <a:spLocks noGrp="1"/>
+          </p:cNvSpPr>
+          <p:nvPr>
+            <p:ph idx="1"/>
+          </p:nvPr>
+        </p:nvSpPr>
+        <p:spPr>
+          <a:xfrm>
+            <a:off x="1043022" y="1244937"/>
+            <a:ext cx="10105955" cy="3880773"/>
+          </a:xfrm>
+        </p:spPr>
+        <p:txBody>
+          <a:bodyPr>
+            <a:normAutofit fontScale="92500" lnSpcReduction="20000"/>
+          </a:bodyPr>
+          <a:lstStyle/>
+          <a:p>
+            <a:r>
+              <a:rPr lang="en-US" sz="1900" dirty="0">
+                <a:latin typeface="Calibri" panose="020F0502020204030204" pitchFamily="34" charset="0"/>
+                <a:cs typeface="Calibri" panose="020F0502020204030204" pitchFamily="34" charset="0"/>
+              </a:rPr>
+              <a:t>80% of data analysis process is data cleaning</a:t>
+            </a:r>
+          </a:p>
+          <a:p>
+            <a:r>
+              <a:rPr lang="en-US" sz="1900" dirty="0">
+                <a:latin typeface="Calibri" panose="020F0502020204030204" pitchFamily="34" charset="0"/>
+                <a:cs typeface="Calibri" panose="020F0502020204030204" pitchFamily="34" charset="0"/>
+              </a:rPr>
+              <a:t>Initially, we expected that income differences (county level) would influence health care</a:t>
+            </a:r>
+          </a:p>
+          <a:p>
+            <a:r>
+              <a:rPr lang="en-US" sz="1900" dirty="0">
+                <a:latin typeface="Calibri" panose="020F0502020204030204" pitchFamily="34" charset="0"/>
+                <a:cs typeface="Calibri" panose="020F0502020204030204" pitchFamily="34" charset="0"/>
+              </a:rPr>
+              <a:t>The information was able to be obtained from cms.gov, medicare.gov and the census bureau.</a:t>
+            </a:r>
+          </a:p>
+          <a:p>
+            <a:r>
+              <a:rPr lang="en-US" sz="1900" dirty="0">
+                <a:latin typeface="Calibri" panose="020F0502020204030204" pitchFamily="34" charset="0"/>
+                <a:cs typeface="Calibri" panose="020F0502020204030204" pitchFamily="34" charset="0"/>
+              </a:rPr>
+              <a:t>API’s were available but the sites presented data filtering tools – </a:t>
+            </a:r>
+          </a:p>
+          <a:p>
+            <a:pPr marL="0" indent="0">
+              <a:buNone/>
+            </a:pPr>
+            <a:r>
+              <a:rPr lang="en-US" sz="1900" dirty="0">
+                <a:latin typeface="Calibri" panose="020F0502020204030204" pitchFamily="34" charset="0"/>
+                <a:cs typeface="Calibri" panose="020F0502020204030204" pitchFamily="34" charset="0"/>
+              </a:rPr>
+              <a:t>	allowing smaller more manageable csv formatted files.</a:t>
+            </a:r>
+          </a:p>
+          <a:p>
+            <a:r>
+              <a:rPr lang="en-US" sz="1900" dirty="0">
+                <a:latin typeface="Calibri" panose="020F0502020204030204" pitchFamily="34" charset="0"/>
+                <a:cs typeface="Calibri" panose="020F0502020204030204" pitchFamily="34" charset="0"/>
+              </a:rPr>
+              <a:t>Many of the columns were Object-type</a:t>
+            </a:r>
+          </a:p>
+          <a:p>
+            <a:r>
+              <a:rPr lang="en-US" sz="1900" dirty="0">
+                <a:latin typeface="Calibri" panose="020F0502020204030204" pitchFamily="34" charset="0"/>
+                <a:cs typeface="Calibri" panose="020F0502020204030204" pitchFamily="34" charset="0"/>
+              </a:rPr>
+              <a:t>We saw “Score” columns frequently but they had different meanings for each file</a:t>
+            </a:r>
+          </a:p>
+          <a:p>
+            <a:r>
+              <a:rPr lang="en-US" sz="1900" dirty="0">
+                <a:latin typeface="Calibri" panose="020F0502020204030204" pitchFamily="34" charset="0"/>
+                <a:cs typeface="Calibri" panose="020F0502020204030204" pitchFamily="34" charset="0"/>
+              </a:rPr>
+              <a:t>We tried casting them to floats, but ran into issues with </a:t>
+            </a:r>
+            <a:r>
+              <a:rPr lang="en-US" sz="1900" dirty="0" err="1">
+                <a:latin typeface="Calibri" panose="020F0502020204030204" pitchFamily="34" charset="0"/>
+                <a:cs typeface="Calibri" panose="020F0502020204030204" pitchFamily="34" charset="0"/>
+              </a:rPr>
+              <a:t>NaN</a:t>
+            </a:r>
+            <a:r>
+              <a:rPr lang="en-US" sz="1900" dirty="0">
+                <a:latin typeface="Calibri" panose="020F0502020204030204" pitchFamily="34" charset="0"/>
+                <a:cs typeface="Calibri" panose="020F0502020204030204" pitchFamily="34" charset="0"/>
+              </a:rPr>
+              <a:t> columns and null values</a:t>
+            </a:r>
+          </a:p>
+          <a:p>
+            <a:r>
+              <a:rPr lang="en-US" sz="1900" dirty="0">
+                <a:latin typeface="Calibri" panose="020F0502020204030204" pitchFamily="34" charset="0"/>
+                <a:cs typeface="Calibri" panose="020F0502020204030204" pitchFamily="34" charset="0"/>
+              </a:rPr>
+              <a:t>Trying to replace the </a:t>
+            </a:r>
+            <a:r>
+              <a:rPr lang="en-US" sz="1900" dirty="0" err="1">
+                <a:latin typeface="Calibri" panose="020F0502020204030204" pitchFamily="34" charset="0"/>
+                <a:cs typeface="Calibri" panose="020F0502020204030204" pitchFamily="34" charset="0"/>
+              </a:rPr>
+              <a:t>NaN</a:t>
+            </a:r>
+            <a:r>
+              <a:rPr lang="en-US" sz="1900" dirty="0">
+                <a:latin typeface="Calibri" panose="020F0502020204030204" pitchFamily="34" charset="0"/>
+                <a:cs typeface="Calibri" panose="020F0502020204030204" pitchFamily="34" charset="0"/>
+              </a:rPr>
+              <a:t> columns led us to realize that Data Series values are ambiguous, and you can’t directly compare them to a value</a:t>
+            </a:r>
+          </a:p>
+          <a:p>
+            <a:r>
+              <a:rPr lang="en-US" sz="1900" dirty="0">
+                <a:latin typeface="Calibri" panose="020F0502020204030204" pitchFamily="34" charset="0"/>
+                <a:cs typeface="Calibri" panose="020F0502020204030204" pitchFamily="34" charset="0"/>
+              </a:rPr>
+              <a:t>Experimented with VBA scripting but there was too much data and it didn’t work</a:t>
+            </a:r>
+          </a:p>
+          <a:p>
+            <a:pPr marL="0" indent="0">
+              <a:buNone/>
+            </a:pPr>
+            <a:endParaRPr lang="en-US" dirty="0">
+              <a:latin typeface="Calibri" panose="020F0502020204030204" pitchFamily="34" charset="0"/>
+              <a:cs typeface="Calibri" panose="020F0502020204030204" pitchFamily="34" charset="0"/>
+            </a:endParaRPr>
+          </a:p>
+        </p:txBody>
+      </p:sp>
+      <p:sp>
+        <p:nvSpPr>
+          <p:cNvPr id="6" name="Title 1">
+            <a:extLst>
+              <a:ext uri="{FF2B5EF4-FFF2-40B4-BE49-F238E27FC236}">
+                <a16:creationId xmlns:a16="http://schemas.microsoft.com/office/drawing/2014/main" id="{6B167B1A-C128-4AFC-8980-D4EC13B5930E}"/>
               </a:ext>
             </a:extLst>
           </p:cNvPr>
@@ -8314,7 +9646,12 @@
             <p:ph type="title"/>
           </p:nvPr>
         </p:nvSpPr>
-        <p:spPr/>
+        <p:spPr>
+          <a:xfrm>
+            <a:off x="892487" y="167813"/>
+            <a:ext cx="8596668" cy="692799"/>
+          </a:xfrm>
+        </p:spPr>
         <p:txBody>
           <a:bodyPr/>
           <a:lstStyle/>
@@ -8325,142 +9662,22 @@
                 <a:latin typeface="Calibri" panose="020F0502020204030204" pitchFamily="34" charset="0"/>
                 <a:cs typeface="Calibri" panose="020F0502020204030204" pitchFamily="34" charset="0"/>
               </a:rPr>
-              <a:t>Data Cleaning</a:t>
-            </a:r>
-          </a:p>
-        </p:txBody>
-      </p:sp>
-      <p:sp>
-        <p:nvSpPr>
-          <p:cNvPr id="3" name="Content Placeholder 2">
-            <a:extLst>
-              <a:ext uri="{FF2B5EF4-FFF2-40B4-BE49-F238E27FC236}">
-                <a16:creationId xmlns:a16="http://schemas.microsoft.com/office/drawing/2014/main" id="{912ACEB9-2452-4739-BDD4-C3D9D781E28A}"/>
-              </a:ext>
-            </a:extLst>
-          </p:cNvPr>
-          <p:cNvSpPr>
-            <a:spLocks noGrp="1"/>
-          </p:cNvSpPr>
-          <p:nvPr>
-            <p:ph idx="1"/>
-          </p:nvPr>
-        </p:nvSpPr>
-        <p:spPr/>
-        <p:txBody>
-          <a:bodyPr/>
-          <a:lstStyle/>
-          <a:p>
-            <a:r>
-              <a:rPr lang="en-US" dirty="0">
+              <a:t>Data Cleaning </a:t>
+            </a:r>
+            <a:r>
+              <a:rPr lang="en-US" sz="1800" dirty="0">
+                <a:latin typeface="Calibri" panose="020F0502020204030204" pitchFamily="34" charset="0"/>
                 <a:cs typeface="Calibri" panose="020F0502020204030204" pitchFamily="34" charset="0"/>
               </a:rPr>
-              <a:t>80% of data analysis process is data cleaning</a:t>
-            </a:r>
-            <a:endParaRPr lang="en-US" dirty="0"/>
-          </a:p>
-          <a:p>
-            <a:r>
-              <a:rPr lang="en-US" dirty="0"/>
-              <a:t>Ignoring missing values vs filling reasonable numbers:</a:t>
-            </a:r>
-          </a:p>
-          <a:p>
-            <a:pPr lvl="1"/>
-            <a:r>
-              <a:rPr lang="en-US" dirty="0" err="1"/>
-              <a:t>DataFrame.dropna</a:t>
-            </a:r>
-            <a:r>
-              <a:rPr lang="en-US" dirty="0"/>
-              <a:t> = lose accuracy</a:t>
-            </a:r>
-          </a:p>
-          <a:p>
-            <a:pPr lvl="1"/>
-            <a:r>
-              <a:rPr lang="en-US" dirty="0"/>
-              <a:t>Create your own function</a:t>
-            </a:r>
-          </a:p>
-          <a:p>
-            <a:pPr lvl="1"/>
-            <a:r>
-              <a:rPr lang="en-US" dirty="0"/>
-              <a:t>Lambda function</a:t>
-            </a:r>
-          </a:p>
-          <a:p>
-            <a:pPr lvl="2"/>
-            <a:r>
-              <a:rPr lang="en-US" dirty="0"/>
-              <a:t>I. e. </a:t>
-            </a:r>
-            <a:r>
-              <a:rPr lang="en-US" dirty="0" err="1"/>
-              <a:t>df</a:t>
-            </a:r>
-            <a:r>
-              <a:rPr lang="en-US" dirty="0"/>
-              <a:t>[‘Score’].apply(lambda x: </a:t>
-            </a:r>
-            <a:r>
-              <a:rPr lang="en-US" dirty="0" err="1"/>
-              <a:t>x.fillna</a:t>
-            </a:r>
-            <a:r>
-              <a:rPr lang="en-US" dirty="0"/>
-              <a:t>(</a:t>
-            </a:r>
-            <a:r>
-              <a:rPr lang="en-US" dirty="0" err="1"/>
-              <a:t>x.mean</a:t>
-            </a:r>
-            <a:r>
-              <a:rPr lang="en-US" dirty="0"/>
-              <a:t>()),axis=1)</a:t>
-            </a:r>
-          </a:p>
-          <a:p>
-            <a:r>
-              <a:rPr lang="en-US" dirty="0"/>
-              <a:t>Normalizing data (rescaling or standardizing)</a:t>
-            </a:r>
-          </a:p>
-          <a:p>
-            <a:pPr lvl="1"/>
-            <a:r>
-              <a:rPr lang="en-US" dirty="0" err="1"/>
-              <a:t>dfA</a:t>
-            </a:r>
-            <a:r>
-              <a:rPr lang="en-US" dirty="0"/>
-              <a:t> score range: 0 to 30</a:t>
-            </a:r>
-          </a:p>
-          <a:p>
-            <a:pPr lvl="1"/>
-            <a:r>
-              <a:rPr lang="en-US" dirty="0" err="1"/>
-              <a:t>dfB</a:t>
-            </a:r>
-            <a:r>
-              <a:rPr lang="en-US"/>
-              <a:t> score range: -30 to 50</a:t>
-            </a:r>
-          </a:p>
-          <a:p>
-            <a:pPr marL="0" indent="0">
-              <a:buNone/>
-            </a:pPr>
-            <a:endParaRPr lang="en-US" dirty="0"/>
+              <a:t>(continue)</a:t>
+            </a:r>
           </a:p>
         </p:txBody>
       </p:sp>
     </p:spTree>
     <p:extLst>
       <p:ext uri="{BB962C8B-B14F-4D97-AF65-F5344CB8AC3E}">
-        <p14:creationId xmlns:p14="http://schemas.microsoft.com/office/powerpoint/2010/main" val="3722343492"/>
+        <p14:creationId xmlns:p14="http://schemas.microsoft.com/office/powerpoint/2010/main" val="1020637921"/>
       </p:ext>
     </p:extLst>
   </p:cSld>
@@ -8492,7 +9709,7 @@
           <p:cNvPr id="2" name="Title 1">
             <a:extLst>
               <a:ext uri="{FF2B5EF4-FFF2-40B4-BE49-F238E27FC236}">
-                <a16:creationId xmlns:a16="http://schemas.microsoft.com/office/drawing/2014/main" id="{58047559-5EC1-43D8-8F94-23869C87ED6A}"/>
+                <a16:creationId xmlns:a16="http://schemas.microsoft.com/office/drawing/2014/main" id="{8FA609FA-2602-460C-B86A-36EF1C8E1ED8}"/>
               </a:ext>
             </a:extLst>
           </p:cNvPr>
@@ -8505,20 +9722,28 @@
         </p:nvSpPr>
         <p:spPr>
           <a:xfrm>
-            <a:off x="677334" y="609600"/>
-            <a:ext cx="8596668" cy="655674"/>
+            <a:off x="892487" y="167813"/>
+            <a:ext cx="8596668" cy="692799"/>
           </a:xfrm>
         </p:spPr>
         <p:txBody>
           <a:bodyPr/>
           <a:lstStyle/>
           <a:p>
+            <a:pPr algn="ctr"/>
             <a:r>
               <a:rPr lang="en-US" dirty="0">
                 <a:latin typeface="Calibri" panose="020F0502020204030204" pitchFamily="34" charset="0"/>
                 <a:cs typeface="Calibri" panose="020F0502020204030204" pitchFamily="34" charset="0"/>
               </a:rPr>
-              <a:t>The data cleaning saga…</a:t>
+              <a:t>Data Cleaning </a:t>
+            </a:r>
+            <a:r>
+              <a:rPr lang="en-US" sz="1800" dirty="0">
+                <a:latin typeface="Calibri" panose="020F0502020204030204" pitchFamily="34" charset="0"/>
+                <a:cs typeface="Calibri" panose="020F0502020204030204" pitchFamily="34" charset="0"/>
+              </a:rPr>
+              <a:t>(continue)</a:t>
             </a:r>
           </a:p>
         </p:txBody>
@@ -8528,7 +9753,7 @@
           <p:cNvPr id="3" name="Content Placeholder 2">
             <a:extLst>
               <a:ext uri="{FF2B5EF4-FFF2-40B4-BE49-F238E27FC236}">
-                <a16:creationId xmlns:a16="http://schemas.microsoft.com/office/drawing/2014/main" id="{419C77F7-5314-4853-BD19-E051484D91DA}"/>
+                <a16:creationId xmlns:a16="http://schemas.microsoft.com/office/drawing/2014/main" id="{912ACEB9-2452-4739-BDD4-C3D9D781E28A}"/>
               </a:ext>
             </a:extLst>
           </p:cNvPr>
@@ -8541,14 +9766,12 @@
         </p:nvSpPr>
         <p:spPr>
           <a:xfrm>
-            <a:off x="571009" y="1352514"/>
-            <a:ext cx="9434228" cy="3880773"/>
+            <a:off x="2250639" y="981635"/>
+            <a:ext cx="7238516" cy="4585447"/>
           </a:xfrm>
         </p:spPr>
         <p:txBody>
-          <a:bodyPr>
-            <a:normAutofit/>
-          </a:bodyPr>
+          <a:bodyPr/>
           <a:lstStyle/>
           <a:p>
             <a:r>
@@ -8556,7 +9779,96 @@
                 <a:latin typeface="Calibri" panose="020F0502020204030204" pitchFamily="34" charset="0"/>
                 <a:cs typeface="Calibri" panose="020F0502020204030204" pitchFamily="34" charset="0"/>
               </a:rPr>
-              <a:t>Initially, we expected that income differences (county level) would influence health care</a:t>
+              <a:t>Ignoring missing values vs filling reasonable numbers:</a:t>
+            </a:r>
+          </a:p>
+          <a:p>
+            <a:pPr lvl="1"/>
+            <a:r>
+              <a:rPr lang="en-US" sz="1800" dirty="0" err="1">
+                <a:latin typeface="Calibri" panose="020F0502020204030204" pitchFamily="34" charset="0"/>
+                <a:cs typeface="Calibri" panose="020F0502020204030204" pitchFamily="34" charset="0"/>
+              </a:rPr>
+              <a:t>DataFrame.dropna</a:t>
+            </a:r>
+            <a:r>
+              <a:rPr lang="en-US" sz="1800" dirty="0">
+                <a:latin typeface="Calibri" panose="020F0502020204030204" pitchFamily="34" charset="0"/>
+                <a:cs typeface="Calibri" panose="020F0502020204030204" pitchFamily="34" charset="0"/>
+              </a:rPr>
+              <a:t> = lose accuracy</a:t>
+            </a:r>
+          </a:p>
+          <a:p>
+            <a:pPr lvl="1"/>
+            <a:r>
+              <a:rPr lang="en-US" sz="1800" dirty="0">
+                <a:latin typeface="Calibri" panose="020F0502020204030204" pitchFamily="34" charset="0"/>
+                <a:cs typeface="Calibri" panose="020F0502020204030204" pitchFamily="34" charset="0"/>
+              </a:rPr>
+              <a:t>Create your own function</a:t>
+            </a:r>
+          </a:p>
+          <a:p>
+            <a:pPr lvl="1"/>
+            <a:r>
+              <a:rPr lang="en-US" sz="1800" dirty="0">
+                <a:latin typeface="Calibri" panose="020F0502020204030204" pitchFamily="34" charset="0"/>
+                <a:cs typeface="Calibri" panose="020F0502020204030204" pitchFamily="34" charset="0"/>
+              </a:rPr>
+              <a:t>Lambda function</a:t>
+            </a:r>
+          </a:p>
+          <a:p>
+            <a:pPr lvl="2"/>
+            <a:r>
+              <a:rPr lang="en-US" sz="1800" dirty="0">
+                <a:latin typeface="Calibri" panose="020F0502020204030204" pitchFamily="34" charset="0"/>
+                <a:cs typeface="Calibri" panose="020F0502020204030204" pitchFamily="34" charset="0"/>
+              </a:rPr>
+              <a:t>I. e. </a:t>
+            </a:r>
+            <a:r>
+              <a:rPr lang="en-US" sz="1800" dirty="0" err="1">
+                <a:latin typeface="Calibri" panose="020F0502020204030204" pitchFamily="34" charset="0"/>
+                <a:cs typeface="Calibri" panose="020F0502020204030204" pitchFamily="34" charset="0"/>
+              </a:rPr>
+              <a:t>df</a:t>
+            </a:r>
+            <a:r>
+              <a:rPr lang="en-US" sz="1800" dirty="0">
+                <a:latin typeface="Calibri" panose="020F0502020204030204" pitchFamily="34" charset="0"/>
+                <a:cs typeface="Calibri" panose="020F0502020204030204" pitchFamily="34" charset="0"/>
+              </a:rPr>
+              <a:t>[‘Score’].apply(lambda x: </a:t>
+            </a:r>
+            <a:r>
+              <a:rPr lang="en-US" sz="1800" dirty="0" err="1">
+                <a:latin typeface="Calibri" panose="020F0502020204030204" pitchFamily="34" charset="0"/>
+                <a:cs typeface="Calibri" panose="020F0502020204030204" pitchFamily="34" charset="0"/>
+              </a:rPr>
+              <a:t>x.fillna</a:t>
+            </a:r>
+            <a:r>
+              <a:rPr lang="en-US" sz="1800" dirty="0">
+                <a:latin typeface="Calibri" panose="020F0502020204030204" pitchFamily="34" charset="0"/>
+                <a:cs typeface="Calibri" panose="020F0502020204030204" pitchFamily="34" charset="0"/>
+              </a:rPr>
+              <a:t>(</a:t>
+            </a:r>
+            <a:r>
+              <a:rPr lang="en-US" sz="1800" dirty="0" err="1">
+                <a:latin typeface="Calibri" panose="020F0502020204030204" pitchFamily="34" charset="0"/>
+                <a:cs typeface="Calibri" panose="020F0502020204030204" pitchFamily="34" charset="0"/>
+              </a:rPr>
+              <a:t>x.mean</a:t>
+            </a:r>
+            <a:r>
+              <a:rPr lang="en-US" sz="1800" dirty="0">
+                <a:latin typeface="Calibri" panose="020F0502020204030204" pitchFamily="34" charset="0"/>
+                <a:cs typeface="Calibri" panose="020F0502020204030204" pitchFamily="34" charset="0"/>
+              </a:rPr>
+              <a:t>()),axis=1)</a:t>
             </a:r>
           </a:p>
           <a:p>
@@ -8565,106 +9877,55 @@
                 <a:latin typeface="Calibri" panose="020F0502020204030204" pitchFamily="34" charset="0"/>
                 <a:cs typeface="Calibri" panose="020F0502020204030204" pitchFamily="34" charset="0"/>
               </a:rPr>
-              <a:t>The information was able to be obtained from cms.gov, medicare.gov and the census bureau.</a:t>
-            </a:r>
-          </a:p>
-          <a:p>
-            <a:r>
-              <a:rPr lang="en-US" dirty="0">
+              <a:t>Normalizing data (rescaling or standardizing)</a:t>
+            </a:r>
+          </a:p>
+          <a:p>
+            <a:pPr lvl="1"/>
+            <a:r>
+              <a:rPr lang="en-US" sz="1800" dirty="0" err="1">
                 <a:latin typeface="Calibri" panose="020F0502020204030204" pitchFamily="34" charset="0"/>
                 <a:cs typeface="Calibri" panose="020F0502020204030204" pitchFamily="34" charset="0"/>
               </a:rPr>
-              <a:t>API’s were available but the sites presented data filtering tools – allowing smaller more manageable csv formatted files.</a:t>
-            </a:r>
-          </a:p>
-          <a:p>
-            <a:r>
-              <a:rPr lang="en-US" dirty="0">
+              <a:t>dfA</a:t>
+            </a:r>
+            <a:r>
+              <a:rPr lang="en-US" sz="1800" dirty="0">
                 <a:latin typeface="Calibri" panose="020F0502020204030204" pitchFamily="34" charset="0"/>
                 <a:cs typeface="Calibri" panose="020F0502020204030204" pitchFamily="34" charset="0"/>
               </a:rPr>
-              <a:t>Many of the columns were Object-type …</a:t>
-            </a:r>
-          </a:p>
-          <a:p>
-            <a:r>
-              <a:rPr lang="en-US" dirty="0">
+              <a:t> score range: 0 to 30</a:t>
+            </a:r>
+          </a:p>
+          <a:p>
+            <a:pPr lvl="1"/>
+            <a:r>
+              <a:rPr lang="en-US" sz="1800" dirty="0" err="1">
                 <a:latin typeface="Calibri" panose="020F0502020204030204" pitchFamily="34" charset="0"/>
                 <a:cs typeface="Calibri" panose="020F0502020204030204" pitchFamily="34" charset="0"/>
               </a:rPr>
-              <a:t>We saw “Score” columns frequently but they had different meanings for each file…</a:t>
-            </a:r>
-          </a:p>
-          <a:p>
-            <a:r>
-              <a:rPr lang="en-US" dirty="0">
+              <a:t>dfB</a:t>
+            </a:r>
+            <a:r>
+              <a:rPr lang="en-US" sz="1800" dirty="0">
                 <a:latin typeface="Calibri" panose="020F0502020204030204" pitchFamily="34" charset="0"/>
                 <a:cs typeface="Calibri" panose="020F0502020204030204" pitchFamily="34" charset="0"/>
               </a:rPr>
-              <a:t>We tried casting them to floats, but ran into issues with </a:t>
-            </a:r>
-            <a:r>
-              <a:rPr lang="en-US" dirty="0" err="1">
-                <a:latin typeface="Calibri" panose="020F0502020204030204" pitchFamily="34" charset="0"/>
-                <a:cs typeface="Calibri" panose="020F0502020204030204" pitchFamily="34" charset="0"/>
-              </a:rPr>
-              <a:t>NaN</a:t>
-            </a:r>
-            <a:r>
-              <a:rPr lang="en-US" dirty="0">
-                <a:latin typeface="Calibri" panose="020F0502020204030204" pitchFamily="34" charset="0"/>
-                <a:cs typeface="Calibri" panose="020F0502020204030204" pitchFamily="34" charset="0"/>
-              </a:rPr>
-              <a:t> columns and null values</a:t>
-            </a:r>
-          </a:p>
-          <a:p>
-            <a:r>
-              <a:rPr lang="en-US" dirty="0">
-                <a:latin typeface="Calibri" panose="020F0502020204030204" pitchFamily="34" charset="0"/>
-                <a:cs typeface="Calibri" panose="020F0502020204030204" pitchFamily="34" charset="0"/>
-              </a:rPr>
-              <a:t>Trying to replace the </a:t>
-            </a:r>
-            <a:r>
-              <a:rPr lang="en-US" dirty="0" err="1">
-                <a:latin typeface="Calibri" panose="020F0502020204030204" pitchFamily="34" charset="0"/>
-                <a:cs typeface="Calibri" panose="020F0502020204030204" pitchFamily="34" charset="0"/>
-              </a:rPr>
-              <a:t>NaN</a:t>
-            </a:r>
-            <a:r>
-              <a:rPr lang="en-US" dirty="0">
-                <a:latin typeface="Calibri" panose="020F0502020204030204" pitchFamily="34" charset="0"/>
-                <a:cs typeface="Calibri" panose="020F0502020204030204" pitchFamily="34" charset="0"/>
-              </a:rPr>
-              <a:t> columns led us to realize that Data Series values are ambiguous, and you can’t directly compare them to a value</a:t>
-            </a:r>
-          </a:p>
-          <a:p>
-            <a:r>
-              <a:rPr lang="en-US" dirty="0">
-                <a:latin typeface="Calibri" panose="020F0502020204030204" pitchFamily="34" charset="0"/>
-                <a:cs typeface="Calibri" panose="020F0502020204030204" pitchFamily="34" charset="0"/>
-              </a:rPr>
-              <a:t>Experimented with VBA scripting (Sasha), but there was too much data and it didn’t work</a:t>
+              <a:t> score range: -30 to 50</a:t>
             </a:r>
           </a:p>
           <a:p>
             <a:pPr marL="0" indent="0">
               <a:buNone/>
             </a:pPr>
-            <a:endParaRPr lang="en-US" dirty="0">
-              <a:latin typeface="Calibri" panose="020F0502020204030204" pitchFamily="34" charset="0"/>
-              <a:cs typeface="Calibri" panose="020F0502020204030204" pitchFamily="34" charset="0"/>
-            </a:endParaRPr>
+            <a:endParaRPr lang="en-US" dirty="0"/>
           </a:p>
         </p:txBody>
       </p:sp>
     </p:spTree>
     <p:extLst>
       <p:ext uri="{BB962C8B-B14F-4D97-AF65-F5344CB8AC3E}">
-        <p14:creationId xmlns:p14="http://schemas.microsoft.com/office/powerpoint/2010/main" val="1020637921"/>
+        <p14:creationId xmlns:p14="http://schemas.microsoft.com/office/powerpoint/2010/main" val="3722343492"/>
       </p:ext>
     </p:extLst>
   </p:cSld>
@@ -10926,65 +12187,77 @@
       </p:grpSpPr>
       <p:sp>
         <p:nvSpPr>
-          <p:cNvPr id="4" name="Rectangle 3">
+          <p:cNvPr id="2" name="Title 1">
             <a:extLst>
               <a:ext uri="{FF2B5EF4-FFF2-40B4-BE49-F238E27FC236}">
-                <a16:creationId xmlns:a16="http://schemas.microsoft.com/office/drawing/2014/main" id="{C960193E-A476-4B10-95BA-6A9C22CB696A}"/>
+                <a16:creationId xmlns:a16="http://schemas.microsoft.com/office/drawing/2014/main" id="{455E15F1-4C8E-4060-A3D7-6D5C3FA63DA5}"/>
               </a:ext>
             </a:extLst>
           </p:cNvPr>
-          <p:cNvSpPr/>
-          <p:nvPr/>
-        </p:nvSpPr>
-        <p:spPr>
-          <a:xfrm>
-            <a:off x="720090" y="182880"/>
-            <a:ext cx="8835390" cy="707886"/>
-          </a:xfrm>
-          <a:prstGeom prst="rect">
-            <a:avLst/>
-          </a:prstGeom>
-        </p:spPr>
-        <p:txBody>
-          <a:bodyPr wrap="square">
-            <a:spAutoFit/>
+          <p:cNvSpPr>
+            <a:spLocks noGrp="1"/>
+          </p:cNvSpPr>
+          <p:nvPr>
+            <p:ph type="title"/>
+          </p:nvPr>
+        </p:nvSpPr>
+        <p:spPr/>
+        <p:txBody>
+          <a:bodyPr>
+            <a:normAutofit fontScale="90000"/>
           </a:bodyPr>
           <a:lstStyle/>
           <a:p>
-            <a:pPr algn="ctr"/>
-            <a:r>
-              <a:rPr lang="en-US" sz="2000" b="1" dirty="0">
+            <a:r>
+              <a:rPr lang="en-US" dirty="0">
                 <a:latin typeface="Calibri" panose="020F0502020204030204" pitchFamily="34" charset="0"/>
                 <a:cs typeface="Calibri" panose="020F0502020204030204" pitchFamily="34" charset="0"/>
               </a:rPr>
-              <a:t>The Medicare Spending Per Patient</a:t>
-            </a:r>
-          </a:p>
-          <a:p>
-            <a:pPr algn="ctr"/>
-            <a:r>
-              <a:rPr lang="en-US" sz="2000" dirty="0">
+              <a:t>Question 4</a:t>
+            </a:r>
+            <a:r>
+              <a:rPr lang="en-US">
                 <a:latin typeface="Calibri" panose="020F0502020204030204" pitchFamily="34" charset="0"/>
                 <a:cs typeface="Calibri" panose="020F0502020204030204" pitchFamily="34" charset="0"/>
               </a:rPr>
-              <a:t>Medicare spends more, less, or about the same for an episode of care?</a:t>
-            </a:r>
+              <a:t>: </a:t>
+            </a:r>
+            <a:r>
+              <a:rPr lang="en-US">
+                <a:solidFill>
+                  <a:schemeClr val="tx1"/>
+                </a:solidFill>
+              </a:rPr>
+              <a:t>Is there a relationship between higher Medicare spending and how much data is recorded?</a:t>
+            </a:r>
+            <a:br>
+              <a:rPr lang="en-US" dirty="0">
+                <a:latin typeface="Calibri" panose="020F0502020204030204" pitchFamily="34" charset="0"/>
+                <a:cs typeface="Calibri" panose="020F0502020204030204" pitchFamily="34" charset="0"/>
+              </a:rPr>
+            </a:br>
+            <a:endParaRPr lang="en-US" dirty="0">
+              <a:latin typeface="Calibri" panose="020F0502020204030204" pitchFamily="34" charset="0"/>
+              <a:cs typeface="Calibri" panose="020F0502020204030204" pitchFamily="34" charset="0"/>
+            </a:endParaRPr>
           </a:p>
         </p:txBody>
       </p:sp>
       <p:pic>
         <p:nvPicPr>
-          <p:cNvPr id="1026" name="Picture 2">
+          <p:cNvPr id="5" name="Content Placeholder 4">
             <a:extLst>
               <a:ext uri="{FF2B5EF4-FFF2-40B4-BE49-F238E27FC236}">
-                <a16:creationId xmlns:a16="http://schemas.microsoft.com/office/drawing/2014/main" id="{77A96258-5A62-408F-AF07-F1075254987A}"/>
+                <a16:creationId xmlns:a16="http://schemas.microsoft.com/office/drawing/2014/main" id="{D1B6FC60-5232-4088-875A-464C1A1BAFE7}"/>
               </a:ext>
             </a:extLst>
           </p:cNvPr>
           <p:cNvPicPr>
-            <a:picLocks noChangeAspect="1" noChangeArrowheads="1"/>
+            <a:picLocks noGrp="1" noChangeAspect="1"/>
           </p:cNvPicPr>
-          <p:nvPr/>
+          <p:nvPr>
+            <p:ph idx="1"/>
+          </p:nvPr>
         </p:nvPicPr>
         <p:blipFill>
           <a:blip r:embed="rId2">
@@ -10994,320 +12267,21 @@
               </a:ext>
             </a:extLst>
           </a:blip>
-          <a:srcRect/>
           <a:stretch>
             <a:fillRect/>
           </a:stretch>
         </p:blipFill>
-        <p:spPr bwMode="auto">
+        <p:spPr>
           <a:xfrm>
-            <a:off x="1882140" y="2229353"/>
-            <a:ext cx="6305550" cy="4445767"/>
+            <a:off x="2232194" y="2272090"/>
+            <a:ext cx="5487650" cy="3658433"/>
           </a:xfrm>
-          <a:prstGeom prst="rect">
-            <a:avLst/>
-          </a:prstGeom>
-          <a:noFill/>
-          <a:extLst>
-            <a:ext uri="{909E8E84-426E-40DD-AFC4-6F175D3DCCD1}">
-              <a14:hiddenFill xmlns:a14="http://schemas.microsoft.com/office/drawing/2010/main">
-                <a:solidFill>
-                  <a:srgbClr val="FFFFFF"/>
-                </a:solidFill>
-              </a14:hiddenFill>
-            </a:ext>
-          </a:extLst>
         </p:spPr>
       </p:pic>
-      <p:sp>
-        <p:nvSpPr>
-          <p:cNvPr id="7" name="Content Placeholder 2">
-            <a:extLst>
-              <a:ext uri="{FF2B5EF4-FFF2-40B4-BE49-F238E27FC236}">
-                <a16:creationId xmlns:a16="http://schemas.microsoft.com/office/drawing/2014/main" id="{8D12E0A2-1D9E-4CC8-8E87-26DF6979AD4B}"/>
-              </a:ext>
-            </a:extLst>
-          </p:cNvPr>
-          <p:cNvSpPr txBox="1">
-            <a:spLocks/>
-          </p:cNvSpPr>
-          <p:nvPr/>
-        </p:nvSpPr>
-        <p:spPr>
-          <a:xfrm>
-            <a:off x="2504676" y="1100293"/>
-            <a:ext cx="5562600" cy="707886"/>
-          </a:xfrm>
-          <a:prstGeom prst="rect">
-            <a:avLst/>
-          </a:prstGeom>
-        </p:spPr>
-        <p:txBody>
-          <a:bodyPr vert="horz" lIns="91440" tIns="45720" rIns="91440" bIns="45720" rtlCol="0">
-            <a:normAutofit fontScale="25000" lnSpcReduction="20000"/>
-          </a:bodyPr>
-          <a:lstStyle>
-            <a:lvl1pPr marL="342900" indent="-342900" algn="l" defTabSz="457200" rtl="0" eaLnBrk="1" latinLnBrk="0" hangingPunct="1">
-              <a:spcBef>
-                <a:spcPts val="1000"/>
-              </a:spcBef>
-              <a:spcAft>
-                <a:spcPts val="0"/>
-              </a:spcAft>
-              <a:buClr>
-                <a:schemeClr val="accent1"/>
-              </a:buClr>
-              <a:buSzPct val="80000"/>
-              <a:buFont typeface="Wingdings 3" charset="2"/>
-              <a:buChar char=""/>
-              <a:defRPr sz="1800" kern="1200">
-                <a:solidFill>
-                  <a:schemeClr val="tx1">
-                    <a:lumMod val="75000"/>
-                    <a:lumOff val="25000"/>
-                  </a:schemeClr>
-                </a:solidFill>
-                <a:latin typeface="+mn-lt"/>
-                <a:ea typeface="+mn-ea"/>
-                <a:cs typeface="+mn-cs"/>
-              </a:defRPr>
-            </a:lvl1pPr>
-            <a:lvl2pPr marL="742950" indent="-285750" algn="l" defTabSz="457200" rtl="0" eaLnBrk="1" latinLnBrk="0" hangingPunct="1">
-              <a:spcBef>
-                <a:spcPts val="1000"/>
-              </a:spcBef>
-              <a:spcAft>
-                <a:spcPts val="0"/>
-              </a:spcAft>
-              <a:buClr>
-                <a:schemeClr val="accent1"/>
-              </a:buClr>
-              <a:buSzPct val="80000"/>
-              <a:buFont typeface="Wingdings 3" charset="2"/>
-              <a:buChar char=""/>
-              <a:defRPr sz="1600" kern="1200">
-                <a:solidFill>
-                  <a:schemeClr val="tx1">
-                    <a:lumMod val="75000"/>
-                    <a:lumOff val="25000"/>
-                  </a:schemeClr>
-                </a:solidFill>
-                <a:latin typeface="+mn-lt"/>
-                <a:ea typeface="+mn-ea"/>
-                <a:cs typeface="+mn-cs"/>
-              </a:defRPr>
-            </a:lvl2pPr>
-            <a:lvl3pPr marL="1143000" indent="-228600" algn="l" defTabSz="457200" rtl="0" eaLnBrk="1" latinLnBrk="0" hangingPunct="1">
-              <a:spcBef>
-                <a:spcPts val="1000"/>
-              </a:spcBef>
-              <a:spcAft>
-                <a:spcPts val="0"/>
-              </a:spcAft>
-              <a:buClr>
-                <a:schemeClr val="accent1"/>
-              </a:buClr>
-              <a:buSzPct val="80000"/>
-              <a:buFont typeface="Wingdings 3" charset="2"/>
-              <a:buChar char=""/>
-              <a:defRPr sz="1400" kern="1200">
-                <a:solidFill>
-                  <a:schemeClr val="tx1">
-                    <a:lumMod val="75000"/>
-                    <a:lumOff val="25000"/>
-                  </a:schemeClr>
-                </a:solidFill>
-                <a:latin typeface="+mn-lt"/>
-                <a:ea typeface="+mn-ea"/>
-                <a:cs typeface="+mn-cs"/>
-              </a:defRPr>
-            </a:lvl3pPr>
-            <a:lvl4pPr marL="1600200" indent="-228600" algn="l" defTabSz="457200" rtl="0" eaLnBrk="1" latinLnBrk="0" hangingPunct="1">
-              <a:spcBef>
-                <a:spcPts val="1000"/>
-              </a:spcBef>
-              <a:spcAft>
-                <a:spcPts val="0"/>
-              </a:spcAft>
-              <a:buClr>
-                <a:schemeClr val="accent1"/>
-              </a:buClr>
-              <a:buSzPct val="80000"/>
-              <a:buFont typeface="Wingdings 3" charset="2"/>
-              <a:buChar char=""/>
-              <a:defRPr sz="1200" kern="1200">
-                <a:solidFill>
-                  <a:schemeClr val="tx1">
-                    <a:lumMod val="75000"/>
-                    <a:lumOff val="25000"/>
-                  </a:schemeClr>
-                </a:solidFill>
-                <a:latin typeface="+mn-lt"/>
-                <a:ea typeface="+mn-ea"/>
-                <a:cs typeface="+mn-cs"/>
-              </a:defRPr>
-            </a:lvl4pPr>
-            <a:lvl5pPr marL="2057400" indent="-228600" algn="l" defTabSz="457200" rtl="0" eaLnBrk="1" latinLnBrk="0" hangingPunct="1">
-              <a:spcBef>
-                <a:spcPts val="1000"/>
-              </a:spcBef>
-              <a:spcAft>
-                <a:spcPts val="0"/>
-              </a:spcAft>
-              <a:buClr>
-                <a:schemeClr val="accent1"/>
-              </a:buClr>
-              <a:buSzPct val="80000"/>
-              <a:buFont typeface="Wingdings 3" charset="2"/>
-              <a:buChar char=""/>
-              <a:defRPr sz="1200" kern="1200">
-                <a:solidFill>
-                  <a:schemeClr val="tx1">
-                    <a:lumMod val="75000"/>
-                    <a:lumOff val="25000"/>
-                  </a:schemeClr>
-                </a:solidFill>
-                <a:latin typeface="+mn-lt"/>
-                <a:ea typeface="+mn-ea"/>
-                <a:cs typeface="+mn-cs"/>
-              </a:defRPr>
-            </a:lvl5pPr>
-            <a:lvl6pPr marL="2514600" indent="-228600" algn="l" defTabSz="457200" rtl="0" eaLnBrk="1" latinLnBrk="0" hangingPunct="1">
-              <a:spcBef>
-                <a:spcPts val="1000"/>
-              </a:spcBef>
-              <a:spcAft>
-                <a:spcPts val="0"/>
-              </a:spcAft>
-              <a:buClr>
-                <a:schemeClr val="accent1"/>
-              </a:buClr>
-              <a:buSzPct val="80000"/>
-              <a:buFont typeface="Wingdings 3" charset="2"/>
-              <a:buChar char=""/>
-              <a:defRPr sz="1200" kern="1200">
-                <a:solidFill>
-                  <a:schemeClr val="tx1">
-                    <a:lumMod val="75000"/>
-                    <a:lumOff val="25000"/>
-                  </a:schemeClr>
-                </a:solidFill>
-                <a:latin typeface="+mn-lt"/>
-                <a:ea typeface="+mn-ea"/>
-                <a:cs typeface="+mn-cs"/>
-              </a:defRPr>
-            </a:lvl6pPr>
-            <a:lvl7pPr marL="2971800" indent="-228600" algn="l" defTabSz="457200" rtl="0" eaLnBrk="1" latinLnBrk="0" hangingPunct="1">
-              <a:spcBef>
-                <a:spcPts val="1000"/>
-              </a:spcBef>
-              <a:spcAft>
-                <a:spcPts val="0"/>
-              </a:spcAft>
-              <a:buClr>
-                <a:schemeClr val="accent1"/>
-              </a:buClr>
-              <a:buSzPct val="80000"/>
-              <a:buFont typeface="Wingdings 3" charset="2"/>
-              <a:buChar char=""/>
-              <a:defRPr sz="1200" kern="1200">
-                <a:solidFill>
-                  <a:schemeClr val="tx1">
-                    <a:lumMod val="75000"/>
-                    <a:lumOff val="25000"/>
-                  </a:schemeClr>
-                </a:solidFill>
-                <a:latin typeface="+mn-lt"/>
-                <a:ea typeface="+mn-ea"/>
-                <a:cs typeface="+mn-cs"/>
-              </a:defRPr>
-            </a:lvl7pPr>
-            <a:lvl8pPr marL="3429000" indent="-228600" algn="l" defTabSz="457200" rtl="0" eaLnBrk="1" latinLnBrk="0" hangingPunct="1">
-              <a:spcBef>
-                <a:spcPts val="1000"/>
-              </a:spcBef>
-              <a:spcAft>
-                <a:spcPts val="0"/>
-              </a:spcAft>
-              <a:buClr>
-                <a:schemeClr val="accent1"/>
-              </a:buClr>
-              <a:buSzPct val="80000"/>
-              <a:buFont typeface="Wingdings 3" charset="2"/>
-              <a:buChar char=""/>
-              <a:defRPr sz="1200" kern="1200">
-                <a:solidFill>
-                  <a:schemeClr val="tx1">
-                    <a:lumMod val="75000"/>
-                    <a:lumOff val="25000"/>
-                  </a:schemeClr>
-                </a:solidFill>
-                <a:latin typeface="+mn-lt"/>
-                <a:ea typeface="+mn-ea"/>
-                <a:cs typeface="+mn-cs"/>
-              </a:defRPr>
-            </a:lvl8pPr>
-            <a:lvl9pPr marL="3886200" indent="-228600" algn="l" defTabSz="457200" rtl="0" eaLnBrk="1" latinLnBrk="0" hangingPunct="1">
-              <a:spcBef>
-                <a:spcPts val="1000"/>
-              </a:spcBef>
-              <a:spcAft>
-                <a:spcPts val="0"/>
-              </a:spcAft>
-              <a:buClr>
-                <a:schemeClr val="accent1"/>
-              </a:buClr>
-              <a:buSzPct val="80000"/>
-              <a:buFont typeface="Wingdings 3" charset="2"/>
-              <a:buChar char=""/>
-              <a:defRPr sz="1200" kern="1200">
-                <a:solidFill>
-                  <a:schemeClr val="tx1">
-                    <a:lumMod val="75000"/>
-                    <a:lumOff val="25000"/>
-                  </a:schemeClr>
-                </a:solidFill>
-                <a:latin typeface="+mn-lt"/>
-                <a:ea typeface="+mn-ea"/>
-                <a:cs typeface="+mn-cs"/>
-              </a:defRPr>
-            </a:lvl9pPr>
-          </a:lstStyle>
-          <a:p>
-            <a:r>
-              <a:rPr lang="en-US" sz="8000" dirty="0"/>
-              <a:t>Based on the average score per county:</a:t>
-            </a:r>
-          </a:p>
-          <a:p>
-            <a:pPr lvl="1"/>
-            <a:r>
-              <a:rPr lang="en-US" sz="8000" dirty="0"/>
-              <a:t>Johnson County spends more</a:t>
-            </a:r>
-          </a:p>
-          <a:p>
-            <a:pPr marL="0" indent="0">
-              <a:buNone/>
-            </a:pPr>
-            <a:r>
-              <a:rPr lang="en-US" dirty="0"/>
-              <a:t>	</a:t>
-            </a:r>
-            <a:endParaRPr lang="en-US" sz="6400" dirty="0"/>
-          </a:p>
-          <a:p>
-            <a:pPr marL="0" indent="0">
-              <a:buNone/>
-            </a:pPr>
-            <a:endParaRPr lang="en-US" sz="9600" dirty="0"/>
-          </a:p>
-        </p:txBody>
-      </p:sp>
     </p:spTree>
     <p:extLst>
       <p:ext uri="{BB962C8B-B14F-4D97-AF65-F5344CB8AC3E}">
-        <p14:creationId xmlns:p14="http://schemas.microsoft.com/office/powerpoint/2010/main" val="2635635244"/>
+        <p14:creationId xmlns:p14="http://schemas.microsoft.com/office/powerpoint/2010/main" val="3595413408"/>
       </p:ext>
     </p:extLst>
   </p:cSld>

--- a/SnakeBitePresentation_cfoEdits2.pptx
+++ b/SnakeBitePresentation_cfoEdits2.pptx
@@ -8,16 +8,17 @@
     <p:sldId id="256" r:id="rId2"/>
     <p:sldId id="257" r:id="rId3"/>
     <p:sldId id="267" r:id="rId4"/>
-    <p:sldId id="268" r:id="rId5"/>
-    <p:sldId id="266" r:id="rId6"/>
-    <p:sldId id="269" r:id="rId7"/>
-    <p:sldId id="258" r:id="rId8"/>
-    <p:sldId id="259" r:id="rId9"/>
-    <p:sldId id="260" r:id="rId10"/>
-    <p:sldId id="270" r:id="rId11"/>
-    <p:sldId id="261" r:id="rId12"/>
-    <p:sldId id="262" r:id="rId13"/>
-    <p:sldId id="264" r:id="rId14"/>
+    <p:sldId id="266" r:id="rId5"/>
+    <p:sldId id="268" r:id="rId6"/>
+    <p:sldId id="271" r:id="rId7"/>
+    <p:sldId id="269" r:id="rId8"/>
+    <p:sldId id="258" r:id="rId9"/>
+    <p:sldId id="259" r:id="rId10"/>
+    <p:sldId id="260" r:id="rId11"/>
+    <p:sldId id="270" r:id="rId12"/>
+    <p:sldId id="261" r:id="rId13"/>
+    <p:sldId id="262" r:id="rId14"/>
+    <p:sldId id="264" r:id="rId15"/>
   </p:sldIdLst>
   <p:sldSz cx="12192000" cy="6858000"/>
   <p:notesSz cx="6858000" cy="9144000"/>
@@ -6177,6 +6178,416 @@
       </p:grpSpPr>
       <p:sp>
         <p:nvSpPr>
+          <p:cNvPr id="4" name="Rectangle 3">
+            <a:extLst>
+              <a:ext uri="{FF2B5EF4-FFF2-40B4-BE49-F238E27FC236}">
+                <a16:creationId xmlns:a16="http://schemas.microsoft.com/office/drawing/2014/main" id="{C960193E-A476-4B10-95BA-6A9C22CB696A}"/>
+              </a:ext>
+            </a:extLst>
+          </p:cNvPr>
+          <p:cNvSpPr/>
+          <p:nvPr/>
+        </p:nvSpPr>
+        <p:spPr>
+          <a:xfrm>
+            <a:off x="720090" y="182880"/>
+            <a:ext cx="8835390" cy="707886"/>
+          </a:xfrm>
+          <a:prstGeom prst="rect">
+            <a:avLst/>
+          </a:prstGeom>
+        </p:spPr>
+        <p:txBody>
+          <a:bodyPr wrap="square">
+            <a:spAutoFit/>
+          </a:bodyPr>
+          <a:lstStyle/>
+          <a:p>
+            <a:pPr algn="ctr"/>
+            <a:r>
+              <a:rPr lang="en-US" sz="2000" b="1" dirty="0">
+                <a:latin typeface="Calibri" panose="020F0502020204030204" pitchFamily="34" charset="0"/>
+                <a:cs typeface="Calibri" panose="020F0502020204030204" pitchFamily="34" charset="0"/>
+              </a:rPr>
+              <a:t>The Medicare Spending Per Patient</a:t>
+            </a:r>
+          </a:p>
+          <a:p>
+            <a:pPr algn="ctr"/>
+            <a:r>
+              <a:rPr lang="en-US" sz="2000" dirty="0">
+                <a:latin typeface="Calibri" panose="020F0502020204030204" pitchFamily="34" charset="0"/>
+                <a:cs typeface="Calibri" panose="020F0502020204030204" pitchFamily="34" charset="0"/>
+              </a:rPr>
+              <a:t>Medicare spends more, less, or about the same for an episode of care?</a:t>
+            </a:r>
+          </a:p>
+        </p:txBody>
+      </p:sp>
+      <p:pic>
+        <p:nvPicPr>
+          <p:cNvPr id="1026" name="Picture 2">
+            <a:extLst>
+              <a:ext uri="{FF2B5EF4-FFF2-40B4-BE49-F238E27FC236}">
+                <a16:creationId xmlns:a16="http://schemas.microsoft.com/office/drawing/2014/main" id="{77A96258-5A62-408F-AF07-F1075254987A}"/>
+              </a:ext>
+            </a:extLst>
+          </p:cNvPr>
+          <p:cNvPicPr>
+            <a:picLocks noChangeAspect="1" noChangeArrowheads="1"/>
+          </p:cNvPicPr>
+          <p:nvPr/>
+        </p:nvPicPr>
+        <p:blipFill>
+          <a:blip r:embed="rId2">
+            <a:extLst>
+              <a:ext uri="{28A0092B-C50C-407E-A947-70E740481C1C}">
+                <a14:useLocalDpi xmlns:a14="http://schemas.microsoft.com/office/drawing/2010/main" val="0"/>
+              </a:ext>
+            </a:extLst>
+          </a:blip>
+          <a:srcRect/>
+          <a:stretch>
+            <a:fillRect/>
+          </a:stretch>
+        </p:blipFill>
+        <p:spPr bwMode="auto">
+          <a:xfrm>
+            <a:off x="1882140" y="2229353"/>
+            <a:ext cx="6305550" cy="4445767"/>
+          </a:xfrm>
+          <a:prstGeom prst="rect">
+            <a:avLst/>
+          </a:prstGeom>
+          <a:noFill/>
+          <a:extLst>
+            <a:ext uri="{909E8E84-426E-40DD-AFC4-6F175D3DCCD1}">
+              <a14:hiddenFill xmlns:a14="http://schemas.microsoft.com/office/drawing/2010/main">
+                <a:solidFill>
+                  <a:srgbClr val="FFFFFF"/>
+                </a:solidFill>
+              </a14:hiddenFill>
+            </a:ext>
+          </a:extLst>
+        </p:spPr>
+      </p:pic>
+      <p:sp>
+        <p:nvSpPr>
+          <p:cNvPr id="7" name="Content Placeholder 2">
+            <a:extLst>
+              <a:ext uri="{FF2B5EF4-FFF2-40B4-BE49-F238E27FC236}">
+                <a16:creationId xmlns:a16="http://schemas.microsoft.com/office/drawing/2014/main" id="{8D12E0A2-1D9E-4CC8-8E87-26DF6979AD4B}"/>
+              </a:ext>
+            </a:extLst>
+          </p:cNvPr>
+          <p:cNvSpPr txBox="1">
+            <a:spLocks/>
+          </p:cNvSpPr>
+          <p:nvPr/>
+        </p:nvSpPr>
+        <p:spPr>
+          <a:xfrm>
+            <a:off x="2504676" y="1100293"/>
+            <a:ext cx="5562600" cy="707886"/>
+          </a:xfrm>
+          <a:prstGeom prst="rect">
+            <a:avLst/>
+          </a:prstGeom>
+        </p:spPr>
+        <p:txBody>
+          <a:bodyPr vert="horz" lIns="91440" tIns="45720" rIns="91440" bIns="45720" rtlCol="0">
+            <a:normAutofit fontScale="25000" lnSpcReduction="20000"/>
+          </a:bodyPr>
+          <a:lstStyle>
+            <a:lvl1pPr marL="342900" indent="-342900" algn="l" defTabSz="457200" rtl="0" eaLnBrk="1" latinLnBrk="0" hangingPunct="1">
+              <a:spcBef>
+                <a:spcPts val="1000"/>
+              </a:spcBef>
+              <a:spcAft>
+                <a:spcPts val="0"/>
+              </a:spcAft>
+              <a:buClr>
+                <a:schemeClr val="accent1"/>
+              </a:buClr>
+              <a:buSzPct val="80000"/>
+              <a:buFont typeface="Wingdings 3" charset="2"/>
+              <a:buChar char=""/>
+              <a:defRPr sz="1800" kern="1200">
+                <a:solidFill>
+                  <a:schemeClr val="tx1">
+                    <a:lumMod val="75000"/>
+                    <a:lumOff val="25000"/>
+                  </a:schemeClr>
+                </a:solidFill>
+                <a:latin typeface="+mn-lt"/>
+                <a:ea typeface="+mn-ea"/>
+                <a:cs typeface="+mn-cs"/>
+              </a:defRPr>
+            </a:lvl1pPr>
+            <a:lvl2pPr marL="742950" indent="-285750" algn="l" defTabSz="457200" rtl="0" eaLnBrk="1" latinLnBrk="0" hangingPunct="1">
+              <a:spcBef>
+                <a:spcPts val="1000"/>
+              </a:spcBef>
+              <a:spcAft>
+                <a:spcPts val="0"/>
+              </a:spcAft>
+              <a:buClr>
+                <a:schemeClr val="accent1"/>
+              </a:buClr>
+              <a:buSzPct val="80000"/>
+              <a:buFont typeface="Wingdings 3" charset="2"/>
+              <a:buChar char=""/>
+              <a:defRPr sz="1600" kern="1200">
+                <a:solidFill>
+                  <a:schemeClr val="tx1">
+                    <a:lumMod val="75000"/>
+                    <a:lumOff val="25000"/>
+                  </a:schemeClr>
+                </a:solidFill>
+                <a:latin typeface="+mn-lt"/>
+                <a:ea typeface="+mn-ea"/>
+                <a:cs typeface="+mn-cs"/>
+              </a:defRPr>
+            </a:lvl2pPr>
+            <a:lvl3pPr marL="1143000" indent="-228600" algn="l" defTabSz="457200" rtl="0" eaLnBrk="1" latinLnBrk="0" hangingPunct="1">
+              <a:spcBef>
+                <a:spcPts val="1000"/>
+              </a:spcBef>
+              <a:spcAft>
+                <a:spcPts val="0"/>
+              </a:spcAft>
+              <a:buClr>
+                <a:schemeClr val="accent1"/>
+              </a:buClr>
+              <a:buSzPct val="80000"/>
+              <a:buFont typeface="Wingdings 3" charset="2"/>
+              <a:buChar char=""/>
+              <a:defRPr sz="1400" kern="1200">
+                <a:solidFill>
+                  <a:schemeClr val="tx1">
+                    <a:lumMod val="75000"/>
+                    <a:lumOff val="25000"/>
+                  </a:schemeClr>
+                </a:solidFill>
+                <a:latin typeface="+mn-lt"/>
+                <a:ea typeface="+mn-ea"/>
+                <a:cs typeface="+mn-cs"/>
+              </a:defRPr>
+            </a:lvl3pPr>
+            <a:lvl4pPr marL="1600200" indent="-228600" algn="l" defTabSz="457200" rtl="0" eaLnBrk="1" latinLnBrk="0" hangingPunct="1">
+              <a:spcBef>
+                <a:spcPts val="1000"/>
+              </a:spcBef>
+              <a:spcAft>
+                <a:spcPts val="0"/>
+              </a:spcAft>
+              <a:buClr>
+                <a:schemeClr val="accent1"/>
+              </a:buClr>
+              <a:buSzPct val="80000"/>
+              <a:buFont typeface="Wingdings 3" charset="2"/>
+              <a:buChar char=""/>
+              <a:defRPr sz="1200" kern="1200">
+                <a:solidFill>
+                  <a:schemeClr val="tx1">
+                    <a:lumMod val="75000"/>
+                    <a:lumOff val="25000"/>
+                  </a:schemeClr>
+                </a:solidFill>
+                <a:latin typeface="+mn-lt"/>
+                <a:ea typeface="+mn-ea"/>
+                <a:cs typeface="+mn-cs"/>
+              </a:defRPr>
+            </a:lvl4pPr>
+            <a:lvl5pPr marL="2057400" indent="-228600" algn="l" defTabSz="457200" rtl="0" eaLnBrk="1" latinLnBrk="0" hangingPunct="1">
+              <a:spcBef>
+                <a:spcPts val="1000"/>
+              </a:spcBef>
+              <a:spcAft>
+                <a:spcPts val="0"/>
+              </a:spcAft>
+              <a:buClr>
+                <a:schemeClr val="accent1"/>
+              </a:buClr>
+              <a:buSzPct val="80000"/>
+              <a:buFont typeface="Wingdings 3" charset="2"/>
+              <a:buChar char=""/>
+              <a:defRPr sz="1200" kern="1200">
+                <a:solidFill>
+                  <a:schemeClr val="tx1">
+                    <a:lumMod val="75000"/>
+                    <a:lumOff val="25000"/>
+                  </a:schemeClr>
+                </a:solidFill>
+                <a:latin typeface="+mn-lt"/>
+                <a:ea typeface="+mn-ea"/>
+                <a:cs typeface="+mn-cs"/>
+              </a:defRPr>
+            </a:lvl5pPr>
+            <a:lvl6pPr marL="2514600" indent="-228600" algn="l" defTabSz="457200" rtl="0" eaLnBrk="1" latinLnBrk="0" hangingPunct="1">
+              <a:spcBef>
+                <a:spcPts val="1000"/>
+              </a:spcBef>
+              <a:spcAft>
+                <a:spcPts val="0"/>
+              </a:spcAft>
+              <a:buClr>
+                <a:schemeClr val="accent1"/>
+              </a:buClr>
+              <a:buSzPct val="80000"/>
+              <a:buFont typeface="Wingdings 3" charset="2"/>
+              <a:buChar char=""/>
+              <a:defRPr sz="1200" kern="1200">
+                <a:solidFill>
+                  <a:schemeClr val="tx1">
+                    <a:lumMod val="75000"/>
+                    <a:lumOff val="25000"/>
+                  </a:schemeClr>
+                </a:solidFill>
+                <a:latin typeface="+mn-lt"/>
+                <a:ea typeface="+mn-ea"/>
+                <a:cs typeface="+mn-cs"/>
+              </a:defRPr>
+            </a:lvl6pPr>
+            <a:lvl7pPr marL="2971800" indent="-228600" algn="l" defTabSz="457200" rtl="0" eaLnBrk="1" latinLnBrk="0" hangingPunct="1">
+              <a:spcBef>
+                <a:spcPts val="1000"/>
+              </a:spcBef>
+              <a:spcAft>
+                <a:spcPts val="0"/>
+              </a:spcAft>
+              <a:buClr>
+                <a:schemeClr val="accent1"/>
+              </a:buClr>
+              <a:buSzPct val="80000"/>
+              <a:buFont typeface="Wingdings 3" charset="2"/>
+              <a:buChar char=""/>
+              <a:defRPr sz="1200" kern="1200">
+                <a:solidFill>
+                  <a:schemeClr val="tx1">
+                    <a:lumMod val="75000"/>
+                    <a:lumOff val="25000"/>
+                  </a:schemeClr>
+                </a:solidFill>
+                <a:latin typeface="+mn-lt"/>
+                <a:ea typeface="+mn-ea"/>
+                <a:cs typeface="+mn-cs"/>
+              </a:defRPr>
+            </a:lvl7pPr>
+            <a:lvl8pPr marL="3429000" indent="-228600" algn="l" defTabSz="457200" rtl="0" eaLnBrk="1" latinLnBrk="0" hangingPunct="1">
+              <a:spcBef>
+                <a:spcPts val="1000"/>
+              </a:spcBef>
+              <a:spcAft>
+                <a:spcPts val="0"/>
+              </a:spcAft>
+              <a:buClr>
+                <a:schemeClr val="accent1"/>
+              </a:buClr>
+              <a:buSzPct val="80000"/>
+              <a:buFont typeface="Wingdings 3" charset="2"/>
+              <a:buChar char=""/>
+              <a:defRPr sz="1200" kern="1200">
+                <a:solidFill>
+                  <a:schemeClr val="tx1">
+                    <a:lumMod val="75000"/>
+                    <a:lumOff val="25000"/>
+                  </a:schemeClr>
+                </a:solidFill>
+                <a:latin typeface="+mn-lt"/>
+                <a:ea typeface="+mn-ea"/>
+                <a:cs typeface="+mn-cs"/>
+              </a:defRPr>
+            </a:lvl8pPr>
+            <a:lvl9pPr marL="3886200" indent="-228600" algn="l" defTabSz="457200" rtl="0" eaLnBrk="1" latinLnBrk="0" hangingPunct="1">
+              <a:spcBef>
+                <a:spcPts val="1000"/>
+              </a:spcBef>
+              <a:spcAft>
+                <a:spcPts val="0"/>
+              </a:spcAft>
+              <a:buClr>
+                <a:schemeClr val="accent1"/>
+              </a:buClr>
+              <a:buSzPct val="80000"/>
+              <a:buFont typeface="Wingdings 3" charset="2"/>
+              <a:buChar char=""/>
+              <a:defRPr sz="1200" kern="1200">
+                <a:solidFill>
+                  <a:schemeClr val="tx1">
+                    <a:lumMod val="75000"/>
+                    <a:lumOff val="25000"/>
+                  </a:schemeClr>
+                </a:solidFill>
+                <a:latin typeface="+mn-lt"/>
+                <a:ea typeface="+mn-ea"/>
+                <a:cs typeface="+mn-cs"/>
+              </a:defRPr>
+            </a:lvl9pPr>
+          </a:lstStyle>
+          <a:p>
+            <a:r>
+              <a:rPr lang="en-US" sz="8000" dirty="0"/>
+              <a:t>Based on the average score per county:</a:t>
+            </a:r>
+          </a:p>
+          <a:p>
+            <a:pPr lvl="1"/>
+            <a:r>
+              <a:rPr lang="en-US" sz="8000" dirty="0"/>
+              <a:t>Johnson County spends more</a:t>
+            </a:r>
+          </a:p>
+          <a:p>
+            <a:pPr marL="0" indent="0">
+              <a:buNone/>
+            </a:pPr>
+            <a:r>
+              <a:rPr lang="en-US" dirty="0"/>
+              <a:t>	</a:t>
+            </a:r>
+            <a:endParaRPr lang="en-US" sz="6400" dirty="0"/>
+          </a:p>
+          <a:p>
+            <a:pPr marL="0" indent="0">
+              <a:buNone/>
+            </a:pPr>
+            <a:endParaRPr lang="en-US" sz="9600" dirty="0"/>
+          </a:p>
+        </p:txBody>
+      </p:sp>
+    </p:spTree>
+    <p:extLst>
+      <p:ext uri="{BB962C8B-B14F-4D97-AF65-F5344CB8AC3E}">
+        <p14:creationId xmlns:p14="http://schemas.microsoft.com/office/powerpoint/2010/main" val="2635635244"/>
+      </p:ext>
+    </p:extLst>
+  </p:cSld>
+  <p:clrMapOvr>
+    <a:masterClrMapping/>
+  </p:clrMapOvr>
+</p:sld>
+</file>
+
+<file path=ppt/slides/slide11.xml><?xml version="1.0" encoding="utf-8"?>
+<p:sld xmlns:a="http://schemas.openxmlformats.org/drawingml/2006/main" xmlns:r="http://schemas.openxmlformats.org/officeDocument/2006/relationships" xmlns:p="http://schemas.openxmlformats.org/presentationml/2006/main">
+  <p:cSld>
+    <p:spTree>
+      <p:nvGrpSpPr>
+        <p:cNvPr id="1" name=""/>
+        <p:cNvGrpSpPr/>
+        <p:nvPr/>
+      </p:nvGrpSpPr>
+      <p:grpSpPr>
+        <a:xfrm>
+          <a:off x="0" y="0"/>
+          <a:ext cx="0" cy="0"/>
+          <a:chOff x="0" y="0"/>
+          <a:chExt cx="0" cy="0"/>
+        </a:xfrm>
+      </p:grpSpPr>
+      <p:sp>
+        <p:nvSpPr>
           <p:cNvPr id="2" name="Title 1">
             <a:extLst>
               <a:ext uri="{FF2B5EF4-FFF2-40B4-BE49-F238E27FC236}">
@@ -6271,7 +6682,7 @@
 </p:sld>
 </file>
 
-<file path=ppt/slides/slide11.xml><?xml version="1.0" encoding="utf-8"?>
+<file path=ppt/slides/slide12.xml><?xml version="1.0" encoding="utf-8"?>
 <p:sld xmlns:a="http://schemas.openxmlformats.org/drawingml/2006/main" xmlns:r="http://schemas.openxmlformats.org/officeDocument/2006/relationships" xmlns:p="http://schemas.openxmlformats.org/presentationml/2006/main">
   <p:cSld>
     <p:spTree>
@@ -6394,7 +6805,7 @@
 </p:sld>
 </file>
 
-<file path=ppt/slides/slide12.xml><?xml version="1.0" encoding="utf-8"?>
+<file path=ppt/slides/slide13.xml><?xml version="1.0" encoding="utf-8"?>
 <p:sld xmlns:a="http://schemas.openxmlformats.org/drawingml/2006/main" xmlns:r="http://schemas.openxmlformats.org/officeDocument/2006/relationships" xmlns:p="http://schemas.openxmlformats.org/presentationml/2006/main">
   <p:cSld>
     <p:spTree>
@@ -6501,7 +6912,7 @@
 </p:sld>
 </file>
 
-<file path=ppt/slides/slide13.xml><?xml version="1.0" encoding="utf-8"?>
+<file path=ppt/slides/slide14.xml><?xml version="1.0" encoding="utf-8"?>
 <p:sld xmlns:a="http://schemas.openxmlformats.org/drawingml/2006/main" xmlns:r="http://schemas.openxmlformats.org/officeDocument/2006/relationships" xmlns:p="http://schemas.openxmlformats.org/presentationml/2006/main">
   <p:cSld>
     <p:spTree>
@@ -8303,7 +8714,7 @@
           <p:cNvPr id="2" name="Title 1">
             <a:extLst>
               <a:ext uri="{FF2B5EF4-FFF2-40B4-BE49-F238E27FC236}">
-                <a16:creationId xmlns:a16="http://schemas.microsoft.com/office/drawing/2014/main" id="{8FA609FA-2602-460C-B86A-36EF1C8E1ED8}"/>
+                <a16:creationId xmlns:a16="http://schemas.microsoft.com/office/drawing/2014/main" id="{58047559-5EC1-43D8-8F94-23869C87ED6A}"/>
               </a:ext>
             </a:extLst>
           </p:cNvPr>
@@ -8314,18 +8725,22 @@
             <p:ph type="title"/>
           </p:nvPr>
         </p:nvSpPr>
-        <p:spPr/>
+        <p:spPr>
+          <a:xfrm>
+            <a:off x="677334" y="609600"/>
+            <a:ext cx="8596668" cy="655674"/>
+          </a:xfrm>
+        </p:spPr>
         <p:txBody>
           <a:bodyPr/>
           <a:lstStyle/>
           <a:p>
-            <a:pPr algn="ctr"/>
             <a:r>
               <a:rPr lang="en-US" dirty="0">
                 <a:latin typeface="Calibri" panose="020F0502020204030204" pitchFamily="34" charset="0"/>
                 <a:cs typeface="Calibri" panose="020F0502020204030204" pitchFamily="34" charset="0"/>
               </a:rPr>
-              <a:t>Data Cleaning</a:t>
+              <a:t>The data cleaning saga…</a:t>
             </a:r>
           </a:p>
         </p:txBody>
@@ -8335,7 +8750,7 @@
           <p:cNvPr id="3" name="Content Placeholder 2">
             <a:extLst>
               <a:ext uri="{FF2B5EF4-FFF2-40B4-BE49-F238E27FC236}">
-                <a16:creationId xmlns:a16="http://schemas.microsoft.com/office/drawing/2014/main" id="{912ACEB9-2452-4739-BDD4-C3D9D781E28A}"/>
+                <a16:creationId xmlns:a16="http://schemas.microsoft.com/office/drawing/2014/main" id="{419C77F7-5314-4853-BD19-E051484D91DA}"/>
               </a:ext>
             </a:extLst>
           </p:cNvPr>
@@ -8346,121 +8761,132 @@
             <p:ph idx="1"/>
           </p:nvPr>
         </p:nvSpPr>
-        <p:spPr/>
+        <p:spPr>
+          <a:xfrm>
+            <a:off x="571009" y="1352514"/>
+            <a:ext cx="9434228" cy="3880773"/>
+          </a:xfrm>
+        </p:spPr>
         <p:txBody>
-          <a:bodyPr/>
+          <a:bodyPr>
+            <a:normAutofit/>
+          </a:bodyPr>
           <a:lstStyle/>
           <a:p>
             <a:r>
               <a:rPr lang="en-US" dirty="0">
+                <a:latin typeface="Calibri" panose="020F0502020204030204" pitchFamily="34" charset="0"/>
                 <a:cs typeface="Calibri" panose="020F0502020204030204" pitchFamily="34" charset="0"/>
               </a:rPr>
-              <a:t>80% of data analysis process is data cleaning</a:t>
-            </a:r>
-            <a:endParaRPr lang="en-US" dirty="0"/>
-          </a:p>
-          <a:p>
-            <a:r>
-              <a:rPr lang="en-US" dirty="0"/>
-              <a:t>Ignoring missing values vs filling reasonable numbers:</a:t>
-            </a:r>
-          </a:p>
-          <a:p>
-            <a:pPr lvl="1"/>
-            <a:r>
-              <a:rPr lang="en-US" dirty="0" err="1"/>
-              <a:t>DataFrame.dropna</a:t>
-            </a:r>
-            <a:r>
-              <a:rPr lang="en-US" dirty="0"/>
-              <a:t> = lose accuracy</a:t>
-            </a:r>
-          </a:p>
-          <a:p>
-            <a:pPr lvl="1"/>
-            <a:r>
-              <a:rPr lang="en-US" dirty="0"/>
-              <a:t>Create your own function</a:t>
-            </a:r>
-          </a:p>
-          <a:p>
-            <a:pPr lvl="1"/>
-            <a:r>
-              <a:rPr lang="en-US" dirty="0"/>
-              <a:t>Lambda function</a:t>
-            </a:r>
-          </a:p>
-          <a:p>
-            <a:pPr lvl="2"/>
-            <a:r>
-              <a:rPr lang="en-US" dirty="0"/>
-              <a:t>I. e. </a:t>
-            </a:r>
-            <a:r>
-              <a:rPr lang="en-US" dirty="0" err="1"/>
-              <a:t>df</a:t>
-            </a:r>
-            <a:r>
-              <a:rPr lang="en-US" dirty="0"/>
-              <a:t>[‘Score’].apply(lambda x: </a:t>
-            </a:r>
-            <a:r>
-              <a:rPr lang="en-US" dirty="0" err="1"/>
-              <a:t>x.fillna</a:t>
-            </a:r>
-            <a:r>
-              <a:rPr lang="en-US" dirty="0"/>
-              <a:t>(</a:t>
-            </a:r>
-            <a:r>
-              <a:rPr lang="en-US" dirty="0" err="1"/>
-              <a:t>x.mean</a:t>
-            </a:r>
-            <a:r>
-              <a:rPr lang="en-US" dirty="0"/>
-              <a:t>()),axis=1)</a:t>
-            </a:r>
-          </a:p>
-          <a:p>
-            <a:r>
-              <a:rPr lang="en-US" dirty="0"/>
-              <a:t>Normalizing data (rescaling or standardizing)</a:t>
-            </a:r>
-          </a:p>
-          <a:p>
-            <a:pPr lvl="1"/>
-            <a:r>
-              <a:rPr lang="en-US" dirty="0" err="1"/>
-              <a:t>dfA</a:t>
-            </a:r>
-            <a:r>
-              <a:rPr lang="en-US" dirty="0"/>
-              <a:t> score range: 0 to 30</a:t>
-            </a:r>
-          </a:p>
-          <a:p>
-            <a:pPr lvl="1"/>
-            <a:r>
-              <a:rPr lang="en-US" dirty="0" err="1"/>
-              <a:t>dfB</a:t>
-            </a:r>
-            <a:r>
-              <a:rPr lang="en-US"/>
-              <a:t> score range: -30 to 50</a:t>
+              <a:t>Initially, we expected that income differences (county level) would influence health care</a:t>
+            </a:r>
+          </a:p>
+          <a:p>
+            <a:r>
+              <a:rPr lang="en-US" dirty="0">
+                <a:latin typeface="Calibri" panose="020F0502020204030204" pitchFamily="34" charset="0"/>
+                <a:cs typeface="Calibri" panose="020F0502020204030204" pitchFamily="34" charset="0"/>
+              </a:rPr>
+              <a:t>The information was able to be obtained from cms.gov, medicare.gov and the census bureau.</a:t>
+            </a:r>
+          </a:p>
+          <a:p>
+            <a:r>
+              <a:rPr lang="en-US" dirty="0">
+                <a:latin typeface="Calibri" panose="020F0502020204030204" pitchFamily="34" charset="0"/>
+                <a:cs typeface="Calibri" panose="020F0502020204030204" pitchFamily="34" charset="0"/>
+              </a:rPr>
+              <a:t>API’s were available but the sites presented data filtering tools – allowing smaller more manageable csv formatted files.</a:t>
+            </a:r>
+          </a:p>
+          <a:p>
+            <a:r>
+              <a:rPr lang="en-US" dirty="0">
+                <a:latin typeface="Calibri" panose="020F0502020204030204" pitchFamily="34" charset="0"/>
+                <a:cs typeface="Calibri" panose="020F0502020204030204" pitchFamily="34" charset="0"/>
+              </a:rPr>
+              <a:t>Many of the columns were Object-type …</a:t>
+            </a:r>
+          </a:p>
+          <a:p>
+            <a:r>
+              <a:rPr lang="en-US" dirty="0">
+                <a:latin typeface="Calibri" panose="020F0502020204030204" pitchFamily="34" charset="0"/>
+                <a:cs typeface="Calibri" panose="020F0502020204030204" pitchFamily="34" charset="0"/>
+              </a:rPr>
+              <a:t>We saw “Score” columns frequently but they had different meanings for each file…</a:t>
+            </a:r>
+          </a:p>
+          <a:p>
+            <a:r>
+              <a:rPr lang="en-US" dirty="0">
+                <a:latin typeface="Calibri" panose="020F0502020204030204" pitchFamily="34" charset="0"/>
+                <a:cs typeface="Calibri" panose="020F0502020204030204" pitchFamily="34" charset="0"/>
+              </a:rPr>
+              <a:t>We tried casting them to floats, but ran into issues with </a:t>
+            </a:r>
+            <a:r>
+              <a:rPr lang="en-US" dirty="0" err="1">
+                <a:latin typeface="Calibri" panose="020F0502020204030204" pitchFamily="34" charset="0"/>
+                <a:cs typeface="Calibri" panose="020F0502020204030204" pitchFamily="34" charset="0"/>
+              </a:rPr>
+              <a:t>NaN</a:t>
+            </a:r>
+            <a:r>
+              <a:rPr lang="en-US" dirty="0">
+                <a:latin typeface="Calibri" panose="020F0502020204030204" pitchFamily="34" charset="0"/>
+                <a:cs typeface="Calibri" panose="020F0502020204030204" pitchFamily="34" charset="0"/>
+              </a:rPr>
+              <a:t> columns and null values</a:t>
+            </a:r>
+          </a:p>
+          <a:p>
+            <a:r>
+              <a:rPr lang="en-US" dirty="0">
+                <a:latin typeface="Calibri" panose="020F0502020204030204" pitchFamily="34" charset="0"/>
+                <a:cs typeface="Calibri" panose="020F0502020204030204" pitchFamily="34" charset="0"/>
+              </a:rPr>
+              <a:t>Trying to replace the </a:t>
+            </a:r>
+            <a:r>
+              <a:rPr lang="en-US" dirty="0" err="1">
+                <a:latin typeface="Calibri" panose="020F0502020204030204" pitchFamily="34" charset="0"/>
+                <a:cs typeface="Calibri" panose="020F0502020204030204" pitchFamily="34" charset="0"/>
+              </a:rPr>
+              <a:t>NaN</a:t>
+            </a:r>
+            <a:r>
+              <a:rPr lang="en-US" dirty="0">
+                <a:latin typeface="Calibri" panose="020F0502020204030204" pitchFamily="34" charset="0"/>
+                <a:cs typeface="Calibri" panose="020F0502020204030204" pitchFamily="34" charset="0"/>
+              </a:rPr>
+              <a:t> columns led us to realize that Data Series values are ambiguous, and you can’t directly compare them to a value</a:t>
+            </a:r>
+          </a:p>
+          <a:p>
+            <a:r>
+              <a:rPr lang="en-US" dirty="0">
+                <a:latin typeface="Calibri" panose="020F0502020204030204" pitchFamily="34" charset="0"/>
+                <a:cs typeface="Calibri" panose="020F0502020204030204" pitchFamily="34" charset="0"/>
+              </a:rPr>
+              <a:t>Experimented with VBA scripting (Sasha), but there was too much data and it didn’t work</a:t>
             </a:r>
           </a:p>
           <a:p>
             <a:pPr marL="0" indent="0">
               <a:buNone/>
             </a:pPr>
-            <a:endParaRPr lang="en-US" dirty="0"/>
+            <a:endParaRPr lang="en-US" dirty="0">
+              <a:latin typeface="Calibri" panose="020F0502020204030204" pitchFamily="34" charset="0"/>
+              <a:cs typeface="Calibri" panose="020F0502020204030204" pitchFamily="34" charset="0"/>
+            </a:endParaRPr>
           </a:p>
         </p:txBody>
       </p:sp>
     </p:spTree>
     <p:extLst>
       <p:ext uri="{BB962C8B-B14F-4D97-AF65-F5344CB8AC3E}">
-        <p14:creationId xmlns:p14="http://schemas.microsoft.com/office/powerpoint/2010/main" val="3722343492"/>
+        <p14:creationId xmlns:p14="http://schemas.microsoft.com/office/powerpoint/2010/main" val="1020637921"/>
       </p:ext>
     </p:extLst>
   </p:cSld>
@@ -8492,7 +8918,7 @@
           <p:cNvPr id="2" name="Title 1">
             <a:extLst>
               <a:ext uri="{FF2B5EF4-FFF2-40B4-BE49-F238E27FC236}">
-                <a16:creationId xmlns:a16="http://schemas.microsoft.com/office/drawing/2014/main" id="{58047559-5EC1-43D8-8F94-23869C87ED6A}"/>
+                <a16:creationId xmlns:a16="http://schemas.microsoft.com/office/drawing/2014/main" id="{8FA609FA-2602-460C-B86A-36EF1C8E1ED8}"/>
               </a:ext>
             </a:extLst>
           </p:cNvPr>
@@ -8503,22 +8929,18 @@
             <p:ph type="title"/>
           </p:nvPr>
         </p:nvSpPr>
-        <p:spPr>
-          <a:xfrm>
-            <a:off x="677334" y="609600"/>
-            <a:ext cx="8596668" cy="655674"/>
-          </a:xfrm>
-        </p:spPr>
+        <p:spPr/>
         <p:txBody>
           <a:bodyPr/>
           <a:lstStyle/>
           <a:p>
+            <a:pPr algn="ctr"/>
             <a:r>
               <a:rPr lang="en-US" dirty="0">
                 <a:latin typeface="Calibri" panose="020F0502020204030204" pitchFamily="34" charset="0"/>
                 <a:cs typeface="Calibri" panose="020F0502020204030204" pitchFamily="34" charset="0"/>
               </a:rPr>
-              <a:t>The data cleaning saga…</a:t>
+              <a:t>Data Cleaning</a:t>
             </a:r>
           </a:p>
         </p:txBody>
@@ -8528,7 +8950,7 @@
           <p:cNvPr id="3" name="Content Placeholder 2">
             <a:extLst>
               <a:ext uri="{FF2B5EF4-FFF2-40B4-BE49-F238E27FC236}">
-                <a16:creationId xmlns:a16="http://schemas.microsoft.com/office/drawing/2014/main" id="{419C77F7-5314-4853-BD19-E051484D91DA}"/>
+                <a16:creationId xmlns:a16="http://schemas.microsoft.com/office/drawing/2014/main" id="{912ACEB9-2452-4739-BDD4-C3D9D781E28A}"/>
               </a:ext>
             </a:extLst>
           </p:cNvPr>
@@ -8539,132 +8961,121 @@
             <p:ph idx="1"/>
           </p:nvPr>
         </p:nvSpPr>
-        <p:spPr>
-          <a:xfrm>
-            <a:off x="571009" y="1352514"/>
-            <a:ext cx="9434228" cy="3880773"/>
-          </a:xfrm>
-        </p:spPr>
+        <p:spPr/>
         <p:txBody>
-          <a:bodyPr>
-            <a:normAutofit/>
-          </a:bodyPr>
+          <a:bodyPr/>
           <a:lstStyle/>
           <a:p>
             <a:r>
               <a:rPr lang="en-US" dirty="0">
-                <a:latin typeface="Calibri" panose="020F0502020204030204" pitchFamily="34" charset="0"/>
                 <a:cs typeface="Calibri" panose="020F0502020204030204" pitchFamily="34" charset="0"/>
               </a:rPr>
-              <a:t>Initially, we expected that income differences (county level) would influence health care</a:t>
-            </a:r>
-          </a:p>
-          <a:p>
-            <a:r>
-              <a:rPr lang="en-US" dirty="0">
-                <a:latin typeface="Calibri" panose="020F0502020204030204" pitchFamily="34" charset="0"/>
-                <a:cs typeface="Calibri" panose="020F0502020204030204" pitchFamily="34" charset="0"/>
-              </a:rPr>
-              <a:t>The information was able to be obtained from cms.gov, medicare.gov and the census bureau.</a:t>
-            </a:r>
-          </a:p>
-          <a:p>
-            <a:r>
-              <a:rPr lang="en-US" dirty="0">
-                <a:latin typeface="Calibri" panose="020F0502020204030204" pitchFamily="34" charset="0"/>
-                <a:cs typeface="Calibri" panose="020F0502020204030204" pitchFamily="34" charset="0"/>
-              </a:rPr>
-              <a:t>API’s were available but the sites presented data filtering tools – allowing smaller more manageable csv formatted files.</a:t>
-            </a:r>
-          </a:p>
-          <a:p>
-            <a:r>
-              <a:rPr lang="en-US" dirty="0">
-                <a:latin typeface="Calibri" panose="020F0502020204030204" pitchFamily="34" charset="0"/>
-                <a:cs typeface="Calibri" panose="020F0502020204030204" pitchFamily="34" charset="0"/>
-              </a:rPr>
-              <a:t>Many of the columns were Object-type …</a:t>
-            </a:r>
-          </a:p>
-          <a:p>
-            <a:r>
-              <a:rPr lang="en-US" dirty="0">
-                <a:latin typeface="Calibri" panose="020F0502020204030204" pitchFamily="34" charset="0"/>
-                <a:cs typeface="Calibri" panose="020F0502020204030204" pitchFamily="34" charset="0"/>
-              </a:rPr>
-              <a:t>We saw “Score” columns frequently but they had different meanings for each file…</a:t>
-            </a:r>
-          </a:p>
-          <a:p>
-            <a:r>
-              <a:rPr lang="en-US" dirty="0">
-                <a:latin typeface="Calibri" panose="020F0502020204030204" pitchFamily="34" charset="0"/>
-                <a:cs typeface="Calibri" panose="020F0502020204030204" pitchFamily="34" charset="0"/>
-              </a:rPr>
-              <a:t>We tried casting them to floats, but ran into issues with </a:t>
-            </a:r>
-            <a:r>
-              <a:rPr lang="en-US" dirty="0" err="1">
-                <a:latin typeface="Calibri" panose="020F0502020204030204" pitchFamily="34" charset="0"/>
-                <a:cs typeface="Calibri" panose="020F0502020204030204" pitchFamily="34" charset="0"/>
-              </a:rPr>
-              <a:t>NaN</a:t>
-            </a:r>
-            <a:r>
-              <a:rPr lang="en-US" dirty="0">
-                <a:latin typeface="Calibri" panose="020F0502020204030204" pitchFamily="34" charset="0"/>
-                <a:cs typeface="Calibri" panose="020F0502020204030204" pitchFamily="34" charset="0"/>
-              </a:rPr>
-              <a:t> columns and null values</a:t>
-            </a:r>
-          </a:p>
-          <a:p>
-            <a:r>
-              <a:rPr lang="en-US" dirty="0">
-                <a:latin typeface="Calibri" panose="020F0502020204030204" pitchFamily="34" charset="0"/>
-                <a:cs typeface="Calibri" panose="020F0502020204030204" pitchFamily="34" charset="0"/>
-              </a:rPr>
-              <a:t>Trying to replace the </a:t>
-            </a:r>
-            <a:r>
-              <a:rPr lang="en-US" dirty="0" err="1">
-                <a:latin typeface="Calibri" panose="020F0502020204030204" pitchFamily="34" charset="0"/>
-                <a:cs typeface="Calibri" panose="020F0502020204030204" pitchFamily="34" charset="0"/>
-              </a:rPr>
-              <a:t>NaN</a:t>
-            </a:r>
-            <a:r>
-              <a:rPr lang="en-US" dirty="0">
-                <a:latin typeface="Calibri" panose="020F0502020204030204" pitchFamily="34" charset="0"/>
-                <a:cs typeface="Calibri" panose="020F0502020204030204" pitchFamily="34" charset="0"/>
-              </a:rPr>
-              <a:t> columns led us to realize that Data Series values are ambiguous, and you can’t directly compare them to a value</a:t>
-            </a:r>
-          </a:p>
-          <a:p>
-            <a:r>
-              <a:rPr lang="en-US" dirty="0">
-                <a:latin typeface="Calibri" panose="020F0502020204030204" pitchFamily="34" charset="0"/>
-                <a:cs typeface="Calibri" panose="020F0502020204030204" pitchFamily="34" charset="0"/>
-              </a:rPr>
-              <a:t>Experimented with VBA scripting (Sasha), but there was too much data and it didn’t work</a:t>
+              <a:t>80% of data analysis process is data cleaning</a:t>
+            </a:r>
+            <a:endParaRPr lang="en-US" dirty="0"/>
+          </a:p>
+          <a:p>
+            <a:r>
+              <a:rPr lang="en-US" dirty="0"/>
+              <a:t>Ignoring missing values vs filling reasonable numbers:</a:t>
+            </a:r>
+          </a:p>
+          <a:p>
+            <a:pPr lvl="1"/>
+            <a:r>
+              <a:rPr lang="en-US" dirty="0" err="1"/>
+              <a:t>DataFrame.dropna</a:t>
+            </a:r>
+            <a:r>
+              <a:rPr lang="en-US" dirty="0"/>
+              <a:t> = lose accuracy</a:t>
+            </a:r>
+          </a:p>
+          <a:p>
+            <a:pPr lvl="1"/>
+            <a:r>
+              <a:rPr lang="en-US" dirty="0"/>
+              <a:t>Create your own function</a:t>
+            </a:r>
+          </a:p>
+          <a:p>
+            <a:pPr lvl="1"/>
+            <a:r>
+              <a:rPr lang="en-US" dirty="0"/>
+              <a:t>Lambda function</a:t>
+            </a:r>
+          </a:p>
+          <a:p>
+            <a:pPr lvl="2"/>
+            <a:r>
+              <a:rPr lang="en-US" dirty="0"/>
+              <a:t>I. e. </a:t>
+            </a:r>
+            <a:r>
+              <a:rPr lang="en-US" dirty="0" err="1"/>
+              <a:t>df</a:t>
+            </a:r>
+            <a:r>
+              <a:rPr lang="en-US" dirty="0"/>
+              <a:t>[‘Score’].apply(lambda x: </a:t>
+            </a:r>
+            <a:r>
+              <a:rPr lang="en-US" dirty="0" err="1"/>
+              <a:t>x.fillna</a:t>
+            </a:r>
+            <a:r>
+              <a:rPr lang="en-US" dirty="0"/>
+              <a:t>(</a:t>
+            </a:r>
+            <a:r>
+              <a:rPr lang="en-US" dirty="0" err="1"/>
+              <a:t>x.mean</a:t>
+            </a:r>
+            <a:r>
+              <a:rPr lang="en-US" dirty="0"/>
+              <a:t>()),axis=1)</a:t>
+            </a:r>
+          </a:p>
+          <a:p>
+            <a:r>
+              <a:rPr lang="en-US" dirty="0"/>
+              <a:t>Normalizing data (rescaling or standardizing)</a:t>
+            </a:r>
+          </a:p>
+          <a:p>
+            <a:pPr lvl="1"/>
+            <a:r>
+              <a:rPr lang="en-US" dirty="0" err="1"/>
+              <a:t>dfA</a:t>
+            </a:r>
+            <a:r>
+              <a:rPr lang="en-US" dirty="0"/>
+              <a:t> score range: 0 to 30</a:t>
+            </a:r>
+          </a:p>
+          <a:p>
+            <a:pPr lvl="1"/>
+            <a:r>
+              <a:rPr lang="en-US" dirty="0" err="1"/>
+              <a:t>dfB</a:t>
+            </a:r>
+            <a:r>
+              <a:rPr lang="en-US"/>
+              <a:t> score range: -30 to 50</a:t>
             </a:r>
           </a:p>
           <a:p>
             <a:pPr marL="0" indent="0">
               <a:buNone/>
             </a:pPr>
-            <a:endParaRPr lang="en-US" dirty="0">
-              <a:latin typeface="Calibri" panose="020F0502020204030204" pitchFamily="34" charset="0"/>
-              <a:cs typeface="Calibri" panose="020F0502020204030204" pitchFamily="34" charset="0"/>
-            </a:endParaRPr>
+            <a:endParaRPr lang="en-US" dirty="0"/>
           </a:p>
         </p:txBody>
       </p:sp>
     </p:spTree>
     <p:extLst>
       <p:ext uri="{BB962C8B-B14F-4D97-AF65-F5344CB8AC3E}">
-        <p14:creationId xmlns:p14="http://schemas.microsoft.com/office/powerpoint/2010/main" val="1020637921"/>
+        <p14:creationId xmlns:p14="http://schemas.microsoft.com/office/powerpoint/2010/main" val="3722343492"/>
       </p:ext>
     </p:extLst>
   </p:cSld>
@@ -8675,6 +9086,1548 @@
 </file>
 
 <file path=ppt/slides/slide6.xml><?xml version="1.0" encoding="utf-8"?>
+<p:sld xmlns:a="http://schemas.openxmlformats.org/drawingml/2006/main" xmlns:r="http://schemas.openxmlformats.org/officeDocument/2006/relationships" xmlns:p="http://schemas.openxmlformats.org/presentationml/2006/main">
+  <p:cSld>
+    <p:bg>
+      <p:bgPr>
+        <a:solidFill>
+          <a:schemeClr val="bg1"/>
+        </a:solidFill>
+        <a:effectLst/>
+      </p:bgPr>
+    </p:bg>
+    <p:spTree>
+      <p:nvGrpSpPr>
+        <p:cNvPr id="1" name=""/>
+        <p:cNvGrpSpPr/>
+        <p:nvPr/>
+      </p:nvGrpSpPr>
+      <p:grpSpPr>
+        <a:xfrm>
+          <a:off x="0" y="0"/>
+          <a:ext cx="0" cy="0"/>
+          <a:chOff x="0" y="0"/>
+          <a:chExt cx="0" cy="0"/>
+        </a:xfrm>
+      </p:grpSpPr>
+      <p:grpSp>
+        <p:nvGrpSpPr>
+          <p:cNvPr id="37" name="Group 9">
+            <a:extLst>
+              <a:ext uri="{FF2B5EF4-FFF2-40B4-BE49-F238E27FC236}">
+                <a16:creationId xmlns:a16="http://schemas.microsoft.com/office/drawing/2014/main" id="{DDE8DE2B-61C1-46D5-BEB8-521321C182C4}"/>
+              </a:ext>
+              <a:ext uri="{C183D7F6-B498-43B3-948B-1728B52AA6E4}">
+                <adec:decorative xmlns:adec="http://schemas.microsoft.com/office/drawing/2017/decorative" val="1"/>
+              </a:ext>
+            </a:extLst>
+          </p:cNvPr>
+          <p:cNvGrpSpPr>
+            <a:grpSpLocks noGrp="1" noUngrp="1" noRot="1" noChangeAspect="1" noMove="1" noResize="1"/>
+          </p:cNvGrpSpPr>
+          <p:nvPr>
+            <p:extLst>
+              <p:ext uri="{386F3935-93C4-4BCD-93E2-E3B085C9AB24}">
+                <p16:designElem xmlns:p16="http://schemas.microsoft.com/office/powerpoint/2015/main" val="1"/>
+              </p:ext>
+            </p:extLst>
+          </p:nvPr>
+        </p:nvGrpSpPr>
+        <p:grpSpPr>
+          <a:xfrm>
+            <a:off x="0" y="-8467"/>
+            <a:ext cx="12192000" cy="6866467"/>
+            <a:chOff x="0" y="-8467"/>
+            <a:chExt cx="12192000" cy="6866467"/>
+          </a:xfrm>
+        </p:grpSpPr>
+        <p:cxnSp>
+          <p:nvCxnSpPr>
+            <p:cNvPr id="11" name="Straight Connector 10">
+              <a:extLst>
+                <a:ext uri="{FF2B5EF4-FFF2-40B4-BE49-F238E27FC236}">
+                  <a16:creationId xmlns:a16="http://schemas.microsoft.com/office/drawing/2014/main" id="{E012C92A-B902-4B69-BDCF-CCA3021FCB47}"/>
+                </a:ext>
+                <a:ext uri="{C183D7F6-B498-43B3-948B-1728B52AA6E4}">
+                  <adec:decorative xmlns:adec="http://schemas.microsoft.com/office/drawing/2017/decorative" val="1"/>
+                </a:ext>
+              </a:extLst>
+            </p:cNvPr>
+            <p:cNvCxnSpPr/>
+            <p:nvPr>
+              <p:extLst>
+                <p:ext uri="{386F3935-93C4-4BCD-93E2-E3B085C9AB24}">
+                  <p16:designElem xmlns:p16="http://schemas.microsoft.com/office/powerpoint/2015/main" val="1"/>
+                </p:ext>
+              </p:extLst>
+            </p:nvPr>
+          </p:nvCxnSpPr>
+          <p:spPr>
+            <a:xfrm>
+              <a:off x="9371012" y="0"/>
+              <a:ext cx="1219200" cy="6858000"/>
+            </a:xfrm>
+            <a:prstGeom prst="line">
+              <a:avLst/>
+            </a:prstGeom>
+            <a:ln w="9525">
+              <a:solidFill>
+                <a:schemeClr val="bg1">
+                  <a:lumMod val="75000"/>
+                </a:schemeClr>
+              </a:solidFill>
+            </a:ln>
+          </p:spPr>
+          <p:style>
+            <a:lnRef idx="2">
+              <a:schemeClr val="accent1"/>
+            </a:lnRef>
+            <a:fillRef idx="0">
+              <a:schemeClr val="accent1"/>
+            </a:fillRef>
+            <a:effectRef idx="1">
+              <a:schemeClr val="accent1"/>
+            </a:effectRef>
+            <a:fontRef idx="minor">
+              <a:schemeClr val="tx1"/>
+            </a:fontRef>
+          </p:style>
+        </p:cxnSp>
+        <p:cxnSp>
+          <p:nvCxnSpPr>
+            <p:cNvPr id="12" name="Straight Connector 11">
+              <a:extLst>
+                <a:ext uri="{FF2B5EF4-FFF2-40B4-BE49-F238E27FC236}">
+                  <a16:creationId xmlns:a16="http://schemas.microsoft.com/office/drawing/2014/main" id="{A2BDBC14-42A0-4182-BFBA-0751F6350CB3}"/>
+                </a:ext>
+                <a:ext uri="{C183D7F6-B498-43B3-948B-1728B52AA6E4}">
+                  <adec:decorative xmlns:adec="http://schemas.microsoft.com/office/drawing/2017/decorative" val="1"/>
+                </a:ext>
+              </a:extLst>
+            </p:cNvPr>
+            <p:cNvCxnSpPr/>
+            <p:nvPr>
+              <p:extLst>
+                <p:ext uri="{386F3935-93C4-4BCD-93E2-E3B085C9AB24}">
+                  <p16:designElem xmlns:p16="http://schemas.microsoft.com/office/powerpoint/2015/main" val="1"/>
+                </p:ext>
+              </p:extLst>
+            </p:nvPr>
+          </p:nvCxnSpPr>
+          <p:spPr>
+            <a:xfrm flipH="1">
+              <a:off x="7425267" y="3681413"/>
+              <a:ext cx="4763558" cy="3176587"/>
+            </a:xfrm>
+            <a:prstGeom prst="line">
+              <a:avLst/>
+            </a:prstGeom>
+            <a:ln w="9525">
+              <a:solidFill>
+                <a:schemeClr val="bg1">
+                  <a:lumMod val="85000"/>
+                </a:schemeClr>
+              </a:solidFill>
+            </a:ln>
+          </p:spPr>
+          <p:style>
+            <a:lnRef idx="2">
+              <a:schemeClr val="accent1"/>
+            </a:lnRef>
+            <a:fillRef idx="0">
+              <a:schemeClr val="accent1"/>
+            </a:fillRef>
+            <a:effectRef idx="1">
+              <a:schemeClr val="accent1"/>
+            </a:effectRef>
+            <a:fontRef idx="minor">
+              <a:schemeClr val="tx1"/>
+            </a:fontRef>
+          </p:style>
+        </p:cxnSp>
+        <p:sp>
+          <p:nvSpPr>
+            <p:cNvPr id="13" name="Rectangle 23">
+              <a:extLst>
+                <a:ext uri="{FF2B5EF4-FFF2-40B4-BE49-F238E27FC236}">
+                  <a16:creationId xmlns:a16="http://schemas.microsoft.com/office/drawing/2014/main" id="{902DC474-5BCC-4188-ACDC-AD63E6B187EC}"/>
+                </a:ext>
+                <a:ext uri="{C183D7F6-B498-43B3-948B-1728B52AA6E4}">
+                  <adec:decorative xmlns:adec="http://schemas.microsoft.com/office/drawing/2017/decorative" val="1"/>
+                </a:ext>
+              </a:extLst>
+            </p:cNvPr>
+            <p:cNvSpPr/>
+            <p:nvPr>
+              <p:extLst>
+                <p:ext uri="{386F3935-93C4-4BCD-93E2-E3B085C9AB24}">
+                  <p16:designElem xmlns:p16="http://schemas.microsoft.com/office/powerpoint/2015/main" val="1"/>
+                </p:ext>
+              </p:extLst>
+            </p:nvPr>
+          </p:nvSpPr>
+          <p:spPr>
+            <a:xfrm>
+              <a:off x="9181476" y="-8467"/>
+              <a:ext cx="3007349" cy="6866467"/>
+            </a:xfrm>
+            <a:custGeom>
+              <a:avLst/>
+              <a:gdLst/>
+              <a:ahLst/>
+              <a:cxnLst/>
+              <a:rect l="l" t="t" r="r" b="b"/>
+              <a:pathLst>
+                <a:path w="3007349" h="6866467">
+                  <a:moveTo>
+                    <a:pt x="2045532" y="0"/>
+                  </a:moveTo>
+                  <a:lnTo>
+                    <a:pt x="3007349" y="0"/>
+                  </a:lnTo>
+                  <a:lnTo>
+                    <a:pt x="3007349" y="6866467"/>
+                  </a:lnTo>
+                  <a:lnTo>
+                    <a:pt x="0" y="6866467"/>
+                  </a:lnTo>
+                  <a:lnTo>
+                    <a:pt x="2045532" y="0"/>
+                  </a:lnTo>
+                  <a:close/>
+                </a:path>
+              </a:pathLst>
+            </a:custGeom>
+            <a:solidFill>
+              <a:schemeClr val="accent1">
+                <a:alpha val="30000"/>
+              </a:schemeClr>
+            </a:solidFill>
+            <a:ln>
+              <a:noFill/>
+            </a:ln>
+            <a:effectLst/>
+          </p:spPr>
+          <p:style>
+            <a:lnRef idx="1">
+              <a:schemeClr val="accent1"/>
+            </a:lnRef>
+            <a:fillRef idx="3">
+              <a:schemeClr val="accent1"/>
+            </a:fillRef>
+            <a:effectRef idx="2">
+              <a:schemeClr val="accent1"/>
+            </a:effectRef>
+            <a:fontRef idx="minor">
+              <a:schemeClr val="lt1"/>
+            </a:fontRef>
+          </p:style>
+        </p:sp>
+        <p:sp>
+          <p:nvSpPr>
+            <p:cNvPr id="14" name="Rectangle 25">
+              <a:extLst>
+                <a:ext uri="{FF2B5EF4-FFF2-40B4-BE49-F238E27FC236}">
+                  <a16:creationId xmlns:a16="http://schemas.microsoft.com/office/drawing/2014/main" id="{7B427019-8592-4032-931B-4F27104C9DE2}"/>
+                </a:ext>
+                <a:ext uri="{C183D7F6-B498-43B3-948B-1728B52AA6E4}">
+                  <adec:decorative xmlns:adec="http://schemas.microsoft.com/office/drawing/2017/decorative" val="1"/>
+                </a:ext>
+              </a:extLst>
+            </p:cNvPr>
+            <p:cNvSpPr/>
+            <p:nvPr>
+              <p:extLst>
+                <p:ext uri="{386F3935-93C4-4BCD-93E2-E3B085C9AB24}">
+                  <p16:designElem xmlns:p16="http://schemas.microsoft.com/office/powerpoint/2015/main" val="1"/>
+                </p:ext>
+              </p:extLst>
+            </p:nvPr>
+          </p:nvSpPr>
+          <p:spPr>
+            <a:xfrm>
+              <a:off x="9603442" y="-8467"/>
+              <a:ext cx="2588558" cy="6866467"/>
+            </a:xfrm>
+            <a:custGeom>
+              <a:avLst/>
+              <a:gdLst/>
+              <a:ahLst/>
+              <a:cxnLst/>
+              <a:rect l="l" t="t" r="r" b="b"/>
+              <a:pathLst>
+                <a:path w="2573311" h="6866467">
+                  <a:moveTo>
+                    <a:pt x="0" y="0"/>
+                  </a:moveTo>
+                  <a:lnTo>
+                    <a:pt x="2573311" y="0"/>
+                  </a:lnTo>
+                  <a:lnTo>
+                    <a:pt x="2573311" y="6866467"/>
+                  </a:lnTo>
+                  <a:lnTo>
+                    <a:pt x="1202336" y="6866467"/>
+                  </a:lnTo>
+                  <a:lnTo>
+                    <a:pt x="0" y="0"/>
+                  </a:lnTo>
+                  <a:close/>
+                </a:path>
+              </a:pathLst>
+            </a:custGeom>
+            <a:solidFill>
+              <a:schemeClr val="accent1">
+                <a:alpha val="20000"/>
+              </a:schemeClr>
+            </a:solidFill>
+            <a:ln>
+              <a:noFill/>
+            </a:ln>
+            <a:effectLst/>
+          </p:spPr>
+          <p:style>
+            <a:lnRef idx="1">
+              <a:schemeClr val="accent1"/>
+            </a:lnRef>
+            <a:fillRef idx="3">
+              <a:schemeClr val="accent1"/>
+            </a:fillRef>
+            <a:effectRef idx="2">
+              <a:schemeClr val="accent1"/>
+            </a:effectRef>
+            <a:fontRef idx="minor">
+              <a:schemeClr val="lt1"/>
+            </a:fontRef>
+          </p:style>
+        </p:sp>
+        <p:sp>
+          <p:nvSpPr>
+            <p:cNvPr id="15" name="Isosceles Triangle 14">
+              <a:extLst>
+                <a:ext uri="{FF2B5EF4-FFF2-40B4-BE49-F238E27FC236}">
+                  <a16:creationId xmlns:a16="http://schemas.microsoft.com/office/drawing/2014/main" id="{1D6E2CEA-A5BB-4CF7-B907-AE4DBF6748EB}"/>
+                </a:ext>
+                <a:ext uri="{C183D7F6-B498-43B3-948B-1728B52AA6E4}">
+                  <adec:decorative xmlns:adec="http://schemas.microsoft.com/office/drawing/2017/decorative" val="1"/>
+                </a:ext>
+              </a:extLst>
+            </p:cNvPr>
+            <p:cNvSpPr/>
+            <p:nvPr>
+              <p:extLst>
+                <p:ext uri="{386F3935-93C4-4BCD-93E2-E3B085C9AB24}">
+                  <p16:designElem xmlns:p16="http://schemas.microsoft.com/office/powerpoint/2015/main" val="1"/>
+                </p:ext>
+              </p:extLst>
+            </p:nvPr>
+          </p:nvSpPr>
+          <p:spPr>
+            <a:xfrm>
+              <a:off x="8932333" y="3048000"/>
+              <a:ext cx="3259667" cy="3810000"/>
+            </a:xfrm>
+            <a:prstGeom prst="triangle">
+              <a:avLst>
+                <a:gd name="adj" fmla="val 100000"/>
+              </a:avLst>
+            </a:prstGeom>
+            <a:solidFill>
+              <a:schemeClr val="accent2">
+                <a:alpha val="72000"/>
+              </a:schemeClr>
+            </a:solidFill>
+            <a:ln>
+              <a:noFill/>
+            </a:ln>
+            <a:effectLst/>
+          </p:spPr>
+          <p:style>
+            <a:lnRef idx="1">
+              <a:schemeClr val="accent1"/>
+            </a:lnRef>
+            <a:fillRef idx="3">
+              <a:schemeClr val="accent1"/>
+            </a:fillRef>
+            <a:effectRef idx="2">
+              <a:schemeClr val="accent1"/>
+            </a:effectRef>
+            <a:fontRef idx="minor">
+              <a:schemeClr val="lt1"/>
+            </a:fontRef>
+          </p:style>
+        </p:sp>
+        <p:sp>
+          <p:nvSpPr>
+            <p:cNvPr id="16" name="Rectangle 27">
+              <a:extLst>
+                <a:ext uri="{FF2B5EF4-FFF2-40B4-BE49-F238E27FC236}">
+                  <a16:creationId xmlns:a16="http://schemas.microsoft.com/office/drawing/2014/main" id="{78D09D5A-29CC-4B32-9CE1-72E607558A6C}"/>
+                </a:ext>
+                <a:ext uri="{C183D7F6-B498-43B3-948B-1728B52AA6E4}">
+                  <adec:decorative xmlns:adec="http://schemas.microsoft.com/office/drawing/2017/decorative" val="1"/>
+                </a:ext>
+              </a:extLst>
+            </p:cNvPr>
+            <p:cNvSpPr/>
+            <p:nvPr>
+              <p:extLst>
+                <p:ext uri="{386F3935-93C4-4BCD-93E2-E3B085C9AB24}">
+                  <p16:designElem xmlns:p16="http://schemas.microsoft.com/office/powerpoint/2015/main" val="1"/>
+                </p:ext>
+              </p:extLst>
+            </p:nvPr>
+          </p:nvSpPr>
+          <p:spPr>
+            <a:xfrm>
+              <a:off x="9334500" y="-8467"/>
+              <a:ext cx="2854326" cy="6866467"/>
+            </a:xfrm>
+            <a:custGeom>
+              <a:avLst/>
+              <a:gdLst/>
+              <a:ahLst/>
+              <a:cxnLst/>
+              <a:rect l="l" t="t" r="r" b="b"/>
+              <a:pathLst>
+                <a:path w="2858013" h="6866467">
+                  <a:moveTo>
+                    <a:pt x="0" y="0"/>
+                  </a:moveTo>
+                  <a:lnTo>
+                    <a:pt x="2858013" y="0"/>
+                  </a:lnTo>
+                  <a:lnTo>
+                    <a:pt x="2858013" y="6866467"/>
+                  </a:lnTo>
+                  <a:lnTo>
+                    <a:pt x="2473942" y="6866467"/>
+                  </a:lnTo>
+                  <a:lnTo>
+                    <a:pt x="0" y="0"/>
+                  </a:lnTo>
+                  <a:close/>
+                </a:path>
+              </a:pathLst>
+            </a:custGeom>
+            <a:solidFill>
+              <a:schemeClr val="accent2">
+                <a:lumMod val="75000"/>
+                <a:alpha val="70000"/>
+              </a:schemeClr>
+            </a:solidFill>
+            <a:ln>
+              <a:noFill/>
+            </a:ln>
+            <a:effectLst/>
+          </p:spPr>
+          <p:style>
+            <a:lnRef idx="1">
+              <a:schemeClr val="accent1"/>
+            </a:lnRef>
+            <a:fillRef idx="3">
+              <a:schemeClr val="accent1"/>
+            </a:fillRef>
+            <a:effectRef idx="2">
+              <a:schemeClr val="accent1"/>
+            </a:effectRef>
+            <a:fontRef idx="minor">
+              <a:schemeClr val="lt1"/>
+            </a:fontRef>
+          </p:style>
+        </p:sp>
+        <p:sp>
+          <p:nvSpPr>
+            <p:cNvPr id="17" name="Rectangle 28">
+              <a:extLst>
+                <a:ext uri="{FF2B5EF4-FFF2-40B4-BE49-F238E27FC236}">
+                  <a16:creationId xmlns:a16="http://schemas.microsoft.com/office/drawing/2014/main" id="{6DF3A3FC-950B-40B0-923D-0F0BC1A54204}"/>
+                </a:ext>
+                <a:ext uri="{C183D7F6-B498-43B3-948B-1728B52AA6E4}">
+                  <adec:decorative xmlns:adec="http://schemas.microsoft.com/office/drawing/2017/decorative" val="1"/>
+                </a:ext>
+              </a:extLst>
+            </p:cNvPr>
+            <p:cNvSpPr/>
+            <p:nvPr>
+              <p:extLst>
+                <p:ext uri="{386F3935-93C4-4BCD-93E2-E3B085C9AB24}">
+                  <p16:designElem xmlns:p16="http://schemas.microsoft.com/office/powerpoint/2015/main" val="1"/>
+                </p:ext>
+              </p:extLst>
+            </p:nvPr>
+          </p:nvSpPr>
+          <p:spPr>
+            <a:xfrm>
+              <a:off x="10898730" y="-8467"/>
+              <a:ext cx="1290094" cy="6866467"/>
+            </a:xfrm>
+            <a:custGeom>
+              <a:avLst/>
+              <a:gdLst/>
+              <a:ahLst/>
+              <a:cxnLst/>
+              <a:rect l="l" t="t" r="r" b="b"/>
+              <a:pathLst>
+                <a:path w="1290094" h="6858000">
+                  <a:moveTo>
+                    <a:pt x="1019735" y="0"/>
+                  </a:moveTo>
+                  <a:lnTo>
+                    <a:pt x="1290094" y="0"/>
+                  </a:lnTo>
+                  <a:lnTo>
+                    <a:pt x="1290094" y="6858000"/>
+                  </a:lnTo>
+                  <a:lnTo>
+                    <a:pt x="0" y="6858000"/>
+                  </a:lnTo>
+                  <a:lnTo>
+                    <a:pt x="1019735" y="0"/>
+                  </a:lnTo>
+                  <a:close/>
+                </a:path>
+              </a:pathLst>
+            </a:custGeom>
+            <a:solidFill>
+              <a:schemeClr val="accent1">
+                <a:lumMod val="60000"/>
+                <a:lumOff val="40000"/>
+                <a:alpha val="70000"/>
+              </a:schemeClr>
+            </a:solidFill>
+            <a:ln>
+              <a:noFill/>
+            </a:ln>
+            <a:effectLst/>
+          </p:spPr>
+          <p:style>
+            <a:lnRef idx="1">
+              <a:schemeClr val="accent1"/>
+            </a:lnRef>
+            <a:fillRef idx="3">
+              <a:schemeClr val="accent1"/>
+            </a:fillRef>
+            <a:effectRef idx="2">
+              <a:schemeClr val="accent1"/>
+            </a:effectRef>
+            <a:fontRef idx="minor">
+              <a:schemeClr val="lt1"/>
+            </a:fontRef>
+          </p:style>
+        </p:sp>
+        <p:sp>
+          <p:nvSpPr>
+            <p:cNvPr id="18" name="Rectangle 29">
+              <a:extLst>
+                <a:ext uri="{FF2B5EF4-FFF2-40B4-BE49-F238E27FC236}">
+                  <a16:creationId xmlns:a16="http://schemas.microsoft.com/office/drawing/2014/main" id="{BCA0F2E1-CD3D-4521-9CCB-41A5CC6C543E}"/>
+                </a:ext>
+                <a:ext uri="{C183D7F6-B498-43B3-948B-1728B52AA6E4}">
+                  <adec:decorative xmlns:adec="http://schemas.microsoft.com/office/drawing/2017/decorative" val="1"/>
+                </a:ext>
+              </a:extLst>
+            </p:cNvPr>
+            <p:cNvSpPr/>
+            <p:nvPr>
+              <p:extLst>
+                <p:ext uri="{386F3935-93C4-4BCD-93E2-E3B085C9AB24}">
+                  <p16:designElem xmlns:p16="http://schemas.microsoft.com/office/powerpoint/2015/main" val="1"/>
+                </p:ext>
+              </p:extLst>
+            </p:nvPr>
+          </p:nvSpPr>
+          <p:spPr>
+            <a:xfrm>
+              <a:off x="10938999" y="-8467"/>
+              <a:ext cx="1249825" cy="6866467"/>
+            </a:xfrm>
+            <a:custGeom>
+              <a:avLst/>
+              <a:gdLst/>
+              <a:ahLst/>
+              <a:cxnLst/>
+              <a:rect l="l" t="t" r="r" b="b"/>
+              <a:pathLst>
+                <a:path w="1249825" h="6858000">
+                  <a:moveTo>
+                    <a:pt x="0" y="0"/>
+                  </a:moveTo>
+                  <a:lnTo>
+                    <a:pt x="1249825" y="0"/>
+                  </a:lnTo>
+                  <a:lnTo>
+                    <a:pt x="1249825" y="6858000"/>
+                  </a:lnTo>
+                  <a:lnTo>
+                    <a:pt x="1109382" y="6858000"/>
+                  </a:lnTo>
+                  <a:lnTo>
+                    <a:pt x="0" y="0"/>
+                  </a:lnTo>
+                  <a:close/>
+                </a:path>
+              </a:pathLst>
+            </a:custGeom>
+            <a:solidFill>
+              <a:schemeClr val="accent1">
+                <a:alpha val="65000"/>
+              </a:schemeClr>
+            </a:solidFill>
+            <a:ln>
+              <a:noFill/>
+            </a:ln>
+            <a:effectLst/>
+          </p:spPr>
+          <p:style>
+            <a:lnRef idx="1">
+              <a:schemeClr val="accent1"/>
+            </a:lnRef>
+            <a:fillRef idx="3">
+              <a:schemeClr val="accent1"/>
+            </a:fillRef>
+            <a:effectRef idx="2">
+              <a:schemeClr val="accent1"/>
+            </a:effectRef>
+            <a:fontRef idx="minor">
+              <a:schemeClr val="lt1"/>
+            </a:fontRef>
+          </p:style>
+        </p:sp>
+        <p:sp>
+          <p:nvSpPr>
+            <p:cNvPr id="19" name="Isosceles Triangle 18">
+              <a:extLst>
+                <a:ext uri="{FF2B5EF4-FFF2-40B4-BE49-F238E27FC236}">
+                  <a16:creationId xmlns:a16="http://schemas.microsoft.com/office/drawing/2014/main" id="{9BA4F16A-21DC-462A-AD37-0A93C8B79E1E}"/>
+                </a:ext>
+                <a:ext uri="{C183D7F6-B498-43B3-948B-1728B52AA6E4}">
+                  <adec:decorative xmlns:adec="http://schemas.microsoft.com/office/drawing/2017/decorative" val="1"/>
+                </a:ext>
+              </a:extLst>
+            </p:cNvPr>
+            <p:cNvSpPr/>
+            <p:nvPr>
+              <p:extLst>
+                <p:ext uri="{386F3935-93C4-4BCD-93E2-E3B085C9AB24}">
+                  <p16:designElem xmlns:p16="http://schemas.microsoft.com/office/powerpoint/2015/main" val="1"/>
+                </p:ext>
+              </p:extLst>
+            </p:nvPr>
+          </p:nvSpPr>
+          <p:spPr>
+            <a:xfrm>
+              <a:off x="10371666" y="3589867"/>
+              <a:ext cx="1817159" cy="3268133"/>
+            </a:xfrm>
+            <a:prstGeom prst="triangle">
+              <a:avLst>
+                <a:gd name="adj" fmla="val 100000"/>
+              </a:avLst>
+            </a:prstGeom>
+            <a:solidFill>
+              <a:schemeClr val="accent1">
+                <a:alpha val="80000"/>
+              </a:schemeClr>
+            </a:solidFill>
+            <a:ln>
+              <a:noFill/>
+            </a:ln>
+            <a:effectLst/>
+          </p:spPr>
+          <p:style>
+            <a:lnRef idx="1">
+              <a:schemeClr val="accent1"/>
+            </a:lnRef>
+            <a:fillRef idx="3">
+              <a:schemeClr val="accent1"/>
+            </a:fillRef>
+            <a:effectRef idx="2">
+              <a:schemeClr val="accent1"/>
+            </a:effectRef>
+            <a:fontRef idx="minor">
+              <a:schemeClr val="lt1"/>
+            </a:fontRef>
+          </p:style>
+        </p:sp>
+        <p:sp>
+          <p:nvSpPr>
+            <p:cNvPr id="20" name="Isosceles Triangle 19">
+              <a:extLst>
+                <a:ext uri="{FF2B5EF4-FFF2-40B4-BE49-F238E27FC236}">
+                  <a16:creationId xmlns:a16="http://schemas.microsoft.com/office/drawing/2014/main" id="{FB75EBDD-038D-4572-A372-114938295706}"/>
+                </a:ext>
+                <a:ext uri="{C183D7F6-B498-43B3-948B-1728B52AA6E4}">
+                  <adec:decorative xmlns:adec="http://schemas.microsoft.com/office/drawing/2017/decorative" val="1"/>
+                </a:ext>
+              </a:extLst>
+            </p:cNvPr>
+            <p:cNvSpPr/>
+            <p:nvPr>
+              <p:extLst>
+                <p:ext uri="{386F3935-93C4-4BCD-93E2-E3B085C9AB24}">
+                  <p16:designElem xmlns:p16="http://schemas.microsoft.com/office/powerpoint/2015/main" val="1"/>
+                </p:ext>
+              </p:extLst>
+            </p:nvPr>
+          </p:nvSpPr>
+          <p:spPr>
+            <a:xfrm>
+              <a:off x="0" y="4013200"/>
+              <a:ext cx="448733" cy="2844800"/>
+            </a:xfrm>
+            <a:prstGeom prst="triangle">
+              <a:avLst>
+                <a:gd name="adj" fmla="val 0"/>
+              </a:avLst>
+            </a:prstGeom>
+            <a:solidFill>
+              <a:schemeClr val="accent1">
+                <a:alpha val="85000"/>
+              </a:schemeClr>
+            </a:solidFill>
+            <a:ln>
+              <a:noFill/>
+            </a:ln>
+            <a:effectLst/>
+          </p:spPr>
+          <p:style>
+            <a:lnRef idx="1">
+              <a:schemeClr val="accent1"/>
+            </a:lnRef>
+            <a:fillRef idx="3">
+              <a:schemeClr val="accent1"/>
+            </a:fillRef>
+            <a:effectRef idx="2">
+              <a:schemeClr val="accent1"/>
+            </a:effectRef>
+            <a:fontRef idx="minor">
+              <a:schemeClr val="lt1"/>
+            </a:fontRef>
+          </p:style>
+        </p:sp>
+      </p:grpSp>
+      <p:sp>
+        <p:nvSpPr>
+          <p:cNvPr id="38" name="Rectangle 21">
+            <a:extLst>
+              <a:ext uri="{FF2B5EF4-FFF2-40B4-BE49-F238E27FC236}">
+                <a16:creationId xmlns:a16="http://schemas.microsoft.com/office/drawing/2014/main" id="{21029ED5-F105-4DD2-99C8-1E4422817978}"/>
+              </a:ext>
+              <a:ext uri="{C183D7F6-B498-43B3-948B-1728B52AA6E4}">
+                <adec:decorative xmlns:adec="http://schemas.microsoft.com/office/drawing/2017/decorative" val="1"/>
+              </a:ext>
+            </a:extLst>
+          </p:cNvPr>
+          <p:cNvSpPr>
+            <a:spLocks noGrp="1" noRot="1" noChangeAspect="1" noMove="1" noResize="1" noEditPoints="1" noAdjustHandles="1" noChangeArrowheads="1" noChangeShapeType="1" noTextEdit="1"/>
+          </p:cNvSpPr>
+          <p:nvPr>
+            <p:extLst>
+              <p:ext uri="{386F3935-93C4-4BCD-93E2-E3B085C9AB24}">
+                <p16:designElem xmlns:p16="http://schemas.microsoft.com/office/powerpoint/2015/main" val="1"/>
+              </p:ext>
+            </p:extLst>
+          </p:nvPr>
+        </p:nvSpPr>
+        <p:spPr>
+          <a:xfrm>
+            <a:off x="0" y="0"/>
+            <a:ext cx="12192000" cy="6858000"/>
+          </a:xfrm>
+          <a:prstGeom prst="rect">
+            <a:avLst/>
+          </a:prstGeom>
+          <a:ln>
+            <a:noFill/>
+          </a:ln>
+        </p:spPr>
+        <p:style>
+          <a:lnRef idx="2">
+            <a:schemeClr val="accent1">
+              <a:shade val="50000"/>
+            </a:schemeClr>
+          </a:lnRef>
+          <a:fillRef idx="1">
+            <a:schemeClr val="accent1"/>
+          </a:fillRef>
+          <a:effectRef idx="0">
+            <a:schemeClr val="accent1"/>
+          </a:effectRef>
+          <a:fontRef idx="minor">
+            <a:schemeClr val="lt1"/>
+          </a:fontRef>
+        </p:style>
+        <p:txBody>
+          <a:bodyPr rtlCol="0" anchor="ctr"/>
+          <a:lstStyle/>
+          <a:p>
+            <a:pPr algn="ctr"/>
+            <a:endParaRPr lang="en-US"/>
+          </a:p>
+        </p:txBody>
+      </p:sp>
+      <p:grpSp>
+        <p:nvGrpSpPr>
+          <p:cNvPr id="39" name="Group 23">
+            <a:extLst>
+              <a:ext uri="{FF2B5EF4-FFF2-40B4-BE49-F238E27FC236}">
+                <a16:creationId xmlns:a16="http://schemas.microsoft.com/office/drawing/2014/main" id="{2D621E68-BF28-4A1C-B1A2-4E55E139E79A}"/>
+              </a:ext>
+              <a:ext uri="{C183D7F6-B498-43B3-948B-1728B52AA6E4}">
+                <adec:decorative xmlns:adec="http://schemas.microsoft.com/office/drawing/2017/decorative" val="1"/>
+              </a:ext>
+            </a:extLst>
+          </p:cNvPr>
+          <p:cNvGrpSpPr>
+            <a:grpSpLocks noGrp="1" noUngrp="1" noRot="1" noChangeAspect="1" noMove="1" noResize="1"/>
+          </p:cNvGrpSpPr>
+          <p:nvPr>
+            <p:extLst>
+              <p:ext uri="{386F3935-93C4-4BCD-93E2-E3B085C9AB24}">
+                <p16:designElem xmlns:p16="http://schemas.microsoft.com/office/powerpoint/2015/main" val="1"/>
+              </p:ext>
+            </p:extLst>
+          </p:nvPr>
+        </p:nvGrpSpPr>
+        <p:grpSpPr>
+          <a:xfrm>
+            <a:off x="0" y="-8467"/>
+            <a:ext cx="12192000" cy="6866467"/>
+            <a:chOff x="0" y="-8467"/>
+            <a:chExt cx="12192000" cy="6866467"/>
+          </a:xfrm>
+        </p:grpSpPr>
+        <p:cxnSp>
+          <p:nvCxnSpPr>
+            <p:cNvPr id="25" name="Straight Connector 24">
+              <a:extLst>
+                <a:ext uri="{FF2B5EF4-FFF2-40B4-BE49-F238E27FC236}">
+                  <a16:creationId xmlns:a16="http://schemas.microsoft.com/office/drawing/2014/main" id="{BE8BBE4D-F0DF-49B9-B75A-99DAC53ACA77}"/>
+                </a:ext>
+                <a:ext uri="{C183D7F6-B498-43B3-948B-1728B52AA6E4}">
+                  <adec:decorative xmlns:adec="http://schemas.microsoft.com/office/drawing/2017/decorative" val="1"/>
+                </a:ext>
+              </a:extLst>
+            </p:cNvPr>
+            <p:cNvCxnSpPr/>
+            <p:nvPr>
+              <p:extLst>
+                <p:ext uri="{386F3935-93C4-4BCD-93E2-E3B085C9AB24}">
+                  <p16:designElem xmlns:p16="http://schemas.microsoft.com/office/powerpoint/2015/main" val="1"/>
+                </p:ext>
+              </p:extLst>
+            </p:nvPr>
+          </p:nvCxnSpPr>
+          <p:spPr>
+            <a:xfrm flipH="1">
+              <a:off x="7425267" y="3681413"/>
+              <a:ext cx="4763558" cy="3176587"/>
+            </a:xfrm>
+            <a:prstGeom prst="line">
+              <a:avLst/>
+            </a:prstGeom>
+            <a:ln w="9525">
+              <a:solidFill>
+                <a:schemeClr val="bg1">
+                  <a:lumMod val="85000"/>
+                </a:schemeClr>
+              </a:solidFill>
+            </a:ln>
+          </p:spPr>
+          <p:style>
+            <a:lnRef idx="2">
+              <a:schemeClr val="accent1"/>
+            </a:lnRef>
+            <a:fillRef idx="0">
+              <a:schemeClr val="accent1"/>
+            </a:fillRef>
+            <a:effectRef idx="1">
+              <a:schemeClr val="accent1"/>
+            </a:effectRef>
+            <a:fontRef idx="minor">
+              <a:schemeClr val="tx1"/>
+            </a:fontRef>
+          </p:style>
+        </p:cxnSp>
+        <p:sp>
+          <p:nvSpPr>
+            <p:cNvPr id="26" name="Rectangle 23">
+              <a:extLst>
+                <a:ext uri="{FF2B5EF4-FFF2-40B4-BE49-F238E27FC236}">
+                  <a16:creationId xmlns:a16="http://schemas.microsoft.com/office/drawing/2014/main" id="{E0F07DDC-34A6-46A1-9DE9-2BBE2931A55B}"/>
+                </a:ext>
+                <a:ext uri="{C183D7F6-B498-43B3-948B-1728B52AA6E4}">
+                  <adec:decorative xmlns:adec="http://schemas.microsoft.com/office/drawing/2017/decorative" val="1"/>
+                </a:ext>
+              </a:extLst>
+            </p:cNvPr>
+            <p:cNvSpPr/>
+            <p:nvPr>
+              <p:extLst>
+                <p:ext uri="{386F3935-93C4-4BCD-93E2-E3B085C9AB24}">
+                  <p16:designElem xmlns:p16="http://schemas.microsoft.com/office/powerpoint/2015/main" val="1"/>
+                </p:ext>
+              </p:extLst>
+            </p:nvPr>
+          </p:nvSpPr>
+          <p:spPr>
+            <a:xfrm>
+              <a:off x="9181476" y="-8467"/>
+              <a:ext cx="3007349" cy="6866467"/>
+            </a:xfrm>
+            <a:custGeom>
+              <a:avLst/>
+              <a:gdLst/>
+              <a:ahLst/>
+              <a:cxnLst/>
+              <a:rect l="l" t="t" r="r" b="b"/>
+              <a:pathLst>
+                <a:path w="3007349" h="6866467">
+                  <a:moveTo>
+                    <a:pt x="2045532" y="0"/>
+                  </a:moveTo>
+                  <a:lnTo>
+                    <a:pt x="3007349" y="0"/>
+                  </a:lnTo>
+                  <a:lnTo>
+                    <a:pt x="3007349" y="6866467"/>
+                  </a:lnTo>
+                  <a:lnTo>
+                    <a:pt x="0" y="6866467"/>
+                  </a:lnTo>
+                  <a:lnTo>
+                    <a:pt x="2045532" y="0"/>
+                  </a:lnTo>
+                  <a:close/>
+                </a:path>
+              </a:pathLst>
+            </a:custGeom>
+            <a:solidFill>
+              <a:schemeClr val="accent1">
+                <a:alpha val="30000"/>
+              </a:schemeClr>
+            </a:solidFill>
+            <a:ln>
+              <a:noFill/>
+            </a:ln>
+            <a:effectLst/>
+          </p:spPr>
+          <p:style>
+            <a:lnRef idx="1">
+              <a:schemeClr val="accent1"/>
+            </a:lnRef>
+            <a:fillRef idx="3">
+              <a:schemeClr val="accent1"/>
+            </a:fillRef>
+            <a:effectRef idx="2">
+              <a:schemeClr val="accent1"/>
+            </a:effectRef>
+            <a:fontRef idx="minor">
+              <a:schemeClr val="lt1"/>
+            </a:fontRef>
+          </p:style>
+        </p:sp>
+        <p:sp>
+          <p:nvSpPr>
+            <p:cNvPr id="27" name="Rectangle 25">
+              <a:extLst>
+                <a:ext uri="{FF2B5EF4-FFF2-40B4-BE49-F238E27FC236}">
+                  <a16:creationId xmlns:a16="http://schemas.microsoft.com/office/drawing/2014/main" id="{2CEB2BF9-B8DB-45B9-86EA-D197B5B1AEFF}"/>
+                </a:ext>
+                <a:ext uri="{C183D7F6-B498-43B3-948B-1728B52AA6E4}">
+                  <adec:decorative xmlns:adec="http://schemas.microsoft.com/office/drawing/2017/decorative" val="1"/>
+                </a:ext>
+              </a:extLst>
+            </p:cNvPr>
+            <p:cNvSpPr/>
+            <p:nvPr>
+              <p:extLst>
+                <p:ext uri="{386F3935-93C4-4BCD-93E2-E3B085C9AB24}">
+                  <p16:designElem xmlns:p16="http://schemas.microsoft.com/office/powerpoint/2015/main" val="1"/>
+                </p:ext>
+              </p:extLst>
+            </p:nvPr>
+          </p:nvSpPr>
+          <p:spPr>
+            <a:xfrm>
+              <a:off x="9603442" y="-8467"/>
+              <a:ext cx="2588558" cy="6866467"/>
+            </a:xfrm>
+            <a:custGeom>
+              <a:avLst/>
+              <a:gdLst/>
+              <a:ahLst/>
+              <a:cxnLst/>
+              <a:rect l="l" t="t" r="r" b="b"/>
+              <a:pathLst>
+                <a:path w="2573311" h="6866467">
+                  <a:moveTo>
+                    <a:pt x="0" y="0"/>
+                  </a:moveTo>
+                  <a:lnTo>
+                    <a:pt x="2573311" y="0"/>
+                  </a:lnTo>
+                  <a:lnTo>
+                    <a:pt x="2573311" y="6866467"/>
+                  </a:lnTo>
+                  <a:lnTo>
+                    <a:pt x="1202336" y="6866467"/>
+                  </a:lnTo>
+                  <a:lnTo>
+                    <a:pt x="0" y="0"/>
+                  </a:lnTo>
+                  <a:close/>
+                </a:path>
+              </a:pathLst>
+            </a:custGeom>
+            <a:solidFill>
+              <a:schemeClr val="accent1">
+                <a:alpha val="20000"/>
+              </a:schemeClr>
+            </a:solidFill>
+            <a:ln>
+              <a:noFill/>
+            </a:ln>
+            <a:effectLst/>
+          </p:spPr>
+          <p:style>
+            <a:lnRef idx="1">
+              <a:schemeClr val="accent1"/>
+            </a:lnRef>
+            <a:fillRef idx="3">
+              <a:schemeClr val="accent1"/>
+            </a:fillRef>
+            <a:effectRef idx="2">
+              <a:schemeClr val="accent1"/>
+            </a:effectRef>
+            <a:fontRef idx="minor">
+              <a:schemeClr val="lt1"/>
+            </a:fontRef>
+          </p:style>
+        </p:sp>
+        <p:sp>
+          <p:nvSpPr>
+            <p:cNvPr id="28" name="Isosceles Triangle 27">
+              <a:extLst>
+                <a:ext uri="{FF2B5EF4-FFF2-40B4-BE49-F238E27FC236}">
+                  <a16:creationId xmlns:a16="http://schemas.microsoft.com/office/drawing/2014/main" id="{08B5BB34-3801-4E70-A981-FE007635E11D}"/>
+                </a:ext>
+                <a:ext uri="{C183D7F6-B498-43B3-948B-1728B52AA6E4}">
+                  <adec:decorative xmlns:adec="http://schemas.microsoft.com/office/drawing/2017/decorative" val="1"/>
+                </a:ext>
+              </a:extLst>
+            </p:cNvPr>
+            <p:cNvSpPr/>
+            <p:nvPr>
+              <p:extLst>
+                <p:ext uri="{386F3935-93C4-4BCD-93E2-E3B085C9AB24}">
+                  <p16:designElem xmlns:p16="http://schemas.microsoft.com/office/powerpoint/2015/main" val="1"/>
+                </p:ext>
+              </p:extLst>
+            </p:nvPr>
+          </p:nvSpPr>
+          <p:spPr>
+            <a:xfrm>
+              <a:off x="8932333" y="3048000"/>
+              <a:ext cx="3259667" cy="3810000"/>
+            </a:xfrm>
+            <a:prstGeom prst="triangle">
+              <a:avLst>
+                <a:gd name="adj" fmla="val 100000"/>
+              </a:avLst>
+            </a:prstGeom>
+            <a:solidFill>
+              <a:schemeClr val="accent2">
+                <a:alpha val="72000"/>
+              </a:schemeClr>
+            </a:solidFill>
+            <a:ln>
+              <a:noFill/>
+            </a:ln>
+            <a:effectLst/>
+          </p:spPr>
+          <p:style>
+            <a:lnRef idx="1">
+              <a:schemeClr val="accent1"/>
+            </a:lnRef>
+            <a:fillRef idx="3">
+              <a:schemeClr val="accent1"/>
+            </a:fillRef>
+            <a:effectRef idx="2">
+              <a:schemeClr val="accent1"/>
+            </a:effectRef>
+            <a:fontRef idx="minor">
+              <a:schemeClr val="lt1"/>
+            </a:fontRef>
+          </p:style>
+        </p:sp>
+        <p:sp>
+          <p:nvSpPr>
+            <p:cNvPr id="29" name="Rectangle 27">
+              <a:extLst>
+                <a:ext uri="{FF2B5EF4-FFF2-40B4-BE49-F238E27FC236}">
+                  <a16:creationId xmlns:a16="http://schemas.microsoft.com/office/drawing/2014/main" id="{38432A75-2CEB-463C-A8F2-ABB50A79F444}"/>
+                </a:ext>
+                <a:ext uri="{C183D7F6-B498-43B3-948B-1728B52AA6E4}">
+                  <adec:decorative xmlns:adec="http://schemas.microsoft.com/office/drawing/2017/decorative" val="1"/>
+                </a:ext>
+              </a:extLst>
+            </p:cNvPr>
+            <p:cNvSpPr/>
+            <p:nvPr>
+              <p:extLst>
+                <p:ext uri="{386F3935-93C4-4BCD-93E2-E3B085C9AB24}">
+                  <p16:designElem xmlns:p16="http://schemas.microsoft.com/office/powerpoint/2015/main" val="1"/>
+                </p:ext>
+              </p:extLst>
+            </p:nvPr>
+          </p:nvSpPr>
+          <p:spPr>
+            <a:xfrm>
+              <a:off x="9334500" y="-8467"/>
+              <a:ext cx="2854326" cy="6866467"/>
+            </a:xfrm>
+            <a:custGeom>
+              <a:avLst/>
+              <a:gdLst/>
+              <a:ahLst/>
+              <a:cxnLst/>
+              <a:rect l="l" t="t" r="r" b="b"/>
+              <a:pathLst>
+                <a:path w="2858013" h="6866467">
+                  <a:moveTo>
+                    <a:pt x="0" y="0"/>
+                  </a:moveTo>
+                  <a:lnTo>
+                    <a:pt x="2858013" y="0"/>
+                  </a:lnTo>
+                  <a:lnTo>
+                    <a:pt x="2858013" y="6866467"/>
+                  </a:lnTo>
+                  <a:lnTo>
+                    <a:pt x="2473942" y="6866467"/>
+                  </a:lnTo>
+                  <a:lnTo>
+                    <a:pt x="0" y="0"/>
+                  </a:lnTo>
+                  <a:close/>
+                </a:path>
+              </a:pathLst>
+            </a:custGeom>
+            <a:solidFill>
+              <a:schemeClr val="accent2">
+                <a:lumMod val="75000"/>
+                <a:alpha val="70000"/>
+              </a:schemeClr>
+            </a:solidFill>
+            <a:ln>
+              <a:noFill/>
+            </a:ln>
+            <a:effectLst/>
+          </p:spPr>
+          <p:style>
+            <a:lnRef idx="1">
+              <a:schemeClr val="accent1"/>
+            </a:lnRef>
+            <a:fillRef idx="3">
+              <a:schemeClr val="accent1"/>
+            </a:fillRef>
+            <a:effectRef idx="2">
+              <a:schemeClr val="accent1"/>
+            </a:effectRef>
+            <a:fontRef idx="minor">
+              <a:schemeClr val="lt1"/>
+            </a:fontRef>
+          </p:style>
+        </p:sp>
+        <p:sp>
+          <p:nvSpPr>
+            <p:cNvPr id="30" name="Rectangle 28">
+              <a:extLst>
+                <a:ext uri="{FF2B5EF4-FFF2-40B4-BE49-F238E27FC236}">
+                  <a16:creationId xmlns:a16="http://schemas.microsoft.com/office/drawing/2014/main" id="{E7E850B8-C050-4597-8BEB-113FEC9A27C9}"/>
+                </a:ext>
+                <a:ext uri="{C183D7F6-B498-43B3-948B-1728B52AA6E4}">
+                  <adec:decorative xmlns:adec="http://schemas.microsoft.com/office/drawing/2017/decorative" val="1"/>
+                </a:ext>
+              </a:extLst>
+            </p:cNvPr>
+            <p:cNvSpPr/>
+            <p:nvPr>
+              <p:extLst>
+                <p:ext uri="{386F3935-93C4-4BCD-93E2-E3B085C9AB24}">
+                  <p16:designElem xmlns:p16="http://schemas.microsoft.com/office/powerpoint/2015/main" val="1"/>
+                </p:ext>
+              </p:extLst>
+            </p:nvPr>
+          </p:nvSpPr>
+          <p:spPr>
+            <a:xfrm>
+              <a:off x="10898730" y="-8467"/>
+              <a:ext cx="1290094" cy="6866467"/>
+            </a:xfrm>
+            <a:custGeom>
+              <a:avLst/>
+              <a:gdLst/>
+              <a:ahLst/>
+              <a:cxnLst/>
+              <a:rect l="l" t="t" r="r" b="b"/>
+              <a:pathLst>
+                <a:path w="1290094" h="6858000">
+                  <a:moveTo>
+                    <a:pt x="1019735" y="0"/>
+                  </a:moveTo>
+                  <a:lnTo>
+                    <a:pt x="1290094" y="0"/>
+                  </a:lnTo>
+                  <a:lnTo>
+                    <a:pt x="1290094" y="6858000"/>
+                  </a:lnTo>
+                  <a:lnTo>
+                    <a:pt x="0" y="6858000"/>
+                  </a:lnTo>
+                  <a:lnTo>
+                    <a:pt x="1019735" y="0"/>
+                  </a:lnTo>
+                  <a:close/>
+                </a:path>
+              </a:pathLst>
+            </a:custGeom>
+            <a:solidFill>
+              <a:schemeClr val="accent1">
+                <a:lumMod val="60000"/>
+                <a:lumOff val="40000"/>
+                <a:alpha val="70000"/>
+              </a:schemeClr>
+            </a:solidFill>
+            <a:ln>
+              <a:noFill/>
+            </a:ln>
+            <a:effectLst/>
+          </p:spPr>
+          <p:style>
+            <a:lnRef idx="1">
+              <a:schemeClr val="accent1"/>
+            </a:lnRef>
+            <a:fillRef idx="3">
+              <a:schemeClr val="accent1"/>
+            </a:fillRef>
+            <a:effectRef idx="2">
+              <a:schemeClr val="accent1"/>
+            </a:effectRef>
+            <a:fontRef idx="minor">
+              <a:schemeClr val="lt1"/>
+            </a:fontRef>
+          </p:style>
+        </p:sp>
+        <p:sp>
+          <p:nvSpPr>
+            <p:cNvPr id="31" name="Rectangle 29">
+              <a:extLst>
+                <a:ext uri="{FF2B5EF4-FFF2-40B4-BE49-F238E27FC236}">
+                  <a16:creationId xmlns:a16="http://schemas.microsoft.com/office/drawing/2014/main" id="{24ACC798-9CEC-4B6F-A8DD-F8E6FCCCF164}"/>
+                </a:ext>
+                <a:ext uri="{C183D7F6-B498-43B3-948B-1728B52AA6E4}">
+                  <adec:decorative xmlns:adec="http://schemas.microsoft.com/office/drawing/2017/decorative" val="1"/>
+                </a:ext>
+              </a:extLst>
+            </p:cNvPr>
+            <p:cNvSpPr/>
+            <p:nvPr>
+              <p:extLst>
+                <p:ext uri="{386F3935-93C4-4BCD-93E2-E3B085C9AB24}">
+                  <p16:designElem xmlns:p16="http://schemas.microsoft.com/office/powerpoint/2015/main" val="1"/>
+                </p:ext>
+              </p:extLst>
+            </p:nvPr>
+          </p:nvSpPr>
+          <p:spPr>
+            <a:xfrm>
+              <a:off x="10938999" y="-8467"/>
+              <a:ext cx="1249825" cy="6866467"/>
+            </a:xfrm>
+            <a:custGeom>
+              <a:avLst/>
+              <a:gdLst/>
+              <a:ahLst/>
+              <a:cxnLst/>
+              <a:rect l="l" t="t" r="r" b="b"/>
+              <a:pathLst>
+                <a:path w="1249825" h="6858000">
+                  <a:moveTo>
+                    <a:pt x="0" y="0"/>
+                  </a:moveTo>
+                  <a:lnTo>
+                    <a:pt x="1249825" y="0"/>
+                  </a:lnTo>
+                  <a:lnTo>
+                    <a:pt x="1249825" y="6858000"/>
+                  </a:lnTo>
+                  <a:lnTo>
+                    <a:pt x="1109382" y="6858000"/>
+                  </a:lnTo>
+                  <a:lnTo>
+                    <a:pt x="0" y="0"/>
+                  </a:lnTo>
+                  <a:close/>
+                </a:path>
+              </a:pathLst>
+            </a:custGeom>
+            <a:solidFill>
+              <a:schemeClr val="accent1">
+                <a:alpha val="65000"/>
+              </a:schemeClr>
+            </a:solidFill>
+            <a:ln>
+              <a:noFill/>
+            </a:ln>
+            <a:effectLst/>
+          </p:spPr>
+          <p:style>
+            <a:lnRef idx="1">
+              <a:schemeClr val="accent1"/>
+            </a:lnRef>
+            <a:fillRef idx="3">
+              <a:schemeClr val="accent1"/>
+            </a:fillRef>
+            <a:effectRef idx="2">
+              <a:schemeClr val="accent1"/>
+            </a:effectRef>
+            <a:fontRef idx="minor">
+              <a:schemeClr val="lt1"/>
+            </a:fontRef>
+          </p:style>
+        </p:sp>
+        <p:sp>
+          <p:nvSpPr>
+            <p:cNvPr id="32" name="Isosceles Triangle 31">
+              <a:extLst>
+                <a:ext uri="{FF2B5EF4-FFF2-40B4-BE49-F238E27FC236}">
+                  <a16:creationId xmlns:a16="http://schemas.microsoft.com/office/drawing/2014/main" id="{1D58A8C6-1294-4CD9-89BC-F1E981A524AA}"/>
+                </a:ext>
+                <a:ext uri="{C183D7F6-B498-43B3-948B-1728B52AA6E4}">
+                  <adec:decorative xmlns:adec="http://schemas.microsoft.com/office/drawing/2017/decorative" val="1"/>
+                </a:ext>
+              </a:extLst>
+            </p:cNvPr>
+            <p:cNvSpPr/>
+            <p:nvPr>
+              <p:extLst>
+                <p:ext uri="{386F3935-93C4-4BCD-93E2-E3B085C9AB24}">
+                  <p16:designElem xmlns:p16="http://schemas.microsoft.com/office/powerpoint/2015/main" val="1"/>
+                </p:ext>
+              </p:extLst>
+            </p:nvPr>
+          </p:nvSpPr>
+          <p:spPr>
+            <a:xfrm>
+              <a:off x="10371666" y="3589867"/>
+              <a:ext cx="1817159" cy="3268133"/>
+            </a:xfrm>
+            <a:prstGeom prst="triangle">
+              <a:avLst>
+                <a:gd name="adj" fmla="val 100000"/>
+              </a:avLst>
+            </a:prstGeom>
+            <a:solidFill>
+              <a:schemeClr val="accent1">
+                <a:alpha val="80000"/>
+              </a:schemeClr>
+            </a:solidFill>
+            <a:ln>
+              <a:noFill/>
+            </a:ln>
+            <a:effectLst/>
+          </p:spPr>
+          <p:style>
+            <a:lnRef idx="1">
+              <a:schemeClr val="accent1"/>
+            </a:lnRef>
+            <a:fillRef idx="3">
+              <a:schemeClr val="accent1"/>
+            </a:fillRef>
+            <a:effectRef idx="2">
+              <a:schemeClr val="accent1"/>
+            </a:effectRef>
+            <a:fontRef idx="minor">
+              <a:schemeClr val="lt1"/>
+            </a:fontRef>
+          </p:style>
+        </p:sp>
+        <p:sp>
+          <p:nvSpPr>
+            <p:cNvPr id="33" name="Isosceles Triangle 32">
+              <a:extLst>
+                <a:ext uri="{FF2B5EF4-FFF2-40B4-BE49-F238E27FC236}">
+                  <a16:creationId xmlns:a16="http://schemas.microsoft.com/office/drawing/2014/main" id="{F32F2ED6-6143-46C4-A641-72D42732B6FA}"/>
+                </a:ext>
+                <a:ext uri="{C183D7F6-B498-43B3-948B-1728B52AA6E4}">
+                  <adec:decorative xmlns:adec="http://schemas.microsoft.com/office/drawing/2017/decorative" val="1"/>
+                </a:ext>
+              </a:extLst>
+            </p:cNvPr>
+            <p:cNvSpPr/>
+            <p:nvPr>
+              <p:extLst>
+                <p:ext uri="{386F3935-93C4-4BCD-93E2-E3B085C9AB24}">
+                  <p16:designElem xmlns:p16="http://schemas.microsoft.com/office/powerpoint/2015/main" val="1"/>
+                </p:ext>
+              </p:extLst>
+            </p:nvPr>
+          </p:nvSpPr>
+          <p:spPr>
+            <a:xfrm>
+              <a:off x="0" y="4013200"/>
+              <a:ext cx="448733" cy="2844800"/>
+            </a:xfrm>
+            <a:prstGeom prst="triangle">
+              <a:avLst>
+                <a:gd name="adj" fmla="val 0"/>
+              </a:avLst>
+            </a:prstGeom>
+            <a:solidFill>
+              <a:schemeClr val="accent1">
+                <a:alpha val="85000"/>
+              </a:schemeClr>
+            </a:solidFill>
+            <a:ln>
+              <a:noFill/>
+            </a:ln>
+            <a:effectLst/>
+          </p:spPr>
+          <p:style>
+            <a:lnRef idx="1">
+              <a:schemeClr val="accent1"/>
+            </a:lnRef>
+            <a:fillRef idx="3">
+              <a:schemeClr val="accent1"/>
+            </a:fillRef>
+            <a:effectRef idx="2">
+              <a:schemeClr val="accent1"/>
+            </a:effectRef>
+            <a:fontRef idx="minor">
+              <a:schemeClr val="lt1"/>
+            </a:fontRef>
+          </p:style>
+        </p:sp>
+      </p:grpSp>
+      <p:sp>
+        <p:nvSpPr>
+          <p:cNvPr id="40" name="Rectangle 34">
+            <a:extLst>
+              <a:ext uri="{FF2B5EF4-FFF2-40B4-BE49-F238E27FC236}">
+                <a16:creationId xmlns:a16="http://schemas.microsoft.com/office/drawing/2014/main" id="{5C9652B3-A450-4ED6-8FBF-F536BA60B4D8}"/>
+              </a:ext>
+              <a:ext uri="{C183D7F6-B498-43B3-948B-1728B52AA6E4}">
+                <adec:decorative xmlns:adec="http://schemas.microsoft.com/office/drawing/2017/decorative" val="1"/>
+              </a:ext>
+            </a:extLst>
+          </p:cNvPr>
+          <p:cNvSpPr>
+            <a:spLocks noGrp="1" noRot="1" noChangeAspect="1" noMove="1" noResize="1" noEditPoints="1" noAdjustHandles="1" noChangeArrowheads="1" noChangeShapeType="1" noTextEdit="1"/>
+          </p:cNvSpPr>
+          <p:nvPr>
+            <p:extLst>
+              <p:ext uri="{386F3935-93C4-4BCD-93E2-E3B085C9AB24}">
+                <p16:designElem xmlns:p16="http://schemas.microsoft.com/office/powerpoint/2015/main" val="1"/>
+              </p:ext>
+            </p:extLst>
+          </p:nvPr>
+        </p:nvSpPr>
+        <p:spPr>
+          <a:xfrm>
+            <a:off x="477012" y="480060"/>
+            <a:ext cx="11237976" cy="5897880"/>
+          </a:xfrm>
+          <a:prstGeom prst="rect">
+            <a:avLst/>
+          </a:prstGeom>
+          <a:solidFill>
+            <a:srgbClr val="FFFFFF"/>
+          </a:solidFill>
+          <a:ln w="22225">
+            <a:solidFill>
+              <a:srgbClr val="FFFFFF"/>
+            </a:solidFill>
+          </a:ln>
+        </p:spPr>
+        <p:style>
+          <a:lnRef idx="2">
+            <a:schemeClr val="accent1">
+              <a:shade val="50000"/>
+            </a:schemeClr>
+          </a:lnRef>
+          <a:fillRef idx="1">
+            <a:schemeClr val="accent1"/>
+          </a:fillRef>
+          <a:effectRef idx="0">
+            <a:schemeClr val="accent1"/>
+          </a:effectRef>
+          <a:fontRef idx="minor">
+            <a:schemeClr val="lt1"/>
+          </a:fontRef>
+        </p:style>
+        <p:txBody>
+          <a:bodyPr rtlCol="0" anchor="ctr"/>
+          <a:lstStyle/>
+          <a:p>
+            <a:pPr algn="ctr"/>
+            <a:endParaRPr lang="en-US"/>
+          </a:p>
+        </p:txBody>
+      </p:sp>
+      <p:pic>
+        <p:nvPicPr>
+          <p:cNvPr id="5" name="Content Placeholder 4" descr="A screenshot of a cell phone&#10;&#10;Description automatically generated">
+            <a:extLst>
+              <a:ext uri="{FF2B5EF4-FFF2-40B4-BE49-F238E27FC236}">
+                <a16:creationId xmlns:a16="http://schemas.microsoft.com/office/drawing/2014/main" id="{A351CAC2-A64F-5444-959B-972D9BDA1788}"/>
+              </a:ext>
+            </a:extLst>
+          </p:cNvPr>
+          <p:cNvPicPr>
+            <a:picLocks noGrp="1" noChangeAspect="1"/>
+          </p:cNvPicPr>
+          <p:nvPr>
+            <p:ph idx="1"/>
+          </p:nvPr>
+        </p:nvPicPr>
+        <p:blipFill rotWithShape="1">
+          <a:blip r:embed="rId2">
+            <a:extLst>
+              <a:ext uri="{28A0092B-C50C-407E-A947-70E740481C1C}">
+                <a14:useLocalDpi xmlns:a14="http://schemas.microsoft.com/office/drawing/2010/main" val="0"/>
+              </a:ext>
+            </a:extLst>
+          </a:blip>
+          <a:srcRect r="5214" b="-1"/>
+          <a:stretch/>
+        </p:blipFill>
+        <p:spPr>
+          <a:xfrm>
+            <a:off x="529627" y="567266"/>
+            <a:ext cx="11010101" cy="5715000"/>
+          </a:xfrm>
+          <a:prstGeom prst="rect">
+            <a:avLst/>
+          </a:prstGeom>
+        </p:spPr>
+      </p:pic>
+    </p:spTree>
+    <p:extLst>
+      <p:ext uri="{BB962C8B-B14F-4D97-AF65-F5344CB8AC3E}">
+        <p14:creationId xmlns:p14="http://schemas.microsoft.com/office/powerpoint/2010/main" val="1583886536"/>
+      </p:ext>
+    </p:extLst>
+  </p:cSld>
+  <p:clrMapOvr>
+    <a:masterClrMapping/>
+  </p:clrMapOvr>
+</p:sld>
+</file>
+
+<file path=ppt/slides/slide7.xml><?xml version="1.0" encoding="utf-8"?>
 <p:sld xmlns:a="http://schemas.openxmlformats.org/drawingml/2006/main" xmlns:r="http://schemas.openxmlformats.org/officeDocument/2006/relationships" xmlns:p="http://schemas.openxmlformats.org/presentationml/2006/main">
   <p:cSld>
     <p:bg>
@@ -10665,7 +12618,7 @@
 </p:sld>
 </file>
 
-<file path=ppt/slides/slide7.xml><?xml version="1.0" encoding="utf-8"?>
+<file path=ppt/slides/slide8.xml><?xml version="1.0" encoding="utf-8"?>
 <p:sld xmlns:a="http://schemas.openxmlformats.org/drawingml/2006/main" xmlns:r="http://schemas.openxmlformats.org/officeDocument/2006/relationships" xmlns:p="http://schemas.openxmlformats.org/presentationml/2006/main">
   <p:cSld>
     <p:spTree>
@@ -10789,7 +12742,7 @@
 </p:sld>
 </file>
 
-<file path=ppt/slides/slide8.xml><?xml version="1.0" encoding="utf-8"?>
+<file path=ppt/slides/slide9.xml><?xml version="1.0" encoding="utf-8"?>
 <p:sld xmlns:a="http://schemas.openxmlformats.org/drawingml/2006/main" xmlns:r="http://schemas.openxmlformats.org/officeDocument/2006/relationships" xmlns:p="http://schemas.openxmlformats.org/presentationml/2006/main">
   <p:cSld>
     <p:spTree>
@@ -10898,416 +12851,6 @@
     <p:extLst>
       <p:ext uri="{BB962C8B-B14F-4D97-AF65-F5344CB8AC3E}">
         <p14:creationId xmlns:p14="http://schemas.microsoft.com/office/powerpoint/2010/main" val="524358472"/>
-      </p:ext>
-    </p:extLst>
-  </p:cSld>
-  <p:clrMapOvr>
-    <a:masterClrMapping/>
-  </p:clrMapOvr>
-</p:sld>
-</file>
-
-<file path=ppt/slides/slide9.xml><?xml version="1.0" encoding="utf-8"?>
-<p:sld xmlns:a="http://schemas.openxmlformats.org/drawingml/2006/main" xmlns:r="http://schemas.openxmlformats.org/officeDocument/2006/relationships" xmlns:p="http://schemas.openxmlformats.org/presentationml/2006/main">
-  <p:cSld>
-    <p:spTree>
-      <p:nvGrpSpPr>
-        <p:cNvPr id="1" name=""/>
-        <p:cNvGrpSpPr/>
-        <p:nvPr/>
-      </p:nvGrpSpPr>
-      <p:grpSpPr>
-        <a:xfrm>
-          <a:off x="0" y="0"/>
-          <a:ext cx="0" cy="0"/>
-          <a:chOff x="0" y="0"/>
-          <a:chExt cx="0" cy="0"/>
-        </a:xfrm>
-      </p:grpSpPr>
-      <p:sp>
-        <p:nvSpPr>
-          <p:cNvPr id="4" name="Rectangle 3">
-            <a:extLst>
-              <a:ext uri="{FF2B5EF4-FFF2-40B4-BE49-F238E27FC236}">
-                <a16:creationId xmlns:a16="http://schemas.microsoft.com/office/drawing/2014/main" id="{C960193E-A476-4B10-95BA-6A9C22CB696A}"/>
-              </a:ext>
-            </a:extLst>
-          </p:cNvPr>
-          <p:cNvSpPr/>
-          <p:nvPr/>
-        </p:nvSpPr>
-        <p:spPr>
-          <a:xfrm>
-            <a:off x="720090" y="182880"/>
-            <a:ext cx="8835390" cy="707886"/>
-          </a:xfrm>
-          <a:prstGeom prst="rect">
-            <a:avLst/>
-          </a:prstGeom>
-        </p:spPr>
-        <p:txBody>
-          <a:bodyPr wrap="square">
-            <a:spAutoFit/>
-          </a:bodyPr>
-          <a:lstStyle/>
-          <a:p>
-            <a:pPr algn="ctr"/>
-            <a:r>
-              <a:rPr lang="en-US" sz="2000" b="1" dirty="0">
-                <a:latin typeface="Calibri" panose="020F0502020204030204" pitchFamily="34" charset="0"/>
-                <a:cs typeface="Calibri" panose="020F0502020204030204" pitchFamily="34" charset="0"/>
-              </a:rPr>
-              <a:t>The Medicare Spending Per Patient</a:t>
-            </a:r>
-          </a:p>
-          <a:p>
-            <a:pPr algn="ctr"/>
-            <a:r>
-              <a:rPr lang="en-US" sz="2000" dirty="0">
-                <a:latin typeface="Calibri" panose="020F0502020204030204" pitchFamily="34" charset="0"/>
-                <a:cs typeface="Calibri" panose="020F0502020204030204" pitchFamily="34" charset="0"/>
-              </a:rPr>
-              <a:t>Medicare spends more, less, or about the same for an episode of care?</a:t>
-            </a:r>
-          </a:p>
-        </p:txBody>
-      </p:sp>
-      <p:pic>
-        <p:nvPicPr>
-          <p:cNvPr id="1026" name="Picture 2">
-            <a:extLst>
-              <a:ext uri="{FF2B5EF4-FFF2-40B4-BE49-F238E27FC236}">
-                <a16:creationId xmlns:a16="http://schemas.microsoft.com/office/drawing/2014/main" id="{77A96258-5A62-408F-AF07-F1075254987A}"/>
-              </a:ext>
-            </a:extLst>
-          </p:cNvPr>
-          <p:cNvPicPr>
-            <a:picLocks noChangeAspect="1" noChangeArrowheads="1"/>
-          </p:cNvPicPr>
-          <p:nvPr/>
-        </p:nvPicPr>
-        <p:blipFill>
-          <a:blip r:embed="rId2">
-            <a:extLst>
-              <a:ext uri="{28A0092B-C50C-407E-A947-70E740481C1C}">
-                <a14:useLocalDpi xmlns:a14="http://schemas.microsoft.com/office/drawing/2010/main" val="0"/>
-              </a:ext>
-            </a:extLst>
-          </a:blip>
-          <a:srcRect/>
-          <a:stretch>
-            <a:fillRect/>
-          </a:stretch>
-        </p:blipFill>
-        <p:spPr bwMode="auto">
-          <a:xfrm>
-            <a:off x="1882140" y="2229353"/>
-            <a:ext cx="6305550" cy="4445767"/>
-          </a:xfrm>
-          <a:prstGeom prst="rect">
-            <a:avLst/>
-          </a:prstGeom>
-          <a:noFill/>
-          <a:extLst>
-            <a:ext uri="{909E8E84-426E-40DD-AFC4-6F175D3DCCD1}">
-              <a14:hiddenFill xmlns:a14="http://schemas.microsoft.com/office/drawing/2010/main">
-                <a:solidFill>
-                  <a:srgbClr val="FFFFFF"/>
-                </a:solidFill>
-              </a14:hiddenFill>
-            </a:ext>
-          </a:extLst>
-        </p:spPr>
-      </p:pic>
-      <p:sp>
-        <p:nvSpPr>
-          <p:cNvPr id="7" name="Content Placeholder 2">
-            <a:extLst>
-              <a:ext uri="{FF2B5EF4-FFF2-40B4-BE49-F238E27FC236}">
-                <a16:creationId xmlns:a16="http://schemas.microsoft.com/office/drawing/2014/main" id="{8D12E0A2-1D9E-4CC8-8E87-26DF6979AD4B}"/>
-              </a:ext>
-            </a:extLst>
-          </p:cNvPr>
-          <p:cNvSpPr txBox="1">
-            <a:spLocks/>
-          </p:cNvSpPr>
-          <p:nvPr/>
-        </p:nvSpPr>
-        <p:spPr>
-          <a:xfrm>
-            <a:off x="2504676" y="1100293"/>
-            <a:ext cx="5562600" cy="707886"/>
-          </a:xfrm>
-          <a:prstGeom prst="rect">
-            <a:avLst/>
-          </a:prstGeom>
-        </p:spPr>
-        <p:txBody>
-          <a:bodyPr vert="horz" lIns="91440" tIns="45720" rIns="91440" bIns="45720" rtlCol="0">
-            <a:normAutofit fontScale="25000" lnSpcReduction="20000"/>
-          </a:bodyPr>
-          <a:lstStyle>
-            <a:lvl1pPr marL="342900" indent="-342900" algn="l" defTabSz="457200" rtl="0" eaLnBrk="1" latinLnBrk="0" hangingPunct="1">
-              <a:spcBef>
-                <a:spcPts val="1000"/>
-              </a:spcBef>
-              <a:spcAft>
-                <a:spcPts val="0"/>
-              </a:spcAft>
-              <a:buClr>
-                <a:schemeClr val="accent1"/>
-              </a:buClr>
-              <a:buSzPct val="80000"/>
-              <a:buFont typeface="Wingdings 3" charset="2"/>
-              <a:buChar char=""/>
-              <a:defRPr sz="1800" kern="1200">
-                <a:solidFill>
-                  <a:schemeClr val="tx1">
-                    <a:lumMod val="75000"/>
-                    <a:lumOff val="25000"/>
-                  </a:schemeClr>
-                </a:solidFill>
-                <a:latin typeface="+mn-lt"/>
-                <a:ea typeface="+mn-ea"/>
-                <a:cs typeface="+mn-cs"/>
-              </a:defRPr>
-            </a:lvl1pPr>
-            <a:lvl2pPr marL="742950" indent="-285750" algn="l" defTabSz="457200" rtl="0" eaLnBrk="1" latinLnBrk="0" hangingPunct="1">
-              <a:spcBef>
-                <a:spcPts val="1000"/>
-              </a:spcBef>
-              <a:spcAft>
-                <a:spcPts val="0"/>
-              </a:spcAft>
-              <a:buClr>
-                <a:schemeClr val="accent1"/>
-              </a:buClr>
-              <a:buSzPct val="80000"/>
-              <a:buFont typeface="Wingdings 3" charset="2"/>
-              <a:buChar char=""/>
-              <a:defRPr sz="1600" kern="1200">
-                <a:solidFill>
-                  <a:schemeClr val="tx1">
-                    <a:lumMod val="75000"/>
-                    <a:lumOff val="25000"/>
-                  </a:schemeClr>
-                </a:solidFill>
-                <a:latin typeface="+mn-lt"/>
-                <a:ea typeface="+mn-ea"/>
-                <a:cs typeface="+mn-cs"/>
-              </a:defRPr>
-            </a:lvl2pPr>
-            <a:lvl3pPr marL="1143000" indent="-228600" algn="l" defTabSz="457200" rtl="0" eaLnBrk="1" latinLnBrk="0" hangingPunct="1">
-              <a:spcBef>
-                <a:spcPts val="1000"/>
-              </a:spcBef>
-              <a:spcAft>
-                <a:spcPts val="0"/>
-              </a:spcAft>
-              <a:buClr>
-                <a:schemeClr val="accent1"/>
-              </a:buClr>
-              <a:buSzPct val="80000"/>
-              <a:buFont typeface="Wingdings 3" charset="2"/>
-              <a:buChar char=""/>
-              <a:defRPr sz="1400" kern="1200">
-                <a:solidFill>
-                  <a:schemeClr val="tx1">
-                    <a:lumMod val="75000"/>
-                    <a:lumOff val="25000"/>
-                  </a:schemeClr>
-                </a:solidFill>
-                <a:latin typeface="+mn-lt"/>
-                <a:ea typeface="+mn-ea"/>
-                <a:cs typeface="+mn-cs"/>
-              </a:defRPr>
-            </a:lvl3pPr>
-            <a:lvl4pPr marL="1600200" indent="-228600" algn="l" defTabSz="457200" rtl="0" eaLnBrk="1" latinLnBrk="0" hangingPunct="1">
-              <a:spcBef>
-                <a:spcPts val="1000"/>
-              </a:spcBef>
-              <a:spcAft>
-                <a:spcPts val="0"/>
-              </a:spcAft>
-              <a:buClr>
-                <a:schemeClr val="accent1"/>
-              </a:buClr>
-              <a:buSzPct val="80000"/>
-              <a:buFont typeface="Wingdings 3" charset="2"/>
-              <a:buChar char=""/>
-              <a:defRPr sz="1200" kern="1200">
-                <a:solidFill>
-                  <a:schemeClr val="tx1">
-                    <a:lumMod val="75000"/>
-                    <a:lumOff val="25000"/>
-                  </a:schemeClr>
-                </a:solidFill>
-                <a:latin typeface="+mn-lt"/>
-                <a:ea typeface="+mn-ea"/>
-                <a:cs typeface="+mn-cs"/>
-              </a:defRPr>
-            </a:lvl4pPr>
-            <a:lvl5pPr marL="2057400" indent="-228600" algn="l" defTabSz="457200" rtl="0" eaLnBrk="1" latinLnBrk="0" hangingPunct="1">
-              <a:spcBef>
-                <a:spcPts val="1000"/>
-              </a:spcBef>
-              <a:spcAft>
-                <a:spcPts val="0"/>
-              </a:spcAft>
-              <a:buClr>
-                <a:schemeClr val="accent1"/>
-              </a:buClr>
-              <a:buSzPct val="80000"/>
-              <a:buFont typeface="Wingdings 3" charset="2"/>
-              <a:buChar char=""/>
-              <a:defRPr sz="1200" kern="1200">
-                <a:solidFill>
-                  <a:schemeClr val="tx1">
-                    <a:lumMod val="75000"/>
-                    <a:lumOff val="25000"/>
-                  </a:schemeClr>
-                </a:solidFill>
-                <a:latin typeface="+mn-lt"/>
-                <a:ea typeface="+mn-ea"/>
-                <a:cs typeface="+mn-cs"/>
-              </a:defRPr>
-            </a:lvl5pPr>
-            <a:lvl6pPr marL="2514600" indent="-228600" algn="l" defTabSz="457200" rtl="0" eaLnBrk="1" latinLnBrk="0" hangingPunct="1">
-              <a:spcBef>
-                <a:spcPts val="1000"/>
-              </a:spcBef>
-              <a:spcAft>
-                <a:spcPts val="0"/>
-              </a:spcAft>
-              <a:buClr>
-                <a:schemeClr val="accent1"/>
-              </a:buClr>
-              <a:buSzPct val="80000"/>
-              <a:buFont typeface="Wingdings 3" charset="2"/>
-              <a:buChar char=""/>
-              <a:defRPr sz="1200" kern="1200">
-                <a:solidFill>
-                  <a:schemeClr val="tx1">
-                    <a:lumMod val="75000"/>
-                    <a:lumOff val="25000"/>
-                  </a:schemeClr>
-                </a:solidFill>
-                <a:latin typeface="+mn-lt"/>
-                <a:ea typeface="+mn-ea"/>
-                <a:cs typeface="+mn-cs"/>
-              </a:defRPr>
-            </a:lvl6pPr>
-            <a:lvl7pPr marL="2971800" indent="-228600" algn="l" defTabSz="457200" rtl="0" eaLnBrk="1" latinLnBrk="0" hangingPunct="1">
-              <a:spcBef>
-                <a:spcPts val="1000"/>
-              </a:spcBef>
-              <a:spcAft>
-                <a:spcPts val="0"/>
-              </a:spcAft>
-              <a:buClr>
-                <a:schemeClr val="accent1"/>
-              </a:buClr>
-              <a:buSzPct val="80000"/>
-              <a:buFont typeface="Wingdings 3" charset="2"/>
-              <a:buChar char=""/>
-              <a:defRPr sz="1200" kern="1200">
-                <a:solidFill>
-                  <a:schemeClr val="tx1">
-                    <a:lumMod val="75000"/>
-                    <a:lumOff val="25000"/>
-                  </a:schemeClr>
-                </a:solidFill>
-                <a:latin typeface="+mn-lt"/>
-                <a:ea typeface="+mn-ea"/>
-                <a:cs typeface="+mn-cs"/>
-              </a:defRPr>
-            </a:lvl7pPr>
-            <a:lvl8pPr marL="3429000" indent="-228600" algn="l" defTabSz="457200" rtl="0" eaLnBrk="1" latinLnBrk="0" hangingPunct="1">
-              <a:spcBef>
-                <a:spcPts val="1000"/>
-              </a:spcBef>
-              <a:spcAft>
-                <a:spcPts val="0"/>
-              </a:spcAft>
-              <a:buClr>
-                <a:schemeClr val="accent1"/>
-              </a:buClr>
-              <a:buSzPct val="80000"/>
-              <a:buFont typeface="Wingdings 3" charset="2"/>
-              <a:buChar char=""/>
-              <a:defRPr sz="1200" kern="1200">
-                <a:solidFill>
-                  <a:schemeClr val="tx1">
-                    <a:lumMod val="75000"/>
-                    <a:lumOff val="25000"/>
-                  </a:schemeClr>
-                </a:solidFill>
-                <a:latin typeface="+mn-lt"/>
-                <a:ea typeface="+mn-ea"/>
-                <a:cs typeface="+mn-cs"/>
-              </a:defRPr>
-            </a:lvl8pPr>
-            <a:lvl9pPr marL="3886200" indent="-228600" algn="l" defTabSz="457200" rtl="0" eaLnBrk="1" latinLnBrk="0" hangingPunct="1">
-              <a:spcBef>
-                <a:spcPts val="1000"/>
-              </a:spcBef>
-              <a:spcAft>
-                <a:spcPts val="0"/>
-              </a:spcAft>
-              <a:buClr>
-                <a:schemeClr val="accent1"/>
-              </a:buClr>
-              <a:buSzPct val="80000"/>
-              <a:buFont typeface="Wingdings 3" charset="2"/>
-              <a:buChar char=""/>
-              <a:defRPr sz="1200" kern="1200">
-                <a:solidFill>
-                  <a:schemeClr val="tx1">
-                    <a:lumMod val="75000"/>
-                    <a:lumOff val="25000"/>
-                  </a:schemeClr>
-                </a:solidFill>
-                <a:latin typeface="+mn-lt"/>
-                <a:ea typeface="+mn-ea"/>
-                <a:cs typeface="+mn-cs"/>
-              </a:defRPr>
-            </a:lvl9pPr>
-          </a:lstStyle>
-          <a:p>
-            <a:r>
-              <a:rPr lang="en-US" sz="8000" dirty="0"/>
-              <a:t>Based on the average score per county:</a:t>
-            </a:r>
-          </a:p>
-          <a:p>
-            <a:pPr lvl="1"/>
-            <a:r>
-              <a:rPr lang="en-US" sz="8000" dirty="0"/>
-              <a:t>Johnson County spends more</a:t>
-            </a:r>
-          </a:p>
-          <a:p>
-            <a:pPr marL="0" indent="0">
-              <a:buNone/>
-            </a:pPr>
-            <a:r>
-              <a:rPr lang="en-US" dirty="0"/>
-              <a:t>	</a:t>
-            </a:r>
-            <a:endParaRPr lang="en-US" sz="6400" dirty="0"/>
-          </a:p>
-          <a:p>
-            <a:pPr marL="0" indent="0">
-              <a:buNone/>
-            </a:pPr>
-            <a:endParaRPr lang="en-US" sz="9600" dirty="0"/>
-          </a:p>
-        </p:txBody>
-      </p:sp>
-    </p:spTree>
-    <p:extLst>
-      <p:ext uri="{BB962C8B-B14F-4D97-AF65-F5344CB8AC3E}">
-        <p14:creationId xmlns:p14="http://schemas.microsoft.com/office/powerpoint/2010/main" val="2635635244"/>
       </p:ext>
     </p:extLst>
   </p:cSld>

--- a/SnakeBitePresentation_cfoEdits2.pptx
+++ b/SnakeBitePresentation_cfoEdits2.pptx
@@ -13,12 +13,12 @@
     <p:sldId id="271" r:id="rId7"/>
     <p:sldId id="269" r:id="rId8"/>
     <p:sldId id="258" r:id="rId9"/>
-    <p:sldId id="259" r:id="rId10"/>
-    <p:sldId id="260" r:id="rId11"/>
-    <p:sldId id="270" r:id="rId12"/>
-    <p:sldId id="261" r:id="rId13"/>
-    <p:sldId id="262" r:id="rId14"/>
-    <p:sldId id="264" r:id="rId15"/>
+    <p:sldId id="260" r:id="rId10"/>
+    <p:sldId id="270" r:id="rId11"/>
+    <p:sldId id="261" r:id="rId12"/>
+    <p:sldId id="262" r:id="rId13"/>
+    <p:sldId id="264" r:id="rId14"/>
+    <p:sldId id="259" r:id="rId15"/>
   </p:sldIdLst>
   <p:sldSz cx="12192000" cy="6858000"/>
   <p:notesSz cx="6858000" cy="9144000"/>
@@ -6178,416 +6178,6 @@
       </p:grpSpPr>
       <p:sp>
         <p:nvSpPr>
-          <p:cNvPr id="4" name="Rectangle 3">
-            <a:extLst>
-              <a:ext uri="{FF2B5EF4-FFF2-40B4-BE49-F238E27FC236}">
-                <a16:creationId xmlns:a16="http://schemas.microsoft.com/office/drawing/2014/main" id="{C960193E-A476-4B10-95BA-6A9C22CB696A}"/>
-              </a:ext>
-            </a:extLst>
-          </p:cNvPr>
-          <p:cNvSpPr/>
-          <p:nvPr/>
-        </p:nvSpPr>
-        <p:spPr>
-          <a:xfrm>
-            <a:off x="720090" y="182880"/>
-            <a:ext cx="8835390" cy="707886"/>
-          </a:xfrm>
-          <a:prstGeom prst="rect">
-            <a:avLst/>
-          </a:prstGeom>
-        </p:spPr>
-        <p:txBody>
-          <a:bodyPr wrap="square">
-            <a:spAutoFit/>
-          </a:bodyPr>
-          <a:lstStyle/>
-          <a:p>
-            <a:pPr algn="ctr"/>
-            <a:r>
-              <a:rPr lang="en-US" sz="2000" b="1" dirty="0">
-                <a:latin typeface="Calibri" panose="020F0502020204030204" pitchFamily="34" charset="0"/>
-                <a:cs typeface="Calibri" panose="020F0502020204030204" pitchFamily="34" charset="0"/>
-              </a:rPr>
-              <a:t>The Medicare Spending Per Patient</a:t>
-            </a:r>
-          </a:p>
-          <a:p>
-            <a:pPr algn="ctr"/>
-            <a:r>
-              <a:rPr lang="en-US" sz="2000" dirty="0">
-                <a:latin typeface="Calibri" panose="020F0502020204030204" pitchFamily="34" charset="0"/>
-                <a:cs typeface="Calibri" panose="020F0502020204030204" pitchFamily="34" charset="0"/>
-              </a:rPr>
-              <a:t>Medicare spends more, less, or about the same for an episode of care?</a:t>
-            </a:r>
-          </a:p>
-        </p:txBody>
-      </p:sp>
-      <p:pic>
-        <p:nvPicPr>
-          <p:cNvPr id="1026" name="Picture 2">
-            <a:extLst>
-              <a:ext uri="{FF2B5EF4-FFF2-40B4-BE49-F238E27FC236}">
-                <a16:creationId xmlns:a16="http://schemas.microsoft.com/office/drawing/2014/main" id="{77A96258-5A62-408F-AF07-F1075254987A}"/>
-              </a:ext>
-            </a:extLst>
-          </p:cNvPr>
-          <p:cNvPicPr>
-            <a:picLocks noChangeAspect="1" noChangeArrowheads="1"/>
-          </p:cNvPicPr>
-          <p:nvPr/>
-        </p:nvPicPr>
-        <p:blipFill>
-          <a:blip r:embed="rId2">
-            <a:extLst>
-              <a:ext uri="{28A0092B-C50C-407E-A947-70E740481C1C}">
-                <a14:useLocalDpi xmlns:a14="http://schemas.microsoft.com/office/drawing/2010/main" val="0"/>
-              </a:ext>
-            </a:extLst>
-          </a:blip>
-          <a:srcRect/>
-          <a:stretch>
-            <a:fillRect/>
-          </a:stretch>
-        </p:blipFill>
-        <p:spPr bwMode="auto">
-          <a:xfrm>
-            <a:off x="1882140" y="2229353"/>
-            <a:ext cx="6305550" cy="4445767"/>
-          </a:xfrm>
-          <a:prstGeom prst="rect">
-            <a:avLst/>
-          </a:prstGeom>
-          <a:noFill/>
-          <a:extLst>
-            <a:ext uri="{909E8E84-426E-40DD-AFC4-6F175D3DCCD1}">
-              <a14:hiddenFill xmlns:a14="http://schemas.microsoft.com/office/drawing/2010/main">
-                <a:solidFill>
-                  <a:srgbClr val="FFFFFF"/>
-                </a:solidFill>
-              </a14:hiddenFill>
-            </a:ext>
-          </a:extLst>
-        </p:spPr>
-      </p:pic>
-      <p:sp>
-        <p:nvSpPr>
-          <p:cNvPr id="7" name="Content Placeholder 2">
-            <a:extLst>
-              <a:ext uri="{FF2B5EF4-FFF2-40B4-BE49-F238E27FC236}">
-                <a16:creationId xmlns:a16="http://schemas.microsoft.com/office/drawing/2014/main" id="{8D12E0A2-1D9E-4CC8-8E87-26DF6979AD4B}"/>
-              </a:ext>
-            </a:extLst>
-          </p:cNvPr>
-          <p:cNvSpPr txBox="1">
-            <a:spLocks/>
-          </p:cNvSpPr>
-          <p:nvPr/>
-        </p:nvSpPr>
-        <p:spPr>
-          <a:xfrm>
-            <a:off x="2504676" y="1100293"/>
-            <a:ext cx="5562600" cy="707886"/>
-          </a:xfrm>
-          <a:prstGeom prst="rect">
-            <a:avLst/>
-          </a:prstGeom>
-        </p:spPr>
-        <p:txBody>
-          <a:bodyPr vert="horz" lIns="91440" tIns="45720" rIns="91440" bIns="45720" rtlCol="0">
-            <a:normAutofit fontScale="25000" lnSpcReduction="20000"/>
-          </a:bodyPr>
-          <a:lstStyle>
-            <a:lvl1pPr marL="342900" indent="-342900" algn="l" defTabSz="457200" rtl="0" eaLnBrk="1" latinLnBrk="0" hangingPunct="1">
-              <a:spcBef>
-                <a:spcPts val="1000"/>
-              </a:spcBef>
-              <a:spcAft>
-                <a:spcPts val="0"/>
-              </a:spcAft>
-              <a:buClr>
-                <a:schemeClr val="accent1"/>
-              </a:buClr>
-              <a:buSzPct val="80000"/>
-              <a:buFont typeface="Wingdings 3" charset="2"/>
-              <a:buChar char=""/>
-              <a:defRPr sz="1800" kern="1200">
-                <a:solidFill>
-                  <a:schemeClr val="tx1">
-                    <a:lumMod val="75000"/>
-                    <a:lumOff val="25000"/>
-                  </a:schemeClr>
-                </a:solidFill>
-                <a:latin typeface="+mn-lt"/>
-                <a:ea typeface="+mn-ea"/>
-                <a:cs typeface="+mn-cs"/>
-              </a:defRPr>
-            </a:lvl1pPr>
-            <a:lvl2pPr marL="742950" indent="-285750" algn="l" defTabSz="457200" rtl="0" eaLnBrk="1" latinLnBrk="0" hangingPunct="1">
-              <a:spcBef>
-                <a:spcPts val="1000"/>
-              </a:spcBef>
-              <a:spcAft>
-                <a:spcPts val="0"/>
-              </a:spcAft>
-              <a:buClr>
-                <a:schemeClr val="accent1"/>
-              </a:buClr>
-              <a:buSzPct val="80000"/>
-              <a:buFont typeface="Wingdings 3" charset="2"/>
-              <a:buChar char=""/>
-              <a:defRPr sz="1600" kern="1200">
-                <a:solidFill>
-                  <a:schemeClr val="tx1">
-                    <a:lumMod val="75000"/>
-                    <a:lumOff val="25000"/>
-                  </a:schemeClr>
-                </a:solidFill>
-                <a:latin typeface="+mn-lt"/>
-                <a:ea typeface="+mn-ea"/>
-                <a:cs typeface="+mn-cs"/>
-              </a:defRPr>
-            </a:lvl2pPr>
-            <a:lvl3pPr marL="1143000" indent="-228600" algn="l" defTabSz="457200" rtl="0" eaLnBrk="1" latinLnBrk="0" hangingPunct="1">
-              <a:spcBef>
-                <a:spcPts val="1000"/>
-              </a:spcBef>
-              <a:spcAft>
-                <a:spcPts val="0"/>
-              </a:spcAft>
-              <a:buClr>
-                <a:schemeClr val="accent1"/>
-              </a:buClr>
-              <a:buSzPct val="80000"/>
-              <a:buFont typeface="Wingdings 3" charset="2"/>
-              <a:buChar char=""/>
-              <a:defRPr sz="1400" kern="1200">
-                <a:solidFill>
-                  <a:schemeClr val="tx1">
-                    <a:lumMod val="75000"/>
-                    <a:lumOff val="25000"/>
-                  </a:schemeClr>
-                </a:solidFill>
-                <a:latin typeface="+mn-lt"/>
-                <a:ea typeface="+mn-ea"/>
-                <a:cs typeface="+mn-cs"/>
-              </a:defRPr>
-            </a:lvl3pPr>
-            <a:lvl4pPr marL="1600200" indent="-228600" algn="l" defTabSz="457200" rtl="0" eaLnBrk="1" latinLnBrk="0" hangingPunct="1">
-              <a:spcBef>
-                <a:spcPts val="1000"/>
-              </a:spcBef>
-              <a:spcAft>
-                <a:spcPts val="0"/>
-              </a:spcAft>
-              <a:buClr>
-                <a:schemeClr val="accent1"/>
-              </a:buClr>
-              <a:buSzPct val="80000"/>
-              <a:buFont typeface="Wingdings 3" charset="2"/>
-              <a:buChar char=""/>
-              <a:defRPr sz="1200" kern="1200">
-                <a:solidFill>
-                  <a:schemeClr val="tx1">
-                    <a:lumMod val="75000"/>
-                    <a:lumOff val="25000"/>
-                  </a:schemeClr>
-                </a:solidFill>
-                <a:latin typeface="+mn-lt"/>
-                <a:ea typeface="+mn-ea"/>
-                <a:cs typeface="+mn-cs"/>
-              </a:defRPr>
-            </a:lvl4pPr>
-            <a:lvl5pPr marL="2057400" indent="-228600" algn="l" defTabSz="457200" rtl="0" eaLnBrk="1" latinLnBrk="0" hangingPunct="1">
-              <a:spcBef>
-                <a:spcPts val="1000"/>
-              </a:spcBef>
-              <a:spcAft>
-                <a:spcPts val="0"/>
-              </a:spcAft>
-              <a:buClr>
-                <a:schemeClr val="accent1"/>
-              </a:buClr>
-              <a:buSzPct val="80000"/>
-              <a:buFont typeface="Wingdings 3" charset="2"/>
-              <a:buChar char=""/>
-              <a:defRPr sz="1200" kern="1200">
-                <a:solidFill>
-                  <a:schemeClr val="tx1">
-                    <a:lumMod val="75000"/>
-                    <a:lumOff val="25000"/>
-                  </a:schemeClr>
-                </a:solidFill>
-                <a:latin typeface="+mn-lt"/>
-                <a:ea typeface="+mn-ea"/>
-                <a:cs typeface="+mn-cs"/>
-              </a:defRPr>
-            </a:lvl5pPr>
-            <a:lvl6pPr marL="2514600" indent="-228600" algn="l" defTabSz="457200" rtl="0" eaLnBrk="1" latinLnBrk="0" hangingPunct="1">
-              <a:spcBef>
-                <a:spcPts val="1000"/>
-              </a:spcBef>
-              <a:spcAft>
-                <a:spcPts val="0"/>
-              </a:spcAft>
-              <a:buClr>
-                <a:schemeClr val="accent1"/>
-              </a:buClr>
-              <a:buSzPct val="80000"/>
-              <a:buFont typeface="Wingdings 3" charset="2"/>
-              <a:buChar char=""/>
-              <a:defRPr sz="1200" kern="1200">
-                <a:solidFill>
-                  <a:schemeClr val="tx1">
-                    <a:lumMod val="75000"/>
-                    <a:lumOff val="25000"/>
-                  </a:schemeClr>
-                </a:solidFill>
-                <a:latin typeface="+mn-lt"/>
-                <a:ea typeface="+mn-ea"/>
-                <a:cs typeface="+mn-cs"/>
-              </a:defRPr>
-            </a:lvl6pPr>
-            <a:lvl7pPr marL="2971800" indent="-228600" algn="l" defTabSz="457200" rtl="0" eaLnBrk="1" latinLnBrk="0" hangingPunct="1">
-              <a:spcBef>
-                <a:spcPts val="1000"/>
-              </a:spcBef>
-              <a:spcAft>
-                <a:spcPts val="0"/>
-              </a:spcAft>
-              <a:buClr>
-                <a:schemeClr val="accent1"/>
-              </a:buClr>
-              <a:buSzPct val="80000"/>
-              <a:buFont typeface="Wingdings 3" charset="2"/>
-              <a:buChar char=""/>
-              <a:defRPr sz="1200" kern="1200">
-                <a:solidFill>
-                  <a:schemeClr val="tx1">
-                    <a:lumMod val="75000"/>
-                    <a:lumOff val="25000"/>
-                  </a:schemeClr>
-                </a:solidFill>
-                <a:latin typeface="+mn-lt"/>
-                <a:ea typeface="+mn-ea"/>
-                <a:cs typeface="+mn-cs"/>
-              </a:defRPr>
-            </a:lvl7pPr>
-            <a:lvl8pPr marL="3429000" indent="-228600" algn="l" defTabSz="457200" rtl="0" eaLnBrk="1" latinLnBrk="0" hangingPunct="1">
-              <a:spcBef>
-                <a:spcPts val="1000"/>
-              </a:spcBef>
-              <a:spcAft>
-                <a:spcPts val="0"/>
-              </a:spcAft>
-              <a:buClr>
-                <a:schemeClr val="accent1"/>
-              </a:buClr>
-              <a:buSzPct val="80000"/>
-              <a:buFont typeface="Wingdings 3" charset="2"/>
-              <a:buChar char=""/>
-              <a:defRPr sz="1200" kern="1200">
-                <a:solidFill>
-                  <a:schemeClr val="tx1">
-                    <a:lumMod val="75000"/>
-                    <a:lumOff val="25000"/>
-                  </a:schemeClr>
-                </a:solidFill>
-                <a:latin typeface="+mn-lt"/>
-                <a:ea typeface="+mn-ea"/>
-                <a:cs typeface="+mn-cs"/>
-              </a:defRPr>
-            </a:lvl8pPr>
-            <a:lvl9pPr marL="3886200" indent="-228600" algn="l" defTabSz="457200" rtl="0" eaLnBrk="1" latinLnBrk="0" hangingPunct="1">
-              <a:spcBef>
-                <a:spcPts val="1000"/>
-              </a:spcBef>
-              <a:spcAft>
-                <a:spcPts val="0"/>
-              </a:spcAft>
-              <a:buClr>
-                <a:schemeClr val="accent1"/>
-              </a:buClr>
-              <a:buSzPct val="80000"/>
-              <a:buFont typeface="Wingdings 3" charset="2"/>
-              <a:buChar char=""/>
-              <a:defRPr sz="1200" kern="1200">
-                <a:solidFill>
-                  <a:schemeClr val="tx1">
-                    <a:lumMod val="75000"/>
-                    <a:lumOff val="25000"/>
-                  </a:schemeClr>
-                </a:solidFill>
-                <a:latin typeface="+mn-lt"/>
-                <a:ea typeface="+mn-ea"/>
-                <a:cs typeface="+mn-cs"/>
-              </a:defRPr>
-            </a:lvl9pPr>
-          </a:lstStyle>
-          <a:p>
-            <a:r>
-              <a:rPr lang="en-US" sz="8000" dirty="0"/>
-              <a:t>Based on the average score per county:</a:t>
-            </a:r>
-          </a:p>
-          <a:p>
-            <a:pPr lvl="1"/>
-            <a:r>
-              <a:rPr lang="en-US" sz="8000" dirty="0"/>
-              <a:t>Johnson County spends more</a:t>
-            </a:r>
-          </a:p>
-          <a:p>
-            <a:pPr marL="0" indent="0">
-              <a:buNone/>
-            </a:pPr>
-            <a:r>
-              <a:rPr lang="en-US" dirty="0"/>
-              <a:t>	</a:t>
-            </a:r>
-            <a:endParaRPr lang="en-US" sz="6400" dirty="0"/>
-          </a:p>
-          <a:p>
-            <a:pPr marL="0" indent="0">
-              <a:buNone/>
-            </a:pPr>
-            <a:endParaRPr lang="en-US" sz="9600" dirty="0"/>
-          </a:p>
-        </p:txBody>
-      </p:sp>
-    </p:spTree>
-    <p:extLst>
-      <p:ext uri="{BB962C8B-B14F-4D97-AF65-F5344CB8AC3E}">
-        <p14:creationId xmlns:p14="http://schemas.microsoft.com/office/powerpoint/2010/main" val="2635635244"/>
-      </p:ext>
-    </p:extLst>
-  </p:cSld>
-  <p:clrMapOvr>
-    <a:masterClrMapping/>
-  </p:clrMapOvr>
-</p:sld>
-</file>
-
-<file path=ppt/slides/slide11.xml><?xml version="1.0" encoding="utf-8"?>
-<p:sld xmlns:a="http://schemas.openxmlformats.org/drawingml/2006/main" xmlns:r="http://schemas.openxmlformats.org/officeDocument/2006/relationships" xmlns:p="http://schemas.openxmlformats.org/presentationml/2006/main">
-  <p:cSld>
-    <p:spTree>
-      <p:nvGrpSpPr>
-        <p:cNvPr id="1" name=""/>
-        <p:cNvGrpSpPr/>
-        <p:nvPr/>
-      </p:nvGrpSpPr>
-      <p:grpSpPr>
-        <a:xfrm>
-          <a:off x="0" y="0"/>
-          <a:ext cx="0" cy="0"/>
-          <a:chOff x="0" y="0"/>
-          <a:chExt cx="0" cy="0"/>
-        </a:xfrm>
-      </p:grpSpPr>
-      <p:sp>
-        <p:nvSpPr>
           <p:cNvPr id="2" name="Title 1">
             <a:extLst>
               <a:ext uri="{FF2B5EF4-FFF2-40B4-BE49-F238E27FC236}">
@@ -6682,7 +6272,7 @@
 </p:sld>
 </file>
 
-<file path=ppt/slides/slide12.xml><?xml version="1.0" encoding="utf-8"?>
+<file path=ppt/slides/slide11.xml><?xml version="1.0" encoding="utf-8"?>
 <p:sld xmlns:a="http://schemas.openxmlformats.org/drawingml/2006/main" xmlns:r="http://schemas.openxmlformats.org/officeDocument/2006/relationships" xmlns:p="http://schemas.openxmlformats.org/presentationml/2006/main">
   <p:cSld>
     <p:spTree>
@@ -6787,8 +6377,8 @@
         </p:blipFill>
         <p:spPr>
           <a:xfrm>
-            <a:off x="2232194" y="2272090"/>
-            <a:ext cx="5487650" cy="3658433"/>
+            <a:off x="2079794" y="2227817"/>
+            <a:ext cx="6260642" cy="4173761"/>
           </a:xfrm>
         </p:spPr>
       </p:pic>
@@ -6805,7 +6395,7 @@
 </p:sld>
 </file>
 
-<file path=ppt/slides/slide13.xml><?xml version="1.0" encoding="utf-8"?>
+<file path=ppt/slides/slide12.xml><?xml version="1.0" encoding="utf-8"?>
 <p:sld xmlns:a="http://schemas.openxmlformats.org/drawingml/2006/main" xmlns:r="http://schemas.openxmlformats.org/officeDocument/2006/relationships" xmlns:p="http://schemas.openxmlformats.org/presentationml/2006/main">
   <p:cSld>
     <p:spTree>
@@ -6912,7 +6502,7 @@
 </p:sld>
 </file>
 
-<file path=ppt/slides/slide14.xml><?xml version="1.0" encoding="utf-8"?>
+<file path=ppt/slides/slide13.xml><?xml version="1.0" encoding="utf-8"?>
 <p:sld xmlns:a="http://schemas.openxmlformats.org/drawingml/2006/main" xmlns:r="http://schemas.openxmlformats.org/officeDocument/2006/relationships" xmlns:p="http://schemas.openxmlformats.org/presentationml/2006/main">
   <p:cSld>
     <p:spTree>
@@ -7049,6 +6639,124 @@
     <p:extLst>
       <p:ext uri="{BB962C8B-B14F-4D97-AF65-F5344CB8AC3E}">
         <p14:creationId xmlns:p14="http://schemas.microsoft.com/office/powerpoint/2010/main" val="1415604396"/>
+      </p:ext>
+    </p:extLst>
+  </p:cSld>
+  <p:clrMapOvr>
+    <a:masterClrMapping/>
+  </p:clrMapOvr>
+</p:sld>
+</file>
+
+<file path=ppt/slides/slide14.xml><?xml version="1.0" encoding="utf-8"?>
+<p:sld xmlns:a="http://schemas.openxmlformats.org/drawingml/2006/main" xmlns:r="http://schemas.openxmlformats.org/officeDocument/2006/relationships" xmlns:p="http://schemas.openxmlformats.org/presentationml/2006/main">
+  <p:cSld>
+    <p:spTree>
+      <p:nvGrpSpPr>
+        <p:cNvPr id="1" name=""/>
+        <p:cNvGrpSpPr/>
+        <p:nvPr/>
+      </p:nvGrpSpPr>
+      <p:grpSpPr>
+        <a:xfrm>
+          <a:off x="0" y="0"/>
+          <a:ext cx="0" cy="0"/>
+          <a:chOff x="0" y="0"/>
+          <a:chExt cx="0" cy="0"/>
+        </a:xfrm>
+      </p:grpSpPr>
+      <p:sp>
+        <p:nvSpPr>
+          <p:cNvPr id="2" name="Title 1">
+            <a:extLst>
+              <a:ext uri="{FF2B5EF4-FFF2-40B4-BE49-F238E27FC236}">
+                <a16:creationId xmlns:a16="http://schemas.microsoft.com/office/drawing/2014/main" id="{9E04E921-6E2A-471E-8FA1-A7C9E4246B39}"/>
+              </a:ext>
+            </a:extLst>
+          </p:cNvPr>
+          <p:cNvSpPr>
+            <a:spLocks noGrp="1"/>
+          </p:cNvSpPr>
+          <p:nvPr>
+            <p:ph type="title"/>
+          </p:nvPr>
+        </p:nvSpPr>
+        <p:spPr>
+          <a:xfrm>
+            <a:off x="838200" y="791254"/>
+            <a:ext cx="10515600" cy="1325563"/>
+          </a:xfrm>
+        </p:spPr>
+        <p:txBody>
+          <a:bodyPr>
+            <a:normAutofit fontScale="90000"/>
+          </a:bodyPr>
+          <a:lstStyle/>
+          <a:p>
+            <a:r>
+              <a:rPr lang="en-US" dirty="0">
+                <a:latin typeface="Calibri" panose="020F0502020204030204" pitchFamily="34" charset="0"/>
+                <a:cs typeface="Calibri" panose="020F0502020204030204" pitchFamily="34" charset="0"/>
+              </a:rPr>
+              <a:t>Question 2: </a:t>
+            </a:r>
+            <a:r>
+              <a:rPr lang="en-US" dirty="0">
+                <a:solidFill>
+                  <a:schemeClr val="tx1"/>
+                </a:solidFill>
+                <a:latin typeface="Calibri" panose="020F0502020204030204" pitchFamily="34" charset="0"/>
+                <a:cs typeface="Calibri" panose="020F0502020204030204" pitchFamily="34" charset="0"/>
+              </a:rPr>
+              <a:t>If hospitals within a county have consistent Medicare spending, then they should have Fewer readmissions.</a:t>
+            </a:r>
+            <a:br>
+              <a:rPr lang="en-US" dirty="0">
+                <a:latin typeface="Calibri" panose="020F0502020204030204" pitchFamily="34" charset="0"/>
+                <a:cs typeface="Calibri" panose="020F0502020204030204" pitchFamily="34" charset="0"/>
+              </a:rPr>
+            </a:br>
+            <a:endParaRPr lang="en-US" dirty="0">
+              <a:latin typeface="Calibri" panose="020F0502020204030204" pitchFamily="34" charset="0"/>
+              <a:cs typeface="Calibri" panose="020F0502020204030204" pitchFamily="34" charset="0"/>
+            </a:endParaRPr>
+          </a:p>
+        </p:txBody>
+      </p:sp>
+      <p:sp>
+        <p:nvSpPr>
+          <p:cNvPr id="3" name="Content Placeholder 2">
+            <a:extLst>
+              <a:ext uri="{FF2B5EF4-FFF2-40B4-BE49-F238E27FC236}">
+                <a16:creationId xmlns:a16="http://schemas.microsoft.com/office/drawing/2014/main" id="{1CF0FAC3-A729-405E-B050-AD598AE25214}"/>
+              </a:ext>
+            </a:extLst>
+          </p:cNvPr>
+          <p:cNvSpPr>
+            <a:spLocks noGrp="1"/>
+          </p:cNvSpPr>
+          <p:nvPr>
+            <p:ph idx="1"/>
+          </p:nvPr>
+        </p:nvSpPr>
+        <p:spPr>
+          <a:xfrm>
+            <a:off x="838200" y="2423603"/>
+            <a:ext cx="10515600" cy="3753359"/>
+          </a:xfrm>
+        </p:spPr>
+        <p:txBody>
+          <a:bodyPr/>
+          <a:lstStyle/>
+          <a:p>
+            <a:endParaRPr lang="en-US" dirty="0"/>
+          </a:p>
+        </p:txBody>
+      </p:sp>
+    </p:spTree>
+    <p:extLst>
+      <p:ext uri="{BB962C8B-B14F-4D97-AF65-F5344CB8AC3E}">
+        <p14:creationId xmlns:p14="http://schemas.microsoft.com/office/powerpoint/2010/main" val="524358472"/>
       </p:ext>
     </p:extLst>
   </p:cSld>
@@ -12761,96 +12469,388 @@
       </p:grpSpPr>
       <p:sp>
         <p:nvSpPr>
-          <p:cNvPr id="2" name="Title 1">
+          <p:cNvPr id="4" name="Rectangle 3">
             <a:extLst>
               <a:ext uri="{FF2B5EF4-FFF2-40B4-BE49-F238E27FC236}">
-                <a16:creationId xmlns:a16="http://schemas.microsoft.com/office/drawing/2014/main" id="{9E04E921-6E2A-471E-8FA1-A7C9E4246B39}"/>
+                <a16:creationId xmlns:a16="http://schemas.microsoft.com/office/drawing/2014/main" id="{C960193E-A476-4B10-95BA-6A9C22CB696A}"/>
               </a:ext>
             </a:extLst>
           </p:cNvPr>
-          <p:cNvSpPr>
-            <a:spLocks noGrp="1"/>
-          </p:cNvSpPr>
-          <p:nvPr>
-            <p:ph type="title"/>
-          </p:nvPr>
+          <p:cNvSpPr/>
+          <p:nvPr/>
         </p:nvSpPr>
         <p:spPr>
           <a:xfrm>
-            <a:off x="838200" y="791254"/>
-            <a:ext cx="10515600" cy="1325563"/>
+            <a:off x="720090" y="182880"/>
+            <a:ext cx="8835390" cy="707886"/>
           </a:xfrm>
+          <a:prstGeom prst="rect">
+            <a:avLst/>
+          </a:prstGeom>
         </p:spPr>
         <p:txBody>
-          <a:bodyPr>
-            <a:normAutofit fontScale="90000"/>
+          <a:bodyPr wrap="square">
+            <a:spAutoFit/>
           </a:bodyPr>
           <a:lstStyle/>
           <a:p>
-            <a:r>
-              <a:rPr lang="en-US" dirty="0">
+            <a:pPr algn="ctr"/>
+            <a:r>
+              <a:rPr lang="en-US" sz="2000" b="1" dirty="0">
                 <a:latin typeface="Calibri" panose="020F0502020204030204" pitchFamily="34" charset="0"/>
                 <a:cs typeface="Calibri" panose="020F0502020204030204" pitchFamily="34" charset="0"/>
               </a:rPr>
-              <a:t>Question 2: </a:t>
-            </a:r>
-            <a:r>
-              <a:rPr lang="en-US" dirty="0">
-                <a:solidFill>
-                  <a:schemeClr val="tx1"/>
-                </a:solidFill>
+              <a:t>The Medicare Spending Per Patient</a:t>
+            </a:r>
+          </a:p>
+          <a:p>
+            <a:pPr algn="ctr"/>
+            <a:r>
+              <a:rPr lang="en-US" sz="2000" dirty="0">
                 <a:latin typeface="Calibri" panose="020F0502020204030204" pitchFamily="34" charset="0"/>
                 <a:cs typeface="Calibri" panose="020F0502020204030204" pitchFamily="34" charset="0"/>
               </a:rPr>
-              <a:t>If hospitals within a county have consistent Medicare spending, then they should have Fewer readmissions.</a:t>
-            </a:r>
-            <a:br>
-              <a:rPr lang="en-US" dirty="0">
-                <a:latin typeface="Calibri" panose="020F0502020204030204" pitchFamily="34" charset="0"/>
-                <a:cs typeface="Calibri" panose="020F0502020204030204" pitchFamily="34" charset="0"/>
-              </a:rPr>
-            </a:br>
-            <a:endParaRPr lang="en-US" dirty="0">
-              <a:latin typeface="Calibri" panose="020F0502020204030204" pitchFamily="34" charset="0"/>
-              <a:cs typeface="Calibri" panose="020F0502020204030204" pitchFamily="34" charset="0"/>
-            </a:endParaRPr>
+              <a:t>Medicare spends more, less, or about the same for an episode of care?</a:t>
+            </a:r>
           </a:p>
         </p:txBody>
       </p:sp>
-      <p:sp>
-        <p:nvSpPr>
-          <p:cNvPr id="3" name="Content Placeholder 2">
+      <p:pic>
+        <p:nvPicPr>
+          <p:cNvPr id="1026" name="Picture 2">
             <a:extLst>
               <a:ext uri="{FF2B5EF4-FFF2-40B4-BE49-F238E27FC236}">
-                <a16:creationId xmlns:a16="http://schemas.microsoft.com/office/drawing/2014/main" id="{1CF0FAC3-A729-405E-B050-AD598AE25214}"/>
+                <a16:creationId xmlns:a16="http://schemas.microsoft.com/office/drawing/2014/main" id="{77A96258-5A62-408F-AF07-F1075254987A}"/>
               </a:ext>
             </a:extLst>
           </p:cNvPr>
-          <p:cNvSpPr>
-            <a:spLocks noGrp="1"/>
+          <p:cNvPicPr>
+            <a:picLocks noChangeAspect="1" noChangeArrowheads="1"/>
+          </p:cNvPicPr>
+          <p:nvPr/>
+        </p:nvPicPr>
+        <p:blipFill>
+          <a:blip r:embed="rId2">
+            <a:extLst>
+              <a:ext uri="{28A0092B-C50C-407E-A947-70E740481C1C}">
+                <a14:useLocalDpi xmlns:a14="http://schemas.microsoft.com/office/drawing/2010/main" val="0"/>
+              </a:ext>
+            </a:extLst>
+          </a:blip>
+          <a:srcRect/>
+          <a:stretch>
+            <a:fillRect/>
+          </a:stretch>
+        </p:blipFill>
+        <p:spPr bwMode="auto">
+          <a:xfrm>
+            <a:off x="1882140" y="2229353"/>
+            <a:ext cx="6305550" cy="4445767"/>
+          </a:xfrm>
+          <a:prstGeom prst="rect">
+            <a:avLst/>
+          </a:prstGeom>
+          <a:noFill/>
+          <a:extLst>
+            <a:ext uri="{909E8E84-426E-40DD-AFC4-6F175D3DCCD1}">
+              <a14:hiddenFill xmlns:a14="http://schemas.microsoft.com/office/drawing/2010/main">
+                <a:solidFill>
+                  <a:srgbClr val="FFFFFF"/>
+                </a:solidFill>
+              </a14:hiddenFill>
+            </a:ext>
+          </a:extLst>
+        </p:spPr>
+      </p:pic>
+      <p:sp>
+        <p:nvSpPr>
+          <p:cNvPr id="7" name="Content Placeholder 2">
+            <a:extLst>
+              <a:ext uri="{FF2B5EF4-FFF2-40B4-BE49-F238E27FC236}">
+                <a16:creationId xmlns:a16="http://schemas.microsoft.com/office/drawing/2014/main" id="{8D12E0A2-1D9E-4CC8-8E87-26DF6979AD4B}"/>
+              </a:ext>
+            </a:extLst>
+          </p:cNvPr>
+          <p:cNvSpPr txBox="1">
+            <a:spLocks/>
           </p:cNvSpPr>
-          <p:nvPr>
-            <p:ph idx="1"/>
-          </p:nvPr>
+          <p:nvPr/>
         </p:nvSpPr>
         <p:spPr>
           <a:xfrm>
-            <a:off x="838200" y="2423603"/>
-            <a:ext cx="10515600" cy="3753359"/>
+            <a:off x="2504676" y="1100293"/>
+            <a:ext cx="5562600" cy="707886"/>
           </a:xfrm>
+          <a:prstGeom prst="rect">
+            <a:avLst/>
+          </a:prstGeom>
         </p:spPr>
         <p:txBody>
-          <a:bodyPr/>
-          <a:lstStyle/>
-          <a:p>
-            <a:endParaRPr lang="en-US" dirty="0"/>
+          <a:bodyPr vert="horz" lIns="91440" tIns="45720" rIns="91440" bIns="45720" rtlCol="0">
+            <a:normAutofit fontScale="25000" lnSpcReduction="20000"/>
+          </a:bodyPr>
+          <a:lstStyle>
+            <a:lvl1pPr marL="342900" indent="-342900" algn="l" defTabSz="457200" rtl="0" eaLnBrk="1" latinLnBrk="0" hangingPunct="1">
+              <a:spcBef>
+                <a:spcPts val="1000"/>
+              </a:spcBef>
+              <a:spcAft>
+                <a:spcPts val="0"/>
+              </a:spcAft>
+              <a:buClr>
+                <a:schemeClr val="accent1"/>
+              </a:buClr>
+              <a:buSzPct val="80000"/>
+              <a:buFont typeface="Wingdings 3" charset="2"/>
+              <a:buChar char=""/>
+              <a:defRPr sz="1800" kern="1200">
+                <a:solidFill>
+                  <a:schemeClr val="tx1">
+                    <a:lumMod val="75000"/>
+                    <a:lumOff val="25000"/>
+                  </a:schemeClr>
+                </a:solidFill>
+                <a:latin typeface="+mn-lt"/>
+                <a:ea typeface="+mn-ea"/>
+                <a:cs typeface="+mn-cs"/>
+              </a:defRPr>
+            </a:lvl1pPr>
+            <a:lvl2pPr marL="742950" indent="-285750" algn="l" defTabSz="457200" rtl="0" eaLnBrk="1" latinLnBrk="0" hangingPunct="1">
+              <a:spcBef>
+                <a:spcPts val="1000"/>
+              </a:spcBef>
+              <a:spcAft>
+                <a:spcPts val="0"/>
+              </a:spcAft>
+              <a:buClr>
+                <a:schemeClr val="accent1"/>
+              </a:buClr>
+              <a:buSzPct val="80000"/>
+              <a:buFont typeface="Wingdings 3" charset="2"/>
+              <a:buChar char=""/>
+              <a:defRPr sz="1600" kern="1200">
+                <a:solidFill>
+                  <a:schemeClr val="tx1">
+                    <a:lumMod val="75000"/>
+                    <a:lumOff val="25000"/>
+                  </a:schemeClr>
+                </a:solidFill>
+                <a:latin typeface="+mn-lt"/>
+                <a:ea typeface="+mn-ea"/>
+                <a:cs typeface="+mn-cs"/>
+              </a:defRPr>
+            </a:lvl2pPr>
+            <a:lvl3pPr marL="1143000" indent="-228600" algn="l" defTabSz="457200" rtl="0" eaLnBrk="1" latinLnBrk="0" hangingPunct="1">
+              <a:spcBef>
+                <a:spcPts val="1000"/>
+              </a:spcBef>
+              <a:spcAft>
+                <a:spcPts val="0"/>
+              </a:spcAft>
+              <a:buClr>
+                <a:schemeClr val="accent1"/>
+              </a:buClr>
+              <a:buSzPct val="80000"/>
+              <a:buFont typeface="Wingdings 3" charset="2"/>
+              <a:buChar char=""/>
+              <a:defRPr sz="1400" kern="1200">
+                <a:solidFill>
+                  <a:schemeClr val="tx1">
+                    <a:lumMod val="75000"/>
+                    <a:lumOff val="25000"/>
+                  </a:schemeClr>
+                </a:solidFill>
+                <a:latin typeface="+mn-lt"/>
+                <a:ea typeface="+mn-ea"/>
+                <a:cs typeface="+mn-cs"/>
+              </a:defRPr>
+            </a:lvl3pPr>
+            <a:lvl4pPr marL="1600200" indent="-228600" algn="l" defTabSz="457200" rtl="0" eaLnBrk="1" latinLnBrk="0" hangingPunct="1">
+              <a:spcBef>
+                <a:spcPts val="1000"/>
+              </a:spcBef>
+              <a:spcAft>
+                <a:spcPts val="0"/>
+              </a:spcAft>
+              <a:buClr>
+                <a:schemeClr val="accent1"/>
+              </a:buClr>
+              <a:buSzPct val="80000"/>
+              <a:buFont typeface="Wingdings 3" charset="2"/>
+              <a:buChar char=""/>
+              <a:defRPr sz="1200" kern="1200">
+                <a:solidFill>
+                  <a:schemeClr val="tx1">
+                    <a:lumMod val="75000"/>
+                    <a:lumOff val="25000"/>
+                  </a:schemeClr>
+                </a:solidFill>
+                <a:latin typeface="+mn-lt"/>
+                <a:ea typeface="+mn-ea"/>
+                <a:cs typeface="+mn-cs"/>
+              </a:defRPr>
+            </a:lvl4pPr>
+            <a:lvl5pPr marL="2057400" indent="-228600" algn="l" defTabSz="457200" rtl="0" eaLnBrk="1" latinLnBrk="0" hangingPunct="1">
+              <a:spcBef>
+                <a:spcPts val="1000"/>
+              </a:spcBef>
+              <a:spcAft>
+                <a:spcPts val="0"/>
+              </a:spcAft>
+              <a:buClr>
+                <a:schemeClr val="accent1"/>
+              </a:buClr>
+              <a:buSzPct val="80000"/>
+              <a:buFont typeface="Wingdings 3" charset="2"/>
+              <a:buChar char=""/>
+              <a:defRPr sz="1200" kern="1200">
+                <a:solidFill>
+                  <a:schemeClr val="tx1">
+                    <a:lumMod val="75000"/>
+                    <a:lumOff val="25000"/>
+                  </a:schemeClr>
+                </a:solidFill>
+                <a:latin typeface="+mn-lt"/>
+                <a:ea typeface="+mn-ea"/>
+                <a:cs typeface="+mn-cs"/>
+              </a:defRPr>
+            </a:lvl5pPr>
+            <a:lvl6pPr marL="2514600" indent="-228600" algn="l" defTabSz="457200" rtl="0" eaLnBrk="1" latinLnBrk="0" hangingPunct="1">
+              <a:spcBef>
+                <a:spcPts val="1000"/>
+              </a:spcBef>
+              <a:spcAft>
+                <a:spcPts val="0"/>
+              </a:spcAft>
+              <a:buClr>
+                <a:schemeClr val="accent1"/>
+              </a:buClr>
+              <a:buSzPct val="80000"/>
+              <a:buFont typeface="Wingdings 3" charset="2"/>
+              <a:buChar char=""/>
+              <a:defRPr sz="1200" kern="1200">
+                <a:solidFill>
+                  <a:schemeClr val="tx1">
+                    <a:lumMod val="75000"/>
+                    <a:lumOff val="25000"/>
+                  </a:schemeClr>
+                </a:solidFill>
+                <a:latin typeface="+mn-lt"/>
+                <a:ea typeface="+mn-ea"/>
+                <a:cs typeface="+mn-cs"/>
+              </a:defRPr>
+            </a:lvl6pPr>
+            <a:lvl7pPr marL="2971800" indent="-228600" algn="l" defTabSz="457200" rtl="0" eaLnBrk="1" latinLnBrk="0" hangingPunct="1">
+              <a:spcBef>
+                <a:spcPts val="1000"/>
+              </a:spcBef>
+              <a:spcAft>
+                <a:spcPts val="0"/>
+              </a:spcAft>
+              <a:buClr>
+                <a:schemeClr val="accent1"/>
+              </a:buClr>
+              <a:buSzPct val="80000"/>
+              <a:buFont typeface="Wingdings 3" charset="2"/>
+              <a:buChar char=""/>
+              <a:defRPr sz="1200" kern="1200">
+                <a:solidFill>
+                  <a:schemeClr val="tx1">
+                    <a:lumMod val="75000"/>
+                    <a:lumOff val="25000"/>
+                  </a:schemeClr>
+                </a:solidFill>
+                <a:latin typeface="+mn-lt"/>
+                <a:ea typeface="+mn-ea"/>
+                <a:cs typeface="+mn-cs"/>
+              </a:defRPr>
+            </a:lvl7pPr>
+            <a:lvl8pPr marL="3429000" indent="-228600" algn="l" defTabSz="457200" rtl="0" eaLnBrk="1" latinLnBrk="0" hangingPunct="1">
+              <a:spcBef>
+                <a:spcPts val="1000"/>
+              </a:spcBef>
+              <a:spcAft>
+                <a:spcPts val="0"/>
+              </a:spcAft>
+              <a:buClr>
+                <a:schemeClr val="accent1"/>
+              </a:buClr>
+              <a:buSzPct val="80000"/>
+              <a:buFont typeface="Wingdings 3" charset="2"/>
+              <a:buChar char=""/>
+              <a:defRPr sz="1200" kern="1200">
+                <a:solidFill>
+                  <a:schemeClr val="tx1">
+                    <a:lumMod val="75000"/>
+                    <a:lumOff val="25000"/>
+                  </a:schemeClr>
+                </a:solidFill>
+                <a:latin typeface="+mn-lt"/>
+                <a:ea typeface="+mn-ea"/>
+                <a:cs typeface="+mn-cs"/>
+              </a:defRPr>
+            </a:lvl8pPr>
+            <a:lvl9pPr marL="3886200" indent="-228600" algn="l" defTabSz="457200" rtl="0" eaLnBrk="1" latinLnBrk="0" hangingPunct="1">
+              <a:spcBef>
+                <a:spcPts val="1000"/>
+              </a:spcBef>
+              <a:spcAft>
+                <a:spcPts val="0"/>
+              </a:spcAft>
+              <a:buClr>
+                <a:schemeClr val="accent1"/>
+              </a:buClr>
+              <a:buSzPct val="80000"/>
+              <a:buFont typeface="Wingdings 3" charset="2"/>
+              <a:buChar char=""/>
+              <a:defRPr sz="1200" kern="1200">
+                <a:solidFill>
+                  <a:schemeClr val="tx1">
+                    <a:lumMod val="75000"/>
+                    <a:lumOff val="25000"/>
+                  </a:schemeClr>
+                </a:solidFill>
+                <a:latin typeface="+mn-lt"/>
+                <a:ea typeface="+mn-ea"/>
+                <a:cs typeface="+mn-cs"/>
+              </a:defRPr>
+            </a:lvl9pPr>
+          </a:lstStyle>
+          <a:p>
+            <a:r>
+              <a:rPr lang="en-US" sz="8000" dirty="0"/>
+              <a:t>Based on the average score per county:</a:t>
+            </a:r>
+          </a:p>
+          <a:p>
+            <a:pPr lvl="1"/>
+            <a:r>
+              <a:rPr lang="en-US" sz="8000" dirty="0"/>
+              <a:t>Johnson County spends more</a:t>
+            </a:r>
+          </a:p>
+          <a:p>
+            <a:pPr marL="0" indent="0">
+              <a:buNone/>
+            </a:pPr>
+            <a:r>
+              <a:rPr lang="en-US" dirty="0"/>
+              <a:t>	</a:t>
+            </a:r>
+            <a:endParaRPr lang="en-US" sz="6400" dirty="0"/>
+          </a:p>
+          <a:p>
+            <a:pPr marL="0" indent="0">
+              <a:buNone/>
+            </a:pPr>
+            <a:endParaRPr lang="en-US" sz="9600" dirty="0"/>
           </a:p>
         </p:txBody>
       </p:sp>
     </p:spTree>
     <p:extLst>
       <p:ext uri="{BB962C8B-B14F-4D97-AF65-F5344CB8AC3E}">
-        <p14:creationId xmlns:p14="http://schemas.microsoft.com/office/powerpoint/2010/main" val="524358472"/>
+        <p14:creationId xmlns:p14="http://schemas.microsoft.com/office/powerpoint/2010/main" val="2635635244"/>
       </p:ext>
     </p:extLst>
   </p:cSld>

--- a/SnakeBitePresentation_cfoEdits2.pptx
+++ b/SnakeBitePresentation_cfoEdits2.pptx
@@ -8642,13 +8642,18 @@
           <a:bodyPr/>
           <a:lstStyle/>
           <a:p>
-            <a:pPr algn="ctr"/>
-            <a:r>
+            <a:br>
               <a:rPr lang="en-US" dirty="0">
                 <a:latin typeface="Calibri" panose="020F0502020204030204" pitchFamily="34" charset="0"/>
                 <a:cs typeface="Calibri" panose="020F0502020204030204" pitchFamily="34" charset="0"/>
               </a:rPr>
-              <a:t>Data Cleaning</a:t>
+            </a:br>
+            <a:r>
+              <a:rPr lang="en-US" dirty="0">
+                <a:latin typeface="Calibri" panose="020F0502020204030204" pitchFamily="34" charset="0"/>
+                <a:cs typeface="Calibri" panose="020F0502020204030204" pitchFamily="34" charset="0"/>
+              </a:rPr>
+              <a:t>The data cleaning saga…</a:t>
             </a:r>
           </a:p>
         </p:txBody>
@@ -8768,7 +8773,7 @@
               <a:t>dfB</a:t>
             </a:r>
             <a:r>
-              <a:rPr lang="en-US"/>
+              <a:rPr lang="en-US" dirty="0"/>
               <a:t> score range: -30 to 50</a:t>
             </a:r>
           </a:p>
